--- a/wip/frontières/illustrations.pptx
+++ b/wip/frontières/illustrations.pptx
@@ -4372,7 +4372,7 @@
           <p:cNvPr id="65" name="Rectangle 64">
             <a:extLst>
               <a:ext uri="{FF2B5EF4-FFF2-40B4-BE49-F238E27FC236}">
-                <a16:creationId xmlns:a16="http://schemas.microsoft.com/office/drawing/2014/main" xmlns="" id="{DAC2BD3D-F30D-4E09-AF38-DD12CCE211D7}"/>
+                <a16:creationId xmlns="" xmlns:a16="http://schemas.microsoft.com/office/drawing/2014/main" id="{DAC2BD3D-F30D-4E09-AF38-DD12CCE211D7}"/>
               </a:ext>
             </a:extLst>
           </p:cNvPr>
@@ -4438,7 +4438,7 @@
           <p:cNvPr id="2" name="Groupe 1">
             <a:extLst>
               <a:ext uri="{FF2B5EF4-FFF2-40B4-BE49-F238E27FC236}">
-                <a16:creationId xmlns:a16="http://schemas.microsoft.com/office/drawing/2014/main" xmlns="" id="{678F2DEF-A191-4732-B94A-D825BF029577}"/>
+                <a16:creationId xmlns="" xmlns:a16="http://schemas.microsoft.com/office/drawing/2014/main" id="{678F2DEF-A191-4732-B94A-D825BF029577}"/>
               </a:ext>
             </a:extLst>
           </p:cNvPr>
@@ -4458,7 +4458,7 @@
             <p:cNvPr id="67" name="Freeform 16">
               <a:extLst>
                 <a:ext uri="{FF2B5EF4-FFF2-40B4-BE49-F238E27FC236}">
-                  <a16:creationId xmlns:a16="http://schemas.microsoft.com/office/drawing/2014/main" xmlns="" id="{9065C895-ABC2-4BA1-9E70-522ECB4550DF}"/>
+                  <a16:creationId xmlns="" xmlns:a16="http://schemas.microsoft.com/office/drawing/2014/main" id="{9065C895-ABC2-4BA1-9E70-522ECB4550DF}"/>
                 </a:ext>
               </a:extLst>
             </p:cNvPr>
@@ -4591,7 +4591,7 @@
             </a:ln>
             <a:extLst>
               <a:ext uri="{91240B29-F687-4f45-9708-019B960494DF}">
-                <a14:hiddenLine xmlns:a14="http://schemas.microsoft.com/office/drawing/2010/main" xmlns="" w="9525">
+                <a14:hiddenLine xmlns="" xmlns:a14="http://schemas.microsoft.com/office/drawing/2010/main" w="9525">
                   <a:solidFill>
                     <a:srgbClr val="000000"/>
                   </a:solidFill>
@@ -4619,7 +4619,7 @@
             <p:cNvPr id="68" name="Freeform 17">
               <a:extLst>
                 <a:ext uri="{FF2B5EF4-FFF2-40B4-BE49-F238E27FC236}">
-                  <a16:creationId xmlns:a16="http://schemas.microsoft.com/office/drawing/2014/main" xmlns="" id="{CB0CBD82-F1C1-4C7E-8E64-786AEECF65D9}"/>
+                  <a16:creationId xmlns="" xmlns:a16="http://schemas.microsoft.com/office/drawing/2014/main" id="{CB0CBD82-F1C1-4C7E-8E64-786AEECF65D9}"/>
                 </a:ext>
               </a:extLst>
             </p:cNvPr>
@@ -4752,7 +4752,7 @@
             </a:ln>
             <a:extLst>
               <a:ext uri="{91240B29-F687-4f45-9708-019B960494DF}">
-                <a14:hiddenLine xmlns:a14="http://schemas.microsoft.com/office/drawing/2010/main" xmlns="" w="9525">
+                <a14:hiddenLine xmlns="" xmlns:a14="http://schemas.microsoft.com/office/drawing/2010/main" w="9525">
                   <a:solidFill>
                     <a:srgbClr val="000000"/>
                   </a:solidFill>
@@ -4780,7 +4780,7 @@
             <p:cNvPr id="69" name="Oval 18">
               <a:extLst>
                 <a:ext uri="{FF2B5EF4-FFF2-40B4-BE49-F238E27FC236}">
-                  <a16:creationId xmlns:a16="http://schemas.microsoft.com/office/drawing/2014/main" xmlns="" id="{A054D83A-47E5-4AD9-A149-0D88C16A7199}"/>
+                  <a16:creationId xmlns="" xmlns:a16="http://schemas.microsoft.com/office/drawing/2014/main" id="{A054D83A-47E5-4AD9-A149-0D88C16A7199}"/>
                 </a:ext>
               </a:extLst>
             </p:cNvPr>
@@ -4805,7 +4805,7 @@
             </a:ln>
             <a:extLst>
               <a:ext uri="{91240B29-F687-4f45-9708-019B960494DF}">
-                <a14:hiddenLine xmlns:a14="http://schemas.microsoft.com/office/drawing/2010/main" xmlns="" w="9525">
+                <a14:hiddenLine xmlns="" xmlns:a14="http://schemas.microsoft.com/office/drawing/2010/main" w="9525">
                   <a:solidFill>
                     <a:srgbClr val="000000"/>
                   </a:solidFill>
@@ -4833,7 +4833,7 @@
             <p:cNvPr id="70" name="Oval 19">
               <a:extLst>
                 <a:ext uri="{FF2B5EF4-FFF2-40B4-BE49-F238E27FC236}">
-                  <a16:creationId xmlns:a16="http://schemas.microsoft.com/office/drawing/2014/main" xmlns="" id="{BAAD1406-02A7-4C5F-A621-CF29B4125392}"/>
+                  <a16:creationId xmlns="" xmlns:a16="http://schemas.microsoft.com/office/drawing/2014/main" id="{BAAD1406-02A7-4C5F-A621-CF29B4125392}"/>
                 </a:ext>
               </a:extLst>
             </p:cNvPr>
@@ -4858,7 +4858,7 @@
             </a:ln>
             <a:extLst>
               <a:ext uri="{91240B29-F687-4f45-9708-019B960494DF}">
-                <a14:hiddenLine xmlns:a14="http://schemas.microsoft.com/office/drawing/2010/main" xmlns="" w="9525">
+                <a14:hiddenLine xmlns="" xmlns:a14="http://schemas.microsoft.com/office/drawing/2010/main" w="9525">
                   <a:solidFill>
                     <a:srgbClr val="000000"/>
                   </a:solidFill>
@@ -4886,7 +4886,7 @@
             <p:cNvPr id="71" name="Oval 20">
               <a:extLst>
                 <a:ext uri="{FF2B5EF4-FFF2-40B4-BE49-F238E27FC236}">
-                  <a16:creationId xmlns:a16="http://schemas.microsoft.com/office/drawing/2014/main" xmlns="" id="{F1385403-400C-4533-8412-FD1BEF733491}"/>
+                  <a16:creationId xmlns="" xmlns:a16="http://schemas.microsoft.com/office/drawing/2014/main" id="{F1385403-400C-4533-8412-FD1BEF733491}"/>
                 </a:ext>
               </a:extLst>
             </p:cNvPr>
@@ -4911,7 +4911,7 @@
             </a:ln>
             <a:extLst>
               <a:ext uri="{91240B29-F687-4f45-9708-019B960494DF}">
-                <a14:hiddenLine xmlns:a14="http://schemas.microsoft.com/office/drawing/2010/main" xmlns="" w="9525">
+                <a14:hiddenLine xmlns="" xmlns:a14="http://schemas.microsoft.com/office/drawing/2010/main" w="9525">
                   <a:solidFill>
                     <a:srgbClr val="000000"/>
                   </a:solidFill>
@@ -4939,7 +4939,7 @@
             <p:cNvPr id="72" name="Freeform 21">
               <a:extLst>
                 <a:ext uri="{FF2B5EF4-FFF2-40B4-BE49-F238E27FC236}">
-                  <a16:creationId xmlns:a16="http://schemas.microsoft.com/office/drawing/2014/main" xmlns="" id="{CBD796B4-7594-4BBD-B9F8-7126C8FA0DA0}"/>
+                  <a16:creationId xmlns="" xmlns:a16="http://schemas.microsoft.com/office/drawing/2014/main" id="{CBD796B4-7594-4BBD-B9F8-7126C8FA0DA0}"/>
                 </a:ext>
               </a:extLst>
             </p:cNvPr>
@@ -5072,7 +5072,7 @@
             </a:ln>
             <a:extLst>
               <a:ext uri="{91240B29-F687-4f45-9708-019B960494DF}">
-                <a14:hiddenLine xmlns:a14="http://schemas.microsoft.com/office/drawing/2010/main" xmlns="" w="9525">
+                <a14:hiddenLine xmlns="" xmlns:a14="http://schemas.microsoft.com/office/drawing/2010/main" w="9525">
                   <a:solidFill>
                     <a:srgbClr val="000000"/>
                   </a:solidFill>
@@ -5100,7 +5100,7 @@
             <p:cNvPr id="73" name="Freeform 22">
               <a:extLst>
                 <a:ext uri="{FF2B5EF4-FFF2-40B4-BE49-F238E27FC236}">
-                  <a16:creationId xmlns:a16="http://schemas.microsoft.com/office/drawing/2014/main" xmlns="" id="{C6469E4C-BA3D-44DA-AF94-2A9931BAD2E9}"/>
+                  <a16:creationId xmlns="" xmlns:a16="http://schemas.microsoft.com/office/drawing/2014/main" id="{C6469E4C-BA3D-44DA-AF94-2A9931BAD2E9}"/>
                 </a:ext>
               </a:extLst>
             </p:cNvPr>
@@ -5200,7 +5200,7 @@
             </a:ln>
             <a:extLst>
               <a:ext uri="{91240B29-F687-4f45-9708-019B960494DF}">
-                <a14:hiddenLine xmlns:a14="http://schemas.microsoft.com/office/drawing/2010/main" xmlns="" w="9525">
+                <a14:hiddenLine xmlns="" xmlns:a14="http://schemas.microsoft.com/office/drawing/2010/main" w="9525">
                   <a:solidFill>
                     <a:srgbClr val="000000"/>
                   </a:solidFill>
@@ -5228,7 +5228,7 @@
             <p:cNvPr id="74" name="Freeform 23">
               <a:extLst>
                 <a:ext uri="{FF2B5EF4-FFF2-40B4-BE49-F238E27FC236}">
-                  <a16:creationId xmlns:a16="http://schemas.microsoft.com/office/drawing/2014/main" xmlns="" id="{9006A303-9DC0-4635-8622-87758450354F}"/>
+                  <a16:creationId xmlns="" xmlns:a16="http://schemas.microsoft.com/office/drawing/2014/main" id="{9006A303-9DC0-4635-8622-87758450354F}"/>
                 </a:ext>
               </a:extLst>
             </p:cNvPr>
@@ -5368,7 +5368,7 @@
             </a:ln>
             <a:extLst>
               <a:ext uri="{91240B29-F687-4f45-9708-019B960494DF}">
-                <a14:hiddenLine xmlns:a14="http://schemas.microsoft.com/office/drawing/2010/main" xmlns="" w="9525">
+                <a14:hiddenLine xmlns="" xmlns:a14="http://schemas.microsoft.com/office/drawing/2010/main" w="9525">
                   <a:solidFill>
                     <a:srgbClr val="000000"/>
                   </a:solidFill>
@@ -5396,7 +5396,7 @@
             <p:cNvPr id="75" name="Freeform 24">
               <a:extLst>
                 <a:ext uri="{FF2B5EF4-FFF2-40B4-BE49-F238E27FC236}">
-                  <a16:creationId xmlns:a16="http://schemas.microsoft.com/office/drawing/2014/main" xmlns="" id="{6D80CC9A-0DB2-47E8-9104-F25E3DC9A198}"/>
+                  <a16:creationId xmlns="" xmlns:a16="http://schemas.microsoft.com/office/drawing/2014/main" id="{6D80CC9A-0DB2-47E8-9104-F25E3DC9A198}"/>
                 </a:ext>
               </a:extLst>
             </p:cNvPr>
@@ -5529,7 +5529,7 @@
             </a:ln>
             <a:extLst>
               <a:ext uri="{91240B29-F687-4f45-9708-019B960494DF}">
-                <a14:hiddenLine xmlns:a14="http://schemas.microsoft.com/office/drawing/2010/main" xmlns="" w="9525">
+                <a14:hiddenLine xmlns="" xmlns:a14="http://schemas.microsoft.com/office/drawing/2010/main" w="9525">
                   <a:solidFill>
                     <a:srgbClr val="000000"/>
                   </a:solidFill>
@@ -5557,7 +5557,7 @@
             <p:cNvPr id="76" name="Freeform 25">
               <a:extLst>
                 <a:ext uri="{FF2B5EF4-FFF2-40B4-BE49-F238E27FC236}">
-                  <a16:creationId xmlns:a16="http://schemas.microsoft.com/office/drawing/2014/main" xmlns="" id="{3BC3D495-807A-42D6-A934-D48D9D15CD5C}"/>
+                  <a16:creationId xmlns="" xmlns:a16="http://schemas.microsoft.com/office/drawing/2014/main" id="{3BC3D495-807A-42D6-A934-D48D9D15CD5C}"/>
                 </a:ext>
               </a:extLst>
             </p:cNvPr>
@@ -5690,7 +5690,7 @@
             </a:ln>
             <a:extLst>
               <a:ext uri="{91240B29-F687-4f45-9708-019B960494DF}">
-                <a14:hiddenLine xmlns:a14="http://schemas.microsoft.com/office/drawing/2010/main" xmlns="" w="9525">
+                <a14:hiddenLine xmlns="" xmlns:a14="http://schemas.microsoft.com/office/drawing/2010/main" w="9525">
                   <a:solidFill>
                     <a:srgbClr val="000000"/>
                   </a:solidFill>
@@ -5718,7 +5718,7 @@
             <p:cNvPr id="77" name="Oval 26">
               <a:extLst>
                 <a:ext uri="{FF2B5EF4-FFF2-40B4-BE49-F238E27FC236}">
-                  <a16:creationId xmlns:a16="http://schemas.microsoft.com/office/drawing/2014/main" xmlns="" id="{F192088B-3ACB-4E40-AE13-B3F6FE6077B3}"/>
+                  <a16:creationId xmlns="" xmlns:a16="http://schemas.microsoft.com/office/drawing/2014/main" id="{F192088B-3ACB-4E40-AE13-B3F6FE6077B3}"/>
                 </a:ext>
               </a:extLst>
             </p:cNvPr>
@@ -5743,7 +5743,7 @@
             </a:ln>
             <a:extLst>
               <a:ext uri="{91240B29-F687-4f45-9708-019B960494DF}">
-                <a14:hiddenLine xmlns:a14="http://schemas.microsoft.com/office/drawing/2010/main" xmlns="" w="9525">
+                <a14:hiddenLine xmlns="" xmlns:a14="http://schemas.microsoft.com/office/drawing/2010/main" w="9525">
                   <a:solidFill>
                     <a:srgbClr val="000000"/>
                   </a:solidFill>
@@ -5771,7 +5771,7 @@
             <p:cNvPr id="78" name="Oval 27">
               <a:extLst>
                 <a:ext uri="{FF2B5EF4-FFF2-40B4-BE49-F238E27FC236}">
-                  <a16:creationId xmlns:a16="http://schemas.microsoft.com/office/drawing/2014/main" xmlns="" id="{9CB526D3-D1E0-4A63-B591-2C5949945403}"/>
+                  <a16:creationId xmlns="" xmlns:a16="http://schemas.microsoft.com/office/drawing/2014/main" id="{9CB526D3-D1E0-4A63-B591-2C5949945403}"/>
                 </a:ext>
               </a:extLst>
             </p:cNvPr>
@@ -5796,7 +5796,7 @@
             </a:ln>
             <a:extLst>
               <a:ext uri="{91240B29-F687-4f45-9708-019B960494DF}">
-                <a14:hiddenLine xmlns:a14="http://schemas.microsoft.com/office/drawing/2010/main" xmlns="" w="9525">
+                <a14:hiddenLine xmlns="" xmlns:a14="http://schemas.microsoft.com/office/drawing/2010/main" w="9525">
                   <a:solidFill>
                     <a:srgbClr val="000000"/>
                   </a:solidFill>
@@ -5824,7 +5824,7 @@
             <p:cNvPr id="79" name="Oval 28">
               <a:extLst>
                 <a:ext uri="{FF2B5EF4-FFF2-40B4-BE49-F238E27FC236}">
-                  <a16:creationId xmlns:a16="http://schemas.microsoft.com/office/drawing/2014/main" xmlns="" id="{BF9FE296-C1E3-46DC-A754-8C4DE7B16992}"/>
+                  <a16:creationId xmlns="" xmlns:a16="http://schemas.microsoft.com/office/drawing/2014/main" id="{BF9FE296-C1E3-46DC-A754-8C4DE7B16992}"/>
                 </a:ext>
               </a:extLst>
             </p:cNvPr>
@@ -5849,7 +5849,7 @@
             </a:ln>
             <a:extLst>
               <a:ext uri="{91240B29-F687-4f45-9708-019B960494DF}">
-                <a14:hiddenLine xmlns:a14="http://schemas.microsoft.com/office/drawing/2010/main" xmlns="" w="9525">
+                <a14:hiddenLine xmlns="" xmlns:a14="http://schemas.microsoft.com/office/drawing/2010/main" w="9525">
                   <a:solidFill>
                     <a:srgbClr val="000000"/>
                   </a:solidFill>
@@ -5877,7 +5877,7 @@
             <p:cNvPr id="80" name="Freeform 29">
               <a:extLst>
                 <a:ext uri="{FF2B5EF4-FFF2-40B4-BE49-F238E27FC236}">
-                  <a16:creationId xmlns:a16="http://schemas.microsoft.com/office/drawing/2014/main" xmlns="" id="{454FA7F3-3934-43E7-ACFB-6238D9E36B95}"/>
+                  <a16:creationId xmlns="" xmlns:a16="http://schemas.microsoft.com/office/drawing/2014/main" id="{454FA7F3-3934-43E7-ACFB-6238D9E36B95}"/>
                 </a:ext>
               </a:extLst>
             </p:cNvPr>
@@ -6010,7 +6010,7 @@
             </a:ln>
             <a:extLst>
               <a:ext uri="{91240B29-F687-4f45-9708-019B960494DF}">
-                <a14:hiddenLine xmlns:a14="http://schemas.microsoft.com/office/drawing/2010/main" xmlns="" w="9525">
+                <a14:hiddenLine xmlns="" xmlns:a14="http://schemas.microsoft.com/office/drawing/2010/main" w="9525">
                   <a:solidFill>
                     <a:srgbClr val="000000"/>
                   </a:solidFill>
@@ -6038,7 +6038,7 @@
             <p:cNvPr id="81" name="Freeform 30">
               <a:extLst>
                 <a:ext uri="{FF2B5EF4-FFF2-40B4-BE49-F238E27FC236}">
-                  <a16:creationId xmlns:a16="http://schemas.microsoft.com/office/drawing/2014/main" xmlns="" id="{F47E77E9-0D0B-42C1-A8B8-C94B63CC5114}"/>
+                  <a16:creationId xmlns="" xmlns:a16="http://schemas.microsoft.com/office/drawing/2014/main" id="{F47E77E9-0D0B-42C1-A8B8-C94B63CC5114}"/>
                 </a:ext>
               </a:extLst>
             </p:cNvPr>
@@ -6138,7 +6138,7 @@
             </a:ln>
             <a:extLst>
               <a:ext uri="{91240B29-F687-4f45-9708-019B960494DF}">
-                <a14:hiddenLine xmlns:a14="http://schemas.microsoft.com/office/drawing/2010/main" xmlns="" w="9525">
+                <a14:hiddenLine xmlns="" xmlns:a14="http://schemas.microsoft.com/office/drawing/2010/main" w="9525">
                   <a:solidFill>
                     <a:srgbClr val="000000"/>
                   </a:solidFill>
@@ -6166,7 +6166,7 @@
             <p:cNvPr id="82" name="Freeform 31">
               <a:extLst>
                 <a:ext uri="{FF2B5EF4-FFF2-40B4-BE49-F238E27FC236}">
-                  <a16:creationId xmlns:a16="http://schemas.microsoft.com/office/drawing/2014/main" xmlns="" id="{1455675C-67D6-423B-9228-16BEA8E811B6}"/>
+                  <a16:creationId xmlns="" xmlns:a16="http://schemas.microsoft.com/office/drawing/2014/main" id="{1455675C-67D6-423B-9228-16BEA8E811B6}"/>
                 </a:ext>
               </a:extLst>
             </p:cNvPr>
@@ -6306,7 +6306,7 @@
             </a:ln>
             <a:extLst>
               <a:ext uri="{91240B29-F687-4f45-9708-019B960494DF}">
-                <a14:hiddenLine xmlns:a14="http://schemas.microsoft.com/office/drawing/2010/main" xmlns="" w="9525">
+                <a14:hiddenLine xmlns="" xmlns:a14="http://schemas.microsoft.com/office/drawing/2010/main" w="9525">
                   <a:solidFill>
                     <a:srgbClr val="000000"/>
                   </a:solidFill>
@@ -6334,7 +6334,7 @@
             <p:cNvPr id="83" name="Freeform 32">
               <a:extLst>
                 <a:ext uri="{FF2B5EF4-FFF2-40B4-BE49-F238E27FC236}">
-                  <a16:creationId xmlns:a16="http://schemas.microsoft.com/office/drawing/2014/main" xmlns="" id="{BF526C6B-3E39-4846-A820-77F5A305AE3C}"/>
+                  <a16:creationId xmlns="" xmlns:a16="http://schemas.microsoft.com/office/drawing/2014/main" id="{BF526C6B-3E39-4846-A820-77F5A305AE3C}"/>
                 </a:ext>
               </a:extLst>
             </p:cNvPr>
@@ -6402,7 +6402,7 @@
             </a:ln>
             <a:extLst>
               <a:ext uri="{91240B29-F687-4f45-9708-019B960494DF}">
-                <a14:hiddenLine xmlns:a14="http://schemas.microsoft.com/office/drawing/2010/main" xmlns="" w="9525">
+                <a14:hiddenLine xmlns="" xmlns:a14="http://schemas.microsoft.com/office/drawing/2010/main" w="9525">
                   <a:solidFill>
                     <a:srgbClr val="000000"/>
                   </a:solidFill>
@@ -6430,7 +6430,7 @@
             <p:cNvPr id="84" name="Freeform 33">
               <a:extLst>
                 <a:ext uri="{FF2B5EF4-FFF2-40B4-BE49-F238E27FC236}">
-                  <a16:creationId xmlns:a16="http://schemas.microsoft.com/office/drawing/2014/main" xmlns="" id="{0C9F02C9-A3C0-45C7-9185-D3CB68EDE808}"/>
+                  <a16:creationId xmlns="" xmlns:a16="http://schemas.microsoft.com/office/drawing/2014/main" id="{0C9F02C9-A3C0-45C7-9185-D3CB68EDE808}"/>
                 </a:ext>
               </a:extLst>
             </p:cNvPr>
@@ -6563,7 +6563,7 @@
             </a:ln>
             <a:extLst>
               <a:ext uri="{91240B29-F687-4f45-9708-019B960494DF}">
-                <a14:hiddenLine xmlns:a14="http://schemas.microsoft.com/office/drawing/2010/main" xmlns="" w="9525">
+                <a14:hiddenLine xmlns="" xmlns:a14="http://schemas.microsoft.com/office/drawing/2010/main" w="9525">
                   <a:solidFill>
                     <a:srgbClr val="000000"/>
                   </a:solidFill>
@@ -6591,7 +6591,7 @@
             <p:cNvPr id="85" name="Freeform 34">
               <a:extLst>
                 <a:ext uri="{FF2B5EF4-FFF2-40B4-BE49-F238E27FC236}">
-                  <a16:creationId xmlns:a16="http://schemas.microsoft.com/office/drawing/2014/main" xmlns="" id="{90DF2138-1C84-46D4-8778-8585160EF88A}"/>
+                  <a16:creationId xmlns="" xmlns:a16="http://schemas.microsoft.com/office/drawing/2014/main" id="{90DF2138-1C84-46D4-8778-8585160EF88A}"/>
                 </a:ext>
               </a:extLst>
             </p:cNvPr>
@@ -6724,7 +6724,7 @@
             </a:ln>
             <a:extLst>
               <a:ext uri="{91240B29-F687-4f45-9708-019B960494DF}">
-                <a14:hiddenLine xmlns:a14="http://schemas.microsoft.com/office/drawing/2010/main" xmlns="" w="9525">
+                <a14:hiddenLine xmlns="" xmlns:a14="http://schemas.microsoft.com/office/drawing/2010/main" w="9525">
                   <a:solidFill>
                     <a:srgbClr val="000000"/>
                   </a:solidFill>
@@ -6752,7 +6752,7 @@
             <p:cNvPr id="86" name="Oval 35">
               <a:extLst>
                 <a:ext uri="{FF2B5EF4-FFF2-40B4-BE49-F238E27FC236}">
-                  <a16:creationId xmlns:a16="http://schemas.microsoft.com/office/drawing/2014/main" xmlns="" id="{0816FF9E-F9A4-45E7-9452-A3AB5C9FC622}"/>
+                  <a16:creationId xmlns="" xmlns:a16="http://schemas.microsoft.com/office/drawing/2014/main" id="{0816FF9E-F9A4-45E7-9452-A3AB5C9FC622}"/>
                 </a:ext>
               </a:extLst>
             </p:cNvPr>
@@ -6777,7 +6777,7 @@
             </a:ln>
             <a:extLst>
               <a:ext uri="{91240B29-F687-4f45-9708-019B960494DF}">
-                <a14:hiddenLine xmlns:a14="http://schemas.microsoft.com/office/drawing/2010/main" xmlns="" w="9525">
+                <a14:hiddenLine xmlns="" xmlns:a14="http://schemas.microsoft.com/office/drawing/2010/main" w="9525">
                   <a:solidFill>
                     <a:srgbClr val="000000"/>
                   </a:solidFill>
@@ -6805,7 +6805,7 @@
             <p:cNvPr id="87" name="Oval 36">
               <a:extLst>
                 <a:ext uri="{FF2B5EF4-FFF2-40B4-BE49-F238E27FC236}">
-                  <a16:creationId xmlns:a16="http://schemas.microsoft.com/office/drawing/2014/main" xmlns="" id="{C838B80C-7BF6-4D16-B4CE-821D9F501E90}"/>
+                  <a16:creationId xmlns="" xmlns:a16="http://schemas.microsoft.com/office/drawing/2014/main" id="{C838B80C-7BF6-4D16-B4CE-821D9F501E90}"/>
                 </a:ext>
               </a:extLst>
             </p:cNvPr>
@@ -6830,7 +6830,7 @@
             </a:ln>
             <a:extLst>
               <a:ext uri="{91240B29-F687-4f45-9708-019B960494DF}">
-                <a14:hiddenLine xmlns:a14="http://schemas.microsoft.com/office/drawing/2010/main" xmlns="" w="9525">
+                <a14:hiddenLine xmlns="" xmlns:a14="http://schemas.microsoft.com/office/drawing/2010/main" w="9525">
                   <a:solidFill>
                     <a:srgbClr val="000000"/>
                   </a:solidFill>
@@ -6858,7 +6858,7 @@
             <p:cNvPr id="88" name="Oval 37">
               <a:extLst>
                 <a:ext uri="{FF2B5EF4-FFF2-40B4-BE49-F238E27FC236}">
-                  <a16:creationId xmlns:a16="http://schemas.microsoft.com/office/drawing/2014/main" xmlns="" id="{2664348C-28C6-4FCF-B395-AA547E04787D}"/>
+                  <a16:creationId xmlns="" xmlns:a16="http://schemas.microsoft.com/office/drawing/2014/main" id="{2664348C-28C6-4FCF-B395-AA547E04787D}"/>
                 </a:ext>
               </a:extLst>
             </p:cNvPr>
@@ -6883,7 +6883,7 @@
             </a:ln>
             <a:extLst>
               <a:ext uri="{91240B29-F687-4f45-9708-019B960494DF}">
-                <a14:hiddenLine xmlns:a14="http://schemas.microsoft.com/office/drawing/2010/main" xmlns="" w="9525">
+                <a14:hiddenLine xmlns="" xmlns:a14="http://schemas.microsoft.com/office/drawing/2010/main" w="9525">
                   <a:solidFill>
                     <a:srgbClr val="000000"/>
                   </a:solidFill>
@@ -6911,7 +6911,7 @@
             <p:cNvPr id="89" name="Freeform 38">
               <a:extLst>
                 <a:ext uri="{FF2B5EF4-FFF2-40B4-BE49-F238E27FC236}">
-                  <a16:creationId xmlns:a16="http://schemas.microsoft.com/office/drawing/2014/main" xmlns="" id="{C239B007-982E-43A6-8C3C-C7C998402056}"/>
+                  <a16:creationId xmlns="" xmlns:a16="http://schemas.microsoft.com/office/drawing/2014/main" id="{C239B007-982E-43A6-8C3C-C7C998402056}"/>
                 </a:ext>
               </a:extLst>
             </p:cNvPr>
@@ -7044,7 +7044,7 @@
             </a:ln>
             <a:extLst>
               <a:ext uri="{91240B29-F687-4f45-9708-019B960494DF}">
-                <a14:hiddenLine xmlns:a14="http://schemas.microsoft.com/office/drawing/2010/main" xmlns="" w="9525">
+                <a14:hiddenLine xmlns="" xmlns:a14="http://schemas.microsoft.com/office/drawing/2010/main" w="9525">
                   <a:solidFill>
                     <a:srgbClr val="000000"/>
                   </a:solidFill>
@@ -7072,7 +7072,7 @@
             <p:cNvPr id="90" name="Freeform 39">
               <a:extLst>
                 <a:ext uri="{FF2B5EF4-FFF2-40B4-BE49-F238E27FC236}">
-                  <a16:creationId xmlns:a16="http://schemas.microsoft.com/office/drawing/2014/main" xmlns="" id="{BD36DE13-21E5-4270-BF53-1A521DC0C342}"/>
+                  <a16:creationId xmlns="" xmlns:a16="http://schemas.microsoft.com/office/drawing/2014/main" id="{BD36DE13-21E5-4270-BF53-1A521DC0C342}"/>
                 </a:ext>
               </a:extLst>
             </p:cNvPr>
@@ -7172,7 +7172,7 @@
             </a:ln>
             <a:extLst>
               <a:ext uri="{91240B29-F687-4f45-9708-019B960494DF}">
-                <a14:hiddenLine xmlns:a14="http://schemas.microsoft.com/office/drawing/2010/main" xmlns="" w="9525">
+                <a14:hiddenLine xmlns="" xmlns:a14="http://schemas.microsoft.com/office/drawing/2010/main" w="9525">
                   <a:solidFill>
                     <a:srgbClr val="000000"/>
                   </a:solidFill>
@@ -7200,7 +7200,7 @@
             <p:cNvPr id="91" name="Freeform 40">
               <a:extLst>
                 <a:ext uri="{FF2B5EF4-FFF2-40B4-BE49-F238E27FC236}">
-                  <a16:creationId xmlns:a16="http://schemas.microsoft.com/office/drawing/2014/main" xmlns="" id="{10DCD4BD-4788-426E-BDDD-3E1BB6F298D9}"/>
+                  <a16:creationId xmlns="" xmlns:a16="http://schemas.microsoft.com/office/drawing/2014/main" id="{10DCD4BD-4788-426E-BDDD-3E1BB6F298D9}"/>
                 </a:ext>
               </a:extLst>
             </p:cNvPr>
@@ -7340,7 +7340,7 @@
             </a:ln>
             <a:extLst>
               <a:ext uri="{91240B29-F687-4f45-9708-019B960494DF}">
-                <a14:hiddenLine xmlns:a14="http://schemas.microsoft.com/office/drawing/2010/main" xmlns="" w="9525">
+                <a14:hiddenLine xmlns="" xmlns:a14="http://schemas.microsoft.com/office/drawing/2010/main" w="9525">
                   <a:solidFill>
                     <a:srgbClr val="000000"/>
                   </a:solidFill>
@@ -7368,7 +7368,7 @@
             <p:cNvPr id="92" name="Freeform 41">
               <a:extLst>
                 <a:ext uri="{FF2B5EF4-FFF2-40B4-BE49-F238E27FC236}">
-                  <a16:creationId xmlns:a16="http://schemas.microsoft.com/office/drawing/2014/main" xmlns="" id="{FEF4CBF7-5365-48B8-8E31-9C2E284C94F1}"/>
+                  <a16:creationId xmlns="" xmlns:a16="http://schemas.microsoft.com/office/drawing/2014/main" id="{FEF4CBF7-5365-48B8-8E31-9C2E284C94F1}"/>
                 </a:ext>
               </a:extLst>
             </p:cNvPr>
@@ -7436,7 +7436,7 @@
             </a:ln>
             <a:extLst>
               <a:ext uri="{91240B29-F687-4f45-9708-019B960494DF}">
-                <a14:hiddenLine xmlns:a14="http://schemas.microsoft.com/office/drawing/2010/main" xmlns="" w="9525">
+                <a14:hiddenLine xmlns="" xmlns:a14="http://schemas.microsoft.com/office/drawing/2010/main" w="9525">
                   <a:solidFill>
                     <a:srgbClr val="000000"/>
                   </a:solidFill>
@@ -7464,7 +7464,7 @@
             <p:cNvPr id="93" name="Freeform 42">
               <a:extLst>
                 <a:ext uri="{FF2B5EF4-FFF2-40B4-BE49-F238E27FC236}">
-                  <a16:creationId xmlns:a16="http://schemas.microsoft.com/office/drawing/2014/main" xmlns="" id="{6B4C49B7-3135-4EB2-92F5-D28216A583AB}"/>
+                  <a16:creationId xmlns="" xmlns:a16="http://schemas.microsoft.com/office/drawing/2014/main" id="{6B4C49B7-3135-4EB2-92F5-D28216A583AB}"/>
                 </a:ext>
               </a:extLst>
             </p:cNvPr>
@@ -7597,7 +7597,7 @@
             </a:ln>
             <a:extLst>
               <a:ext uri="{91240B29-F687-4f45-9708-019B960494DF}">
-                <a14:hiddenLine xmlns:a14="http://schemas.microsoft.com/office/drawing/2010/main" xmlns="" w="9525">
+                <a14:hiddenLine xmlns="" xmlns:a14="http://schemas.microsoft.com/office/drawing/2010/main" w="9525">
                   <a:solidFill>
                     <a:srgbClr val="000000"/>
                   </a:solidFill>
@@ -7625,7 +7625,7 @@
             <p:cNvPr id="94" name="Freeform 43">
               <a:extLst>
                 <a:ext uri="{FF2B5EF4-FFF2-40B4-BE49-F238E27FC236}">
-                  <a16:creationId xmlns:a16="http://schemas.microsoft.com/office/drawing/2014/main" xmlns="" id="{2D0C9EB9-0F19-4295-8DD0-7C8E2C593D77}"/>
+                  <a16:creationId xmlns="" xmlns:a16="http://schemas.microsoft.com/office/drawing/2014/main" id="{2D0C9EB9-0F19-4295-8DD0-7C8E2C593D77}"/>
                 </a:ext>
               </a:extLst>
             </p:cNvPr>
@@ -7758,7 +7758,7 @@
             </a:ln>
             <a:extLst>
               <a:ext uri="{91240B29-F687-4f45-9708-019B960494DF}">
-                <a14:hiddenLine xmlns:a14="http://schemas.microsoft.com/office/drawing/2010/main" xmlns="" w="9525">
+                <a14:hiddenLine xmlns="" xmlns:a14="http://schemas.microsoft.com/office/drawing/2010/main" w="9525">
                   <a:solidFill>
                     <a:srgbClr val="000000"/>
                   </a:solidFill>
@@ -7786,7 +7786,7 @@
             <p:cNvPr id="95" name="Oval 44">
               <a:extLst>
                 <a:ext uri="{FF2B5EF4-FFF2-40B4-BE49-F238E27FC236}">
-                  <a16:creationId xmlns:a16="http://schemas.microsoft.com/office/drawing/2014/main" xmlns="" id="{B7D28315-AC60-4F12-9BD7-160A197C807B}"/>
+                  <a16:creationId xmlns="" xmlns:a16="http://schemas.microsoft.com/office/drawing/2014/main" id="{B7D28315-AC60-4F12-9BD7-160A197C807B}"/>
                 </a:ext>
               </a:extLst>
             </p:cNvPr>
@@ -7811,7 +7811,7 @@
             </a:ln>
             <a:extLst>
               <a:ext uri="{91240B29-F687-4f45-9708-019B960494DF}">
-                <a14:hiddenLine xmlns:a14="http://schemas.microsoft.com/office/drawing/2010/main" xmlns="" w="9525">
+                <a14:hiddenLine xmlns="" xmlns:a14="http://schemas.microsoft.com/office/drawing/2010/main" w="9525">
                   <a:solidFill>
                     <a:srgbClr val="000000"/>
                   </a:solidFill>
@@ -7839,7 +7839,7 @@
             <p:cNvPr id="96" name="Oval 45">
               <a:extLst>
                 <a:ext uri="{FF2B5EF4-FFF2-40B4-BE49-F238E27FC236}">
-                  <a16:creationId xmlns:a16="http://schemas.microsoft.com/office/drawing/2014/main" xmlns="" id="{257E426D-A08D-4A3E-BA02-57BED8CA0099}"/>
+                  <a16:creationId xmlns="" xmlns:a16="http://schemas.microsoft.com/office/drawing/2014/main" id="{257E426D-A08D-4A3E-BA02-57BED8CA0099}"/>
                 </a:ext>
               </a:extLst>
             </p:cNvPr>
@@ -7864,7 +7864,7 @@
             </a:ln>
             <a:extLst>
               <a:ext uri="{91240B29-F687-4f45-9708-019B960494DF}">
-                <a14:hiddenLine xmlns:a14="http://schemas.microsoft.com/office/drawing/2010/main" xmlns="" w="9525">
+                <a14:hiddenLine xmlns="" xmlns:a14="http://schemas.microsoft.com/office/drawing/2010/main" w="9525">
                   <a:solidFill>
                     <a:srgbClr val="000000"/>
                   </a:solidFill>
@@ -7892,7 +7892,7 @@
             <p:cNvPr id="97" name="Oval 46">
               <a:extLst>
                 <a:ext uri="{FF2B5EF4-FFF2-40B4-BE49-F238E27FC236}">
-                  <a16:creationId xmlns:a16="http://schemas.microsoft.com/office/drawing/2014/main" xmlns="" id="{456DF678-7FF3-40D2-B1C9-CCC326EE155C}"/>
+                  <a16:creationId xmlns="" xmlns:a16="http://schemas.microsoft.com/office/drawing/2014/main" id="{456DF678-7FF3-40D2-B1C9-CCC326EE155C}"/>
                 </a:ext>
               </a:extLst>
             </p:cNvPr>
@@ -7917,7 +7917,7 @@
             </a:ln>
             <a:extLst>
               <a:ext uri="{91240B29-F687-4f45-9708-019B960494DF}">
-                <a14:hiddenLine xmlns:a14="http://schemas.microsoft.com/office/drawing/2010/main" xmlns="" w="9525">
+                <a14:hiddenLine xmlns="" xmlns:a14="http://schemas.microsoft.com/office/drawing/2010/main" w="9525">
                   <a:solidFill>
                     <a:srgbClr val="000000"/>
                   </a:solidFill>
@@ -7945,7 +7945,7 @@
             <p:cNvPr id="98" name="Freeform 47">
               <a:extLst>
                 <a:ext uri="{FF2B5EF4-FFF2-40B4-BE49-F238E27FC236}">
-                  <a16:creationId xmlns:a16="http://schemas.microsoft.com/office/drawing/2014/main" xmlns="" id="{0909DE71-F161-4D75-8B0F-C5615F34B22A}"/>
+                  <a16:creationId xmlns="" xmlns:a16="http://schemas.microsoft.com/office/drawing/2014/main" id="{0909DE71-F161-4D75-8B0F-C5615F34B22A}"/>
                 </a:ext>
               </a:extLst>
             </p:cNvPr>
@@ -8078,7 +8078,7 @@
             </a:ln>
             <a:extLst>
               <a:ext uri="{91240B29-F687-4f45-9708-019B960494DF}">
-                <a14:hiddenLine xmlns:a14="http://schemas.microsoft.com/office/drawing/2010/main" xmlns="" w="9525">
+                <a14:hiddenLine xmlns="" xmlns:a14="http://schemas.microsoft.com/office/drawing/2010/main" w="9525">
                   <a:solidFill>
                     <a:srgbClr val="000000"/>
                   </a:solidFill>
@@ -8106,7 +8106,7 @@
             <p:cNvPr id="99" name="Freeform 48">
               <a:extLst>
                 <a:ext uri="{FF2B5EF4-FFF2-40B4-BE49-F238E27FC236}">
-                  <a16:creationId xmlns:a16="http://schemas.microsoft.com/office/drawing/2014/main" xmlns="" id="{A5C50A28-7082-4E72-B482-42A519B76778}"/>
+                  <a16:creationId xmlns="" xmlns:a16="http://schemas.microsoft.com/office/drawing/2014/main" id="{A5C50A28-7082-4E72-B482-42A519B76778}"/>
                 </a:ext>
               </a:extLst>
             </p:cNvPr>
@@ -8206,7 +8206,7 @@
             </a:ln>
             <a:extLst>
               <a:ext uri="{91240B29-F687-4f45-9708-019B960494DF}">
-                <a14:hiddenLine xmlns:a14="http://schemas.microsoft.com/office/drawing/2010/main" xmlns="" w="9525">
+                <a14:hiddenLine xmlns="" xmlns:a14="http://schemas.microsoft.com/office/drawing/2010/main" w="9525">
                   <a:solidFill>
                     <a:srgbClr val="000000"/>
                   </a:solidFill>
@@ -8234,7 +8234,7 @@
             <p:cNvPr id="100" name="Freeform 49">
               <a:extLst>
                 <a:ext uri="{FF2B5EF4-FFF2-40B4-BE49-F238E27FC236}">
-                  <a16:creationId xmlns:a16="http://schemas.microsoft.com/office/drawing/2014/main" xmlns="" id="{2688176B-B99B-40F5-BF5E-B7B9F89F99E0}"/>
+                  <a16:creationId xmlns="" xmlns:a16="http://schemas.microsoft.com/office/drawing/2014/main" id="{2688176B-B99B-40F5-BF5E-B7B9F89F99E0}"/>
                 </a:ext>
               </a:extLst>
             </p:cNvPr>
@@ -8374,7 +8374,7 @@
             </a:ln>
             <a:extLst>
               <a:ext uri="{91240B29-F687-4f45-9708-019B960494DF}">
-                <a14:hiddenLine xmlns:a14="http://schemas.microsoft.com/office/drawing/2010/main" xmlns="" w="9525">
+                <a14:hiddenLine xmlns="" xmlns:a14="http://schemas.microsoft.com/office/drawing/2010/main" w="9525">
                   <a:solidFill>
                     <a:srgbClr val="000000"/>
                   </a:solidFill>
@@ -8402,7 +8402,7 @@
             <p:cNvPr id="101" name="Freeform 50">
               <a:extLst>
                 <a:ext uri="{FF2B5EF4-FFF2-40B4-BE49-F238E27FC236}">
-                  <a16:creationId xmlns:a16="http://schemas.microsoft.com/office/drawing/2014/main" xmlns="" id="{1C45397B-8D76-4F97-BEDF-3AC108D950C7}"/>
+                  <a16:creationId xmlns="" xmlns:a16="http://schemas.microsoft.com/office/drawing/2014/main" id="{1C45397B-8D76-4F97-BEDF-3AC108D950C7}"/>
                 </a:ext>
               </a:extLst>
             </p:cNvPr>
@@ -8470,7 +8470,7 @@
             </a:ln>
             <a:extLst>
               <a:ext uri="{91240B29-F687-4f45-9708-019B960494DF}">
-                <a14:hiddenLine xmlns:a14="http://schemas.microsoft.com/office/drawing/2010/main" xmlns="" w="9525">
+                <a14:hiddenLine xmlns="" xmlns:a14="http://schemas.microsoft.com/office/drawing/2010/main" w="9525">
                   <a:solidFill>
                     <a:srgbClr val="000000"/>
                   </a:solidFill>
@@ -8498,7 +8498,7 @@
             <p:cNvPr id="102" name="Freeform 51">
               <a:extLst>
                 <a:ext uri="{FF2B5EF4-FFF2-40B4-BE49-F238E27FC236}">
-                  <a16:creationId xmlns:a16="http://schemas.microsoft.com/office/drawing/2014/main" xmlns="" id="{9CFCB0FA-DD87-4C92-B3E1-CFD004752941}"/>
+                  <a16:creationId xmlns="" xmlns:a16="http://schemas.microsoft.com/office/drawing/2014/main" id="{9CFCB0FA-DD87-4C92-B3E1-CFD004752941}"/>
                 </a:ext>
               </a:extLst>
             </p:cNvPr>
@@ -8631,7 +8631,7 @@
             </a:ln>
             <a:extLst>
               <a:ext uri="{91240B29-F687-4f45-9708-019B960494DF}">
-                <a14:hiddenLine xmlns:a14="http://schemas.microsoft.com/office/drawing/2010/main" xmlns="" w="9525">
+                <a14:hiddenLine xmlns="" xmlns:a14="http://schemas.microsoft.com/office/drawing/2010/main" w="9525">
                   <a:solidFill>
                     <a:srgbClr val="000000"/>
                   </a:solidFill>
@@ -8659,7 +8659,7 @@
             <p:cNvPr id="103" name="Freeform 52">
               <a:extLst>
                 <a:ext uri="{FF2B5EF4-FFF2-40B4-BE49-F238E27FC236}">
-                  <a16:creationId xmlns:a16="http://schemas.microsoft.com/office/drawing/2014/main" xmlns="" id="{AD94F72C-CC90-422E-9D08-4CDCDA8BB87D}"/>
+                  <a16:creationId xmlns="" xmlns:a16="http://schemas.microsoft.com/office/drawing/2014/main" id="{AD94F72C-CC90-422E-9D08-4CDCDA8BB87D}"/>
                 </a:ext>
               </a:extLst>
             </p:cNvPr>
@@ -8792,7 +8792,7 @@
             </a:ln>
             <a:extLst>
               <a:ext uri="{91240B29-F687-4f45-9708-019B960494DF}">
-                <a14:hiddenLine xmlns:a14="http://schemas.microsoft.com/office/drawing/2010/main" xmlns="" w="9525">
+                <a14:hiddenLine xmlns="" xmlns:a14="http://schemas.microsoft.com/office/drawing/2010/main" w="9525">
                   <a:solidFill>
                     <a:srgbClr val="000000"/>
                   </a:solidFill>
@@ -8820,7 +8820,7 @@
             <p:cNvPr id="104" name="Oval 53">
               <a:extLst>
                 <a:ext uri="{FF2B5EF4-FFF2-40B4-BE49-F238E27FC236}">
-                  <a16:creationId xmlns:a16="http://schemas.microsoft.com/office/drawing/2014/main" xmlns="" id="{A541BAA6-0F3B-4A5F-95F1-1190D7CAF2D1}"/>
+                  <a16:creationId xmlns="" xmlns:a16="http://schemas.microsoft.com/office/drawing/2014/main" id="{A541BAA6-0F3B-4A5F-95F1-1190D7CAF2D1}"/>
                 </a:ext>
               </a:extLst>
             </p:cNvPr>
@@ -8845,7 +8845,7 @@
             </a:ln>
             <a:extLst>
               <a:ext uri="{91240B29-F687-4f45-9708-019B960494DF}">
-                <a14:hiddenLine xmlns:a14="http://schemas.microsoft.com/office/drawing/2010/main" xmlns="" w="9525">
+                <a14:hiddenLine xmlns="" xmlns:a14="http://schemas.microsoft.com/office/drawing/2010/main" w="9525">
                   <a:solidFill>
                     <a:srgbClr val="000000"/>
                   </a:solidFill>
@@ -8873,7 +8873,7 @@
             <p:cNvPr id="105" name="Freeform 59">
               <a:extLst>
                 <a:ext uri="{FF2B5EF4-FFF2-40B4-BE49-F238E27FC236}">
-                  <a16:creationId xmlns:a16="http://schemas.microsoft.com/office/drawing/2014/main" xmlns="" id="{398827D7-5E4B-4CC9-9B4E-26A8F8637B7F}"/>
+                  <a16:creationId xmlns="" xmlns:a16="http://schemas.microsoft.com/office/drawing/2014/main" id="{398827D7-5E4B-4CC9-9B4E-26A8F8637B7F}"/>
                 </a:ext>
               </a:extLst>
             </p:cNvPr>
@@ -8941,7 +8941,7 @@
             </a:ln>
             <a:extLst>
               <a:ext uri="{91240B29-F687-4f45-9708-019B960494DF}">
-                <a14:hiddenLine xmlns:a14="http://schemas.microsoft.com/office/drawing/2010/main" xmlns="" w="9525">
+                <a14:hiddenLine xmlns="" xmlns:a14="http://schemas.microsoft.com/office/drawing/2010/main" w="9525">
                   <a:solidFill>
                     <a:srgbClr val="000000"/>
                   </a:solidFill>
@@ -8969,7 +8969,7 @@
             <p:cNvPr id="106" name="Freeform 16">
               <a:extLst>
                 <a:ext uri="{FF2B5EF4-FFF2-40B4-BE49-F238E27FC236}">
-                  <a16:creationId xmlns:a16="http://schemas.microsoft.com/office/drawing/2014/main" xmlns="" id="{31CE89DB-F37E-4DA9-A8B2-F469E38E28CB}"/>
+                  <a16:creationId xmlns="" xmlns:a16="http://schemas.microsoft.com/office/drawing/2014/main" id="{31CE89DB-F37E-4DA9-A8B2-F469E38E28CB}"/>
                 </a:ext>
               </a:extLst>
             </p:cNvPr>
@@ -9102,7 +9102,7 @@
             </a:ln>
             <a:extLst>
               <a:ext uri="{91240B29-F687-4f45-9708-019B960494DF}">
-                <a14:hiddenLine xmlns:a14="http://schemas.microsoft.com/office/drawing/2010/main" xmlns="" w="9525">
+                <a14:hiddenLine xmlns="" xmlns:a14="http://schemas.microsoft.com/office/drawing/2010/main" w="9525">
                   <a:solidFill>
                     <a:srgbClr val="000000"/>
                   </a:solidFill>
@@ -9130,7 +9130,7 @@
             <p:cNvPr id="107" name="Freeform 17">
               <a:extLst>
                 <a:ext uri="{FF2B5EF4-FFF2-40B4-BE49-F238E27FC236}">
-                  <a16:creationId xmlns:a16="http://schemas.microsoft.com/office/drawing/2014/main" xmlns="" id="{FFEF1B2B-4687-411D-B1E8-4B4F075B9723}"/>
+                  <a16:creationId xmlns="" xmlns:a16="http://schemas.microsoft.com/office/drawing/2014/main" id="{FFEF1B2B-4687-411D-B1E8-4B4F075B9723}"/>
                 </a:ext>
               </a:extLst>
             </p:cNvPr>
@@ -9263,7 +9263,7 @@
             </a:ln>
             <a:extLst>
               <a:ext uri="{91240B29-F687-4f45-9708-019B960494DF}">
-                <a14:hiddenLine xmlns:a14="http://schemas.microsoft.com/office/drawing/2010/main" xmlns="" w="9525">
+                <a14:hiddenLine xmlns="" xmlns:a14="http://schemas.microsoft.com/office/drawing/2010/main" w="9525">
                   <a:solidFill>
                     <a:srgbClr val="000000"/>
                   </a:solidFill>
@@ -9291,7 +9291,7 @@
             <p:cNvPr id="108" name="Oval 18">
               <a:extLst>
                 <a:ext uri="{FF2B5EF4-FFF2-40B4-BE49-F238E27FC236}">
-                  <a16:creationId xmlns:a16="http://schemas.microsoft.com/office/drawing/2014/main" xmlns="" id="{8B436B09-C989-48F9-B988-02257B53AD95}"/>
+                  <a16:creationId xmlns="" xmlns:a16="http://schemas.microsoft.com/office/drawing/2014/main" id="{8B436B09-C989-48F9-B988-02257B53AD95}"/>
                 </a:ext>
               </a:extLst>
             </p:cNvPr>
@@ -9316,7 +9316,7 @@
             </a:ln>
             <a:extLst>
               <a:ext uri="{91240B29-F687-4f45-9708-019B960494DF}">
-                <a14:hiddenLine xmlns:a14="http://schemas.microsoft.com/office/drawing/2010/main" xmlns="" w="9525">
+                <a14:hiddenLine xmlns="" xmlns:a14="http://schemas.microsoft.com/office/drawing/2010/main" w="9525">
                   <a:solidFill>
                     <a:srgbClr val="000000"/>
                   </a:solidFill>
@@ -9344,7 +9344,7 @@
             <p:cNvPr id="109" name="Oval 19">
               <a:extLst>
                 <a:ext uri="{FF2B5EF4-FFF2-40B4-BE49-F238E27FC236}">
-                  <a16:creationId xmlns:a16="http://schemas.microsoft.com/office/drawing/2014/main" xmlns="" id="{80142D17-F659-4531-B720-7EE9C9EADBBC}"/>
+                  <a16:creationId xmlns="" xmlns:a16="http://schemas.microsoft.com/office/drawing/2014/main" id="{80142D17-F659-4531-B720-7EE9C9EADBBC}"/>
                 </a:ext>
               </a:extLst>
             </p:cNvPr>
@@ -9369,7 +9369,7 @@
             </a:ln>
             <a:extLst>
               <a:ext uri="{91240B29-F687-4f45-9708-019B960494DF}">
-                <a14:hiddenLine xmlns:a14="http://schemas.microsoft.com/office/drawing/2010/main" xmlns="" w="9525">
+                <a14:hiddenLine xmlns="" xmlns:a14="http://schemas.microsoft.com/office/drawing/2010/main" w="9525">
                   <a:solidFill>
                     <a:srgbClr val="000000"/>
                   </a:solidFill>
@@ -9397,7 +9397,7 @@
             <p:cNvPr id="110" name="Oval 20">
               <a:extLst>
                 <a:ext uri="{FF2B5EF4-FFF2-40B4-BE49-F238E27FC236}">
-                  <a16:creationId xmlns:a16="http://schemas.microsoft.com/office/drawing/2014/main" xmlns="" id="{FBB8A711-39DF-4380-BF61-2E5362E1FFDF}"/>
+                  <a16:creationId xmlns="" xmlns:a16="http://schemas.microsoft.com/office/drawing/2014/main" id="{FBB8A711-39DF-4380-BF61-2E5362E1FFDF}"/>
                 </a:ext>
               </a:extLst>
             </p:cNvPr>
@@ -9422,7 +9422,7 @@
             </a:ln>
             <a:extLst>
               <a:ext uri="{91240B29-F687-4f45-9708-019B960494DF}">
-                <a14:hiddenLine xmlns:a14="http://schemas.microsoft.com/office/drawing/2010/main" xmlns="" w="9525">
+                <a14:hiddenLine xmlns="" xmlns:a14="http://schemas.microsoft.com/office/drawing/2010/main" w="9525">
                   <a:solidFill>
                     <a:srgbClr val="000000"/>
                   </a:solidFill>
@@ -9450,7 +9450,7 @@
             <p:cNvPr id="111" name="Freeform 21">
               <a:extLst>
                 <a:ext uri="{FF2B5EF4-FFF2-40B4-BE49-F238E27FC236}">
-                  <a16:creationId xmlns:a16="http://schemas.microsoft.com/office/drawing/2014/main" xmlns="" id="{CEE46B9B-39A5-407E-96F7-BEC712CCD442}"/>
+                  <a16:creationId xmlns="" xmlns:a16="http://schemas.microsoft.com/office/drawing/2014/main" id="{CEE46B9B-39A5-407E-96F7-BEC712CCD442}"/>
                 </a:ext>
               </a:extLst>
             </p:cNvPr>
@@ -9583,7 +9583,7 @@
             </a:ln>
             <a:extLst>
               <a:ext uri="{91240B29-F687-4f45-9708-019B960494DF}">
-                <a14:hiddenLine xmlns:a14="http://schemas.microsoft.com/office/drawing/2010/main" xmlns="" w="9525">
+                <a14:hiddenLine xmlns="" xmlns:a14="http://schemas.microsoft.com/office/drawing/2010/main" w="9525">
                   <a:solidFill>
                     <a:srgbClr val="000000"/>
                   </a:solidFill>
@@ -9611,7 +9611,7 @@
             <p:cNvPr id="112" name="Freeform 22">
               <a:extLst>
                 <a:ext uri="{FF2B5EF4-FFF2-40B4-BE49-F238E27FC236}">
-                  <a16:creationId xmlns:a16="http://schemas.microsoft.com/office/drawing/2014/main" xmlns="" id="{B25FFA47-BB93-444D-9D87-7E8002DB136B}"/>
+                  <a16:creationId xmlns="" xmlns:a16="http://schemas.microsoft.com/office/drawing/2014/main" id="{B25FFA47-BB93-444D-9D87-7E8002DB136B}"/>
                 </a:ext>
               </a:extLst>
             </p:cNvPr>
@@ -9711,7 +9711,7 @@
             </a:ln>
             <a:extLst>
               <a:ext uri="{91240B29-F687-4f45-9708-019B960494DF}">
-                <a14:hiddenLine xmlns:a14="http://schemas.microsoft.com/office/drawing/2010/main" xmlns="" w="9525">
+                <a14:hiddenLine xmlns="" xmlns:a14="http://schemas.microsoft.com/office/drawing/2010/main" w="9525">
                   <a:solidFill>
                     <a:srgbClr val="000000"/>
                   </a:solidFill>
@@ -9739,7 +9739,7 @@
             <p:cNvPr id="113" name="Freeform 23">
               <a:extLst>
                 <a:ext uri="{FF2B5EF4-FFF2-40B4-BE49-F238E27FC236}">
-                  <a16:creationId xmlns:a16="http://schemas.microsoft.com/office/drawing/2014/main" xmlns="" id="{57D81572-471F-4DD4-BFD7-F52634FCD6BD}"/>
+                  <a16:creationId xmlns="" xmlns:a16="http://schemas.microsoft.com/office/drawing/2014/main" id="{57D81572-471F-4DD4-BFD7-F52634FCD6BD}"/>
                 </a:ext>
               </a:extLst>
             </p:cNvPr>
@@ -9879,7 +9879,7 @@
             </a:ln>
             <a:extLst>
               <a:ext uri="{91240B29-F687-4f45-9708-019B960494DF}">
-                <a14:hiddenLine xmlns:a14="http://schemas.microsoft.com/office/drawing/2010/main" xmlns="" w="9525">
+                <a14:hiddenLine xmlns="" xmlns:a14="http://schemas.microsoft.com/office/drawing/2010/main" w="9525">
                   <a:solidFill>
                     <a:srgbClr val="000000"/>
                   </a:solidFill>
@@ -9907,7 +9907,7 @@
             <p:cNvPr id="114" name="Freeform 32">
               <a:extLst>
                 <a:ext uri="{FF2B5EF4-FFF2-40B4-BE49-F238E27FC236}">
-                  <a16:creationId xmlns:a16="http://schemas.microsoft.com/office/drawing/2014/main" xmlns="" id="{8B260146-1C5C-4799-B962-0EC3A8603905}"/>
+                  <a16:creationId xmlns="" xmlns:a16="http://schemas.microsoft.com/office/drawing/2014/main" id="{8B260146-1C5C-4799-B962-0EC3A8603905}"/>
                 </a:ext>
               </a:extLst>
             </p:cNvPr>
@@ -9975,7 +9975,7 @@
             </a:ln>
             <a:extLst>
               <a:ext uri="{91240B29-F687-4f45-9708-019B960494DF}">
-                <a14:hiddenLine xmlns:a14="http://schemas.microsoft.com/office/drawing/2010/main" xmlns="" w="9525">
+                <a14:hiddenLine xmlns="" xmlns:a14="http://schemas.microsoft.com/office/drawing/2010/main" w="9525">
                   <a:solidFill>
                     <a:srgbClr val="000000"/>
                   </a:solidFill>
@@ -10003,7 +10003,7 @@
             <p:cNvPr id="115" name="Oval 19">
               <a:extLst>
                 <a:ext uri="{FF2B5EF4-FFF2-40B4-BE49-F238E27FC236}">
-                  <a16:creationId xmlns:a16="http://schemas.microsoft.com/office/drawing/2014/main" xmlns="" id="{7C923CC3-6F4E-4752-A190-BF63B2EFE023}"/>
+                  <a16:creationId xmlns="" xmlns:a16="http://schemas.microsoft.com/office/drawing/2014/main" id="{7C923CC3-6F4E-4752-A190-BF63B2EFE023}"/>
                 </a:ext>
               </a:extLst>
             </p:cNvPr>
@@ -10028,7 +10028,7 @@
             </a:ln>
             <a:extLst>
               <a:ext uri="{91240B29-F687-4f45-9708-019B960494DF}">
-                <a14:hiddenLine xmlns:a14="http://schemas.microsoft.com/office/drawing/2010/main" xmlns="" w="9525">
+                <a14:hiddenLine xmlns="" xmlns:a14="http://schemas.microsoft.com/office/drawing/2010/main" w="9525">
                   <a:solidFill>
                     <a:srgbClr val="000000"/>
                   </a:solidFill>
@@ -10056,7 +10056,7 @@
             <p:cNvPr id="116" name="Oval 20">
               <a:extLst>
                 <a:ext uri="{FF2B5EF4-FFF2-40B4-BE49-F238E27FC236}">
-                  <a16:creationId xmlns:a16="http://schemas.microsoft.com/office/drawing/2014/main" xmlns="" id="{1B596F2D-2DFC-4AB8-A265-163C8B0832AC}"/>
+                  <a16:creationId xmlns="" xmlns:a16="http://schemas.microsoft.com/office/drawing/2014/main" id="{1B596F2D-2DFC-4AB8-A265-163C8B0832AC}"/>
                 </a:ext>
               </a:extLst>
             </p:cNvPr>
@@ -10081,7 +10081,7 @@
             </a:ln>
             <a:extLst>
               <a:ext uri="{91240B29-F687-4f45-9708-019B960494DF}">
-                <a14:hiddenLine xmlns:a14="http://schemas.microsoft.com/office/drawing/2010/main" xmlns="" w="9525">
+                <a14:hiddenLine xmlns="" xmlns:a14="http://schemas.microsoft.com/office/drawing/2010/main" w="9525">
                   <a:solidFill>
                     <a:srgbClr val="000000"/>
                   </a:solidFill>
@@ -10109,7 +10109,7 @@
             <p:cNvPr id="117" name="Freeform 21">
               <a:extLst>
                 <a:ext uri="{FF2B5EF4-FFF2-40B4-BE49-F238E27FC236}">
-                  <a16:creationId xmlns:a16="http://schemas.microsoft.com/office/drawing/2014/main" xmlns="" id="{637068CE-C49E-4AA2-87B8-E353EE2D4AFF}"/>
+                  <a16:creationId xmlns="" xmlns:a16="http://schemas.microsoft.com/office/drawing/2014/main" id="{637068CE-C49E-4AA2-87B8-E353EE2D4AFF}"/>
                 </a:ext>
               </a:extLst>
             </p:cNvPr>
@@ -10242,7 +10242,7 @@
             </a:ln>
             <a:extLst>
               <a:ext uri="{91240B29-F687-4f45-9708-019B960494DF}">
-                <a14:hiddenLine xmlns:a14="http://schemas.microsoft.com/office/drawing/2010/main" xmlns="" w="9525">
+                <a14:hiddenLine xmlns="" xmlns:a14="http://schemas.microsoft.com/office/drawing/2010/main" w="9525">
                   <a:solidFill>
                     <a:srgbClr val="000000"/>
                   </a:solidFill>
@@ -10270,7 +10270,7 @@
             <p:cNvPr id="118" name="Freeform 22">
               <a:extLst>
                 <a:ext uri="{FF2B5EF4-FFF2-40B4-BE49-F238E27FC236}">
-                  <a16:creationId xmlns:a16="http://schemas.microsoft.com/office/drawing/2014/main" xmlns="" id="{069A3881-93BD-4E60-BF20-F2818A52825E}"/>
+                  <a16:creationId xmlns="" xmlns:a16="http://schemas.microsoft.com/office/drawing/2014/main" id="{069A3881-93BD-4E60-BF20-F2818A52825E}"/>
                 </a:ext>
               </a:extLst>
             </p:cNvPr>
@@ -10370,7 +10370,7 @@
             </a:ln>
             <a:extLst>
               <a:ext uri="{91240B29-F687-4f45-9708-019B960494DF}">
-                <a14:hiddenLine xmlns:a14="http://schemas.microsoft.com/office/drawing/2010/main" xmlns="" w="9525">
+                <a14:hiddenLine xmlns="" xmlns:a14="http://schemas.microsoft.com/office/drawing/2010/main" w="9525">
                   <a:solidFill>
                     <a:srgbClr val="000000"/>
                   </a:solidFill>
@@ -10398,7 +10398,7 @@
             <p:cNvPr id="119" name="Freeform 23">
               <a:extLst>
                 <a:ext uri="{FF2B5EF4-FFF2-40B4-BE49-F238E27FC236}">
-                  <a16:creationId xmlns:a16="http://schemas.microsoft.com/office/drawing/2014/main" xmlns="" id="{B2B6DFD8-E966-4026-898C-E3A47DF288B6}"/>
+                  <a16:creationId xmlns="" xmlns:a16="http://schemas.microsoft.com/office/drawing/2014/main" id="{B2B6DFD8-E966-4026-898C-E3A47DF288B6}"/>
                 </a:ext>
               </a:extLst>
             </p:cNvPr>
@@ -10538,7 +10538,7 @@
             </a:ln>
             <a:extLst>
               <a:ext uri="{91240B29-F687-4f45-9708-019B960494DF}">
-                <a14:hiddenLine xmlns:a14="http://schemas.microsoft.com/office/drawing/2010/main" xmlns="" w="9525">
+                <a14:hiddenLine xmlns="" xmlns:a14="http://schemas.microsoft.com/office/drawing/2010/main" w="9525">
                   <a:solidFill>
                     <a:srgbClr val="000000"/>
                   </a:solidFill>
@@ -10566,7 +10566,7 @@
             <p:cNvPr id="120" name="Freeform 24">
               <a:extLst>
                 <a:ext uri="{FF2B5EF4-FFF2-40B4-BE49-F238E27FC236}">
-                  <a16:creationId xmlns:a16="http://schemas.microsoft.com/office/drawing/2014/main" xmlns="" id="{4CC6BB82-26BA-4E04-92CC-A742A94845FA}"/>
+                  <a16:creationId xmlns="" xmlns:a16="http://schemas.microsoft.com/office/drawing/2014/main" id="{4CC6BB82-26BA-4E04-92CC-A742A94845FA}"/>
                 </a:ext>
               </a:extLst>
             </p:cNvPr>
@@ -10699,7 +10699,7 @@
             </a:ln>
             <a:extLst>
               <a:ext uri="{91240B29-F687-4f45-9708-019B960494DF}">
-                <a14:hiddenLine xmlns:a14="http://schemas.microsoft.com/office/drawing/2010/main" xmlns="" w="9525">
+                <a14:hiddenLine xmlns="" xmlns:a14="http://schemas.microsoft.com/office/drawing/2010/main" w="9525">
                   <a:solidFill>
                     <a:srgbClr val="000000"/>
                   </a:solidFill>
@@ -10727,7 +10727,7 @@
             <p:cNvPr id="121" name="Freeform 25">
               <a:extLst>
                 <a:ext uri="{FF2B5EF4-FFF2-40B4-BE49-F238E27FC236}">
-                  <a16:creationId xmlns:a16="http://schemas.microsoft.com/office/drawing/2014/main" xmlns="" id="{0098E8EA-80AF-4EDD-8F73-6EA773EAFE53}"/>
+                  <a16:creationId xmlns="" xmlns:a16="http://schemas.microsoft.com/office/drawing/2014/main" id="{0098E8EA-80AF-4EDD-8F73-6EA773EAFE53}"/>
                 </a:ext>
               </a:extLst>
             </p:cNvPr>
@@ -10860,7 +10860,7 @@
             </a:ln>
             <a:extLst>
               <a:ext uri="{91240B29-F687-4f45-9708-019B960494DF}">
-                <a14:hiddenLine xmlns:a14="http://schemas.microsoft.com/office/drawing/2010/main" xmlns="" w="9525">
+                <a14:hiddenLine xmlns="" xmlns:a14="http://schemas.microsoft.com/office/drawing/2010/main" w="9525">
                   <a:solidFill>
                     <a:srgbClr val="000000"/>
                   </a:solidFill>
@@ -10888,7 +10888,7 @@
             <p:cNvPr id="122" name="Oval 26">
               <a:extLst>
                 <a:ext uri="{FF2B5EF4-FFF2-40B4-BE49-F238E27FC236}">
-                  <a16:creationId xmlns:a16="http://schemas.microsoft.com/office/drawing/2014/main" xmlns="" id="{E1529FE8-F9A3-4096-878C-7E750DDDD800}"/>
+                  <a16:creationId xmlns="" xmlns:a16="http://schemas.microsoft.com/office/drawing/2014/main" id="{E1529FE8-F9A3-4096-878C-7E750DDDD800}"/>
                 </a:ext>
               </a:extLst>
             </p:cNvPr>
@@ -10913,7 +10913,7 @@
             </a:ln>
             <a:extLst>
               <a:ext uri="{91240B29-F687-4f45-9708-019B960494DF}">
-                <a14:hiddenLine xmlns:a14="http://schemas.microsoft.com/office/drawing/2010/main" xmlns="" w="9525">
+                <a14:hiddenLine xmlns="" xmlns:a14="http://schemas.microsoft.com/office/drawing/2010/main" w="9525">
                   <a:solidFill>
                     <a:srgbClr val="000000"/>
                   </a:solidFill>
@@ -10941,7 +10941,7 @@
             <p:cNvPr id="123" name="Oval 27">
               <a:extLst>
                 <a:ext uri="{FF2B5EF4-FFF2-40B4-BE49-F238E27FC236}">
-                  <a16:creationId xmlns:a16="http://schemas.microsoft.com/office/drawing/2014/main" xmlns="" id="{4502A066-105F-411C-8755-35B97FC85DE7}"/>
+                  <a16:creationId xmlns="" xmlns:a16="http://schemas.microsoft.com/office/drawing/2014/main" id="{4502A066-105F-411C-8755-35B97FC85DE7}"/>
                 </a:ext>
               </a:extLst>
             </p:cNvPr>
@@ -10966,7 +10966,7 @@
             </a:ln>
             <a:extLst>
               <a:ext uri="{91240B29-F687-4f45-9708-019B960494DF}">
-                <a14:hiddenLine xmlns:a14="http://schemas.microsoft.com/office/drawing/2010/main" xmlns="" w="9525">
+                <a14:hiddenLine xmlns="" xmlns:a14="http://schemas.microsoft.com/office/drawing/2010/main" w="9525">
                   <a:solidFill>
                     <a:srgbClr val="000000"/>
                   </a:solidFill>
@@ -10994,7 +10994,7 @@
             <p:cNvPr id="124" name="Oval 28">
               <a:extLst>
                 <a:ext uri="{FF2B5EF4-FFF2-40B4-BE49-F238E27FC236}">
-                  <a16:creationId xmlns:a16="http://schemas.microsoft.com/office/drawing/2014/main" xmlns="" id="{A2279562-1031-4CE7-80AA-1364AE4EC75D}"/>
+                  <a16:creationId xmlns="" xmlns:a16="http://schemas.microsoft.com/office/drawing/2014/main" id="{A2279562-1031-4CE7-80AA-1364AE4EC75D}"/>
                 </a:ext>
               </a:extLst>
             </p:cNvPr>
@@ -11019,7 +11019,7 @@
             </a:ln>
             <a:extLst>
               <a:ext uri="{91240B29-F687-4f45-9708-019B960494DF}">
-                <a14:hiddenLine xmlns:a14="http://schemas.microsoft.com/office/drawing/2010/main" xmlns="" w="9525">
+                <a14:hiddenLine xmlns="" xmlns:a14="http://schemas.microsoft.com/office/drawing/2010/main" w="9525">
                   <a:solidFill>
                     <a:srgbClr val="000000"/>
                   </a:solidFill>
@@ -11047,7 +11047,7 @@
             <p:cNvPr id="125" name="Freeform 29">
               <a:extLst>
                 <a:ext uri="{FF2B5EF4-FFF2-40B4-BE49-F238E27FC236}">
-                  <a16:creationId xmlns:a16="http://schemas.microsoft.com/office/drawing/2014/main" xmlns="" id="{79585C2B-CCF8-453C-B1A0-CBEDD05B3185}"/>
+                  <a16:creationId xmlns="" xmlns:a16="http://schemas.microsoft.com/office/drawing/2014/main" id="{79585C2B-CCF8-453C-B1A0-CBEDD05B3185}"/>
                 </a:ext>
               </a:extLst>
             </p:cNvPr>
@@ -11180,7 +11180,7 @@
             </a:ln>
             <a:extLst>
               <a:ext uri="{91240B29-F687-4f45-9708-019B960494DF}">
-                <a14:hiddenLine xmlns:a14="http://schemas.microsoft.com/office/drawing/2010/main" xmlns="" w="9525">
+                <a14:hiddenLine xmlns="" xmlns:a14="http://schemas.microsoft.com/office/drawing/2010/main" w="9525">
                   <a:solidFill>
                     <a:srgbClr val="000000"/>
                   </a:solidFill>
@@ -11208,7 +11208,7 @@
             <p:cNvPr id="126" name="Freeform 30">
               <a:extLst>
                 <a:ext uri="{FF2B5EF4-FFF2-40B4-BE49-F238E27FC236}">
-                  <a16:creationId xmlns:a16="http://schemas.microsoft.com/office/drawing/2014/main" xmlns="" id="{08A41A4E-2A02-48E0-B5EC-DB60F70F2B41}"/>
+                  <a16:creationId xmlns="" xmlns:a16="http://schemas.microsoft.com/office/drawing/2014/main" id="{08A41A4E-2A02-48E0-B5EC-DB60F70F2B41}"/>
                 </a:ext>
               </a:extLst>
             </p:cNvPr>
@@ -11308,7 +11308,7 @@
             </a:ln>
             <a:extLst>
               <a:ext uri="{91240B29-F687-4f45-9708-019B960494DF}">
-                <a14:hiddenLine xmlns:a14="http://schemas.microsoft.com/office/drawing/2010/main" xmlns="" w="9525">
+                <a14:hiddenLine xmlns="" xmlns:a14="http://schemas.microsoft.com/office/drawing/2010/main" w="9525">
                   <a:solidFill>
                     <a:srgbClr val="000000"/>
                   </a:solidFill>
@@ -11336,7 +11336,7 @@
             <p:cNvPr id="127" name="Freeform 31">
               <a:extLst>
                 <a:ext uri="{FF2B5EF4-FFF2-40B4-BE49-F238E27FC236}">
-                  <a16:creationId xmlns:a16="http://schemas.microsoft.com/office/drawing/2014/main" xmlns="" id="{1F12F1A3-82B8-431D-8B1B-EA52BF91B427}"/>
+                  <a16:creationId xmlns="" xmlns:a16="http://schemas.microsoft.com/office/drawing/2014/main" id="{1F12F1A3-82B8-431D-8B1B-EA52BF91B427}"/>
                 </a:ext>
               </a:extLst>
             </p:cNvPr>
@@ -11476,7 +11476,7 @@
             </a:ln>
             <a:extLst>
               <a:ext uri="{91240B29-F687-4f45-9708-019B960494DF}">
-                <a14:hiddenLine xmlns:a14="http://schemas.microsoft.com/office/drawing/2010/main" xmlns="" w="9525">
+                <a14:hiddenLine xmlns="" xmlns:a14="http://schemas.microsoft.com/office/drawing/2010/main" w="9525">
                   <a:solidFill>
                     <a:srgbClr val="000000"/>
                   </a:solidFill>
@@ -11504,7 +11504,7 @@
             <p:cNvPr id="128" name="Freeform 32">
               <a:extLst>
                 <a:ext uri="{FF2B5EF4-FFF2-40B4-BE49-F238E27FC236}">
-                  <a16:creationId xmlns:a16="http://schemas.microsoft.com/office/drawing/2014/main" xmlns="" id="{C210EF49-A2D6-42BD-9995-5AB7E7CC54A7}"/>
+                  <a16:creationId xmlns="" xmlns:a16="http://schemas.microsoft.com/office/drawing/2014/main" id="{C210EF49-A2D6-42BD-9995-5AB7E7CC54A7}"/>
                 </a:ext>
               </a:extLst>
             </p:cNvPr>
@@ -11572,7 +11572,7 @@
             </a:ln>
             <a:extLst>
               <a:ext uri="{91240B29-F687-4f45-9708-019B960494DF}">
-                <a14:hiddenLine xmlns:a14="http://schemas.microsoft.com/office/drawing/2010/main" xmlns="" w="9525">
+                <a14:hiddenLine xmlns="" xmlns:a14="http://schemas.microsoft.com/office/drawing/2010/main" w="9525">
                   <a:solidFill>
                     <a:srgbClr val="000000"/>
                   </a:solidFill>
@@ -11600,7 +11600,7 @@
             <p:cNvPr id="129" name="Freeform 33">
               <a:extLst>
                 <a:ext uri="{FF2B5EF4-FFF2-40B4-BE49-F238E27FC236}">
-                  <a16:creationId xmlns:a16="http://schemas.microsoft.com/office/drawing/2014/main" xmlns="" id="{5873E10C-24EC-4A32-9017-D26A13C045DB}"/>
+                  <a16:creationId xmlns="" xmlns:a16="http://schemas.microsoft.com/office/drawing/2014/main" id="{5873E10C-24EC-4A32-9017-D26A13C045DB}"/>
                 </a:ext>
               </a:extLst>
             </p:cNvPr>
@@ -11733,7 +11733,7 @@
             </a:ln>
             <a:extLst>
               <a:ext uri="{91240B29-F687-4f45-9708-019B960494DF}">
-                <a14:hiddenLine xmlns:a14="http://schemas.microsoft.com/office/drawing/2010/main" xmlns="" w="9525">
+                <a14:hiddenLine xmlns="" xmlns:a14="http://schemas.microsoft.com/office/drawing/2010/main" w="9525">
                   <a:solidFill>
                     <a:srgbClr val="000000"/>
                   </a:solidFill>
@@ -11761,7 +11761,7 @@
             <p:cNvPr id="130" name="Freeform 34">
               <a:extLst>
                 <a:ext uri="{FF2B5EF4-FFF2-40B4-BE49-F238E27FC236}">
-                  <a16:creationId xmlns:a16="http://schemas.microsoft.com/office/drawing/2014/main" xmlns="" id="{A4EA6405-2393-47CF-9773-1D2A3BFDF5AF}"/>
+                  <a16:creationId xmlns="" xmlns:a16="http://schemas.microsoft.com/office/drawing/2014/main" id="{A4EA6405-2393-47CF-9773-1D2A3BFDF5AF}"/>
                 </a:ext>
               </a:extLst>
             </p:cNvPr>
@@ -11894,7 +11894,7 @@
             </a:ln>
             <a:extLst>
               <a:ext uri="{91240B29-F687-4f45-9708-019B960494DF}">
-                <a14:hiddenLine xmlns:a14="http://schemas.microsoft.com/office/drawing/2010/main" xmlns="" w="9525">
+                <a14:hiddenLine xmlns="" xmlns:a14="http://schemas.microsoft.com/office/drawing/2010/main" w="9525">
                   <a:solidFill>
                     <a:srgbClr val="000000"/>
                   </a:solidFill>
@@ -11922,7 +11922,7 @@
             <p:cNvPr id="131" name="Oval 35">
               <a:extLst>
                 <a:ext uri="{FF2B5EF4-FFF2-40B4-BE49-F238E27FC236}">
-                  <a16:creationId xmlns:a16="http://schemas.microsoft.com/office/drawing/2014/main" xmlns="" id="{4500B5CF-8A87-4C94-98C2-D9AE92164882}"/>
+                  <a16:creationId xmlns="" xmlns:a16="http://schemas.microsoft.com/office/drawing/2014/main" id="{4500B5CF-8A87-4C94-98C2-D9AE92164882}"/>
                 </a:ext>
               </a:extLst>
             </p:cNvPr>
@@ -11947,7 +11947,7 @@
             </a:ln>
             <a:extLst>
               <a:ext uri="{91240B29-F687-4f45-9708-019B960494DF}">
-                <a14:hiddenLine xmlns:a14="http://schemas.microsoft.com/office/drawing/2010/main" xmlns="" w="9525">
+                <a14:hiddenLine xmlns="" xmlns:a14="http://schemas.microsoft.com/office/drawing/2010/main" w="9525">
                   <a:solidFill>
                     <a:srgbClr val="000000"/>
                   </a:solidFill>
@@ -11975,7 +11975,7 @@
             <p:cNvPr id="132" name="Oval 36">
               <a:extLst>
                 <a:ext uri="{FF2B5EF4-FFF2-40B4-BE49-F238E27FC236}">
-                  <a16:creationId xmlns:a16="http://schemas.microsoft.com/office/drawing/2014/main" xmlns="" id="{52349474-5EA9-4794-9B60-A8170A717911}"/>
+                  <a16:creationId xmlns="" xmlns:a16="http://schemas.microsoft.com/office/drawing/2014/main" id="{52349474-5EA9-4794-9B60-A8170A717911}"/>
                 </a:ext>
               </a:extLst>
             </p:cNvPr>
@@ -12000,7 +12000,7 @@
             </a:ln>
             <a:extLst>
               <a:ext uri="{91240B29-F687-4f45-9708-019B960494DF}">
-                <a14:hiddenLine xmlns:a14="http://schemas.microsoft.com/office/drawing/2010/main" xmlns="" w="9525">
+                <a14:hiddenLine xmlns="" xmlns:a14="http://schemas.microsoft.com/office/drawing/2010/main" w="9525">
                   <a:solidFill>
                     <a:srgbClr val="000000"/>
                   </a:solidFill>
@@ -12028,7 +12028,7 @@
             <p:cNvPr id="133" name="Oval 37">
               <a:extLst>
                 <a:ext uri="{FF2B5EF4-FFF2-40B4-BE49-F238E27FC236}">
-                  <a16:creationId xmlns:a16="http://schemas.microsoft.com/office/drawing/2014/main" xmlns="" id="{38C75585-D619-4E9A-A4CB-1FA8B388ABAC}"/>
+                  <a16:creationId xmlns="" xmlns:a16="http://schemas.microsoft.com/office/drawing/2014/main" id="{38C75585-D619-4E9A-A4CB-1FA8B388ABAC}"/>
                 </a:ext>
               </a:extLst>
             </p:cNvPr>
@@ -12053,7 +12053,7 @@
             </a:ln>
             <a:extLst>
               <a:ext uri="{91240B29-F687-4f45-9708-019B960494DF}">
-                <a14:hiddenLine xmlns:a14="http://schemas.microsoft.com/office/drawing/2010/main" xmlns="" w="9525">
+                <a14:hiddenLine xmlns="" xmlns:a14="http://schemas.microsoft.com/office/drawing/2010/main" w="9525">
                   <a:solidFill>
                     <a:srgbClr val="000000"/>
                   </a:solidFill>
@@ -12081,7 +12081,7 @@
             <p:cNvPr id="134" name="Freeform 38">
               <a:extLst>
                 <a:ext uri="{FF2B5EF4-FFF2-40B4-BE49-F238E27FC236}">
-                  <a16:creationId xmlns:a16="http://schemas.microsoft.com/office/drawing/2014/main" xmlns="" id="{B7DDAA9C-A34D-47EE-96C6-EAD14E1A8A90}"/>
+                  <a16:creationId xmlns="" xmlns:a16="http://schemas.microsoft.com/office/drawing/2014/main" id="{B7DDAA9C-A34D-47EE-96C6-EAD14E1A8A90}"/>
                 </a:ext>
               </a:extLst>
             </p:cNvPr>
@@ -12214,7 +12214,7 @@
             </a:ln>
             <a:extLst>
               <a:ext uri="{91240B29-F687-4f45-9708-019B960494DF}">
-                <a14:hiddenLine xmlns:a14="http://schemas.microsoft.com/office/drawing/2010/main" xmlns="" w="9525">
+                <a14:hiddenLine xmlns="" xmlns:a14="http://schemas.microsoft.com/office/drawing/2010/main" w="9525">
                   <a:solidFill>
                     <a:srgbClr val="000000"/>
                   </a:solidFill>
@@ -12242,7 +12242,7 @@
             <p:cNvPr id="135" name="Freeform 39">
               <a:extLst>
                 <a:ext uri="{FF2B5EF4-FFF2-40B4-BE49-F238E27FC236}">
-                  <a16:creationId xmlns:a16="http://schemas.microsoft.com/office/drawing/2014/main" xmlns="" id="{45DCF87A-1373-46DA-A54B-100EC39BA36B}"/>
+                  <a16:creationId xmlns="" xmlns:a16="http://schemas.microsoft.com/office/drawing/2014/main" id="{45DCF87A-1373-46DA-A54B-100EC39BA36B}"/>
                 </a:ext>
               </a:extLst>
             </p:cNvPr>
@@ -12342,7 +12342,7 @@
             </a:ln>
             <a:extLst>
               <a:ext uri="{91240B29-F687-4f45-9708-019B960494DF}">
-                <a14:hiddenLine xmlns:a14="http://schemas.microsoft.com/office/drawing/2010/main" xmlns="" w="9525">
+                <a14:hiddenLine xmlns="" xmlns:a14="http://schemas.microsoft.com/office/drawing/2010/main" w="9525">
                   <a:solidFill>
                     <a:srgbClr val="000000"/>
                   </a:solidFill>
@@ -12370,7 +12370,7 @@
             <p:cNvPr id="136" name="Freeform 40">
               <a:extLst>
                 <a:ext uri="{FF2B5EF4-FFF2-40B4-BE49-F238E27FC236}">
-                  <a16:creationId xmlns:a16="http://schemas.microsoft.com/office/drawing/2014/main" xmlns="" id="{A3F944FA-8AC6-49DF-A0E8-0EF7E7B6D001}"/>
+                  <a16:creationId xmlns="" xmlns:a16="http://schemas.microsoft.com/office/drawing/2014/main" id="{A3F944FA-8AC6-49DF-A0E8-0EF7E7B6D001}"/>
                 </a:ext>
               </a:extLst>
             </p:cNvPr>
@@ -12510,7 +12510,7 @@
             </a:ln>
             <a:extLst>
               <a:ext uri="{91240B29-F687-4f45-9708-019B960494DF}">
-                <a14:hiddenLine xmlns:a14="http://schemas.microsoft.com/office/drawing/2010/main" xmlns="" w="9525">
+                <a14:hiddenLine xmlns="" xmlns:a14="http://schemas.microsoft.com/office/drawing/2010/main" w="9525">
                   <a:solidFill>
                     <a:srgbClr val="000000"/>
                   </a:solidFill>
@@ -12538,7 +12538,7 @@
             <p:cNvPr id="137" name="Freeform 41">
               <a:extLst>
                 <a:ext uri="{FF2B5EF4-FFF2-40B4-BE49-F238E27FC236}">
-                  <a16:creationId xmlns:a16="http://schemas.microsoft.com/office/drawing/2014/main" xmlns="" id="{58BD42BD-CDB4-495C-8089-4AFDA2261359}"/>
+                  <a16:creationId xmlns="" xmlns:a16="http://schemas.microsoft.com/office/drawing/2014/main" id="{58BD42BD-CDB4-495C-8089-4AFDA2261359}"/>
                 </a:ext>
               </a:extLst>
             </p:cNvPr>
@@ -12606,7 +12606,7 @@
             </a:ln>
             <a:extLst>
               <a:ext uri="{91240B29-F687-4f45-9708-019B960494DF}">
-                <a14:hiddenLine xmlns:a14="http://schemas.microsoft.com/office/drawing/2010/main" xmlns="" w="9525">
+                <a14:hiddenLine xmlns="" xmlns:a14="http://schemas.microsoft.com/office/drawing/2010/main" w="9525">
                   <a:solidFill>
                     <a:srgbClr val="000000"/>
                   </a:solidFill>
@@ -12634,7 +12634,7 @@
             <p:cNvPr id="138" name="Freeform 42">
               <a:extLst>
                 <a:ext uri="{FF2B5EF4-FFF2-40B4-BE49-F238E27FC236}">
-                  <a16:creationId xmlns:a16="http://schemas.microsoft.com/office/drawing/2014/main" xmlns="" id="{ED8607BF-F0B5-4AA1-92D7-03C93A5B2E81}"/>
+                  <a16:creationId xmlns="" xmlns:a16="http://schemas.microsoft.com/office/drawing/2014/main" id="{ED8607BF-F0B5-4AA1-92D7-03C93A5B2E81}"/>
                 </a:ext>
               </a:extLst>
             </p:cNvPr>
@@ -12767,7 +12767,7 @@
             </a:ln>
             <a:extLst>
               <a:ext uri="{91240B29-F687-4f45-9708-019B960494DF}">
-                <a14:hiddenLine xmlns:a14="http://schemas.microsoft.com/office/drawing/2010/main" xmlns="" w="9525">
+                <a14:hiddenLine xmlns="" xmlns:a14="http://schemas.microsoft.com/office/drawing/2010/main" w="9525">
                   <a:solidFill>
                     <a:srgbClr val="000000"/>
                   </a:solidFill>
@@ -12795,7 +12795,7 @@
             <p:cNvPr id="139" name="Freeform 43">
               <a:extLst>
                 <a:ext uri="{FF2B5EF4-FFF2-40B4-BE49-F238E27FC236}">
-                  <a16:creationId xmlns:a16="http://schemas.microsoft.com/office/drawing/2014/main" xmlns="" id="{F138961B-D07B-48A4-94C8-AABA2E25EDF9}"/>
+                  <a16:creationId xmlns="" xmlns:a16="http://schemas.microsoft.com/office/drawing/2014/main" id="{F138961B-D07B-48A4-94C8-AABA2E25EDF9}"/>
                 </a:ext>
               </a:extLst>
             </p:cNvPr>
@@ -12928,7 +12928,7 @@
             </a:ln>
             <a:extLst>
               <a:ext uri="{91240B29-F687-4f45-9708-019B960494DF}">
-                <a14:hiddenLine xmlns:a14="http://schemas.microsoft.com/office/drawing/2010/main" xmlns="" w="9525">
+                <a14:hiddenLine xmlns="" xmlns:a14="http://schemas.microsoft.com/office/drawing/2010/main" w="9525">
                   <a:solidFill>
                     <a:srgbClr val="000000"/>
                   </a:solidFill>
@@ -12956,7 +12956,7 @@
             <p:cNvPr id="140" name="Oval 44">
               <a:extLst>
                 <a:ext uri="{FF2B5EF4-FFF2-40B4-BE49-F238E27FC236}">
-                  <a16:creationId xmlns:a16="http://schemas.microsoft.com/office/drawing/2014/main" xmlns="" id="{3C9AEC7F-17DD-40C8-8BA3-890A8BC8B31B}"/>
+                  <a16:creationId xmlns="" xmlns:a16="http://schemas.microsoft.com/office/drawing/2014/main" id="{3C9AEC7F-17DD-40C8-8BA3-890A8BC8B31B}"/>
                 </a:ext>
               </a:extLst>
             </p:cNvPr>
@@ -12981,7 +12981,7 @@
             </a:ln>
             <a:extLst>
               <a:ext uri="{91240B29-F687-4f45-9708-019B960494DF}">
-                <a14:hiddenLine xmlns:a14="http://schemas.microsoft.com/office/drawing/2010/main" xmlns="" w="9525">
+                <a14:hiddenLine xmlns="" xmlns:a14="http://schemas.microsoft.com/office/drawing/2010/main" w="9525">
                   <a:solidFill>
                     <a:srgbClr val="000000"/>
                   </a:solidFill>
@@ -13009,7 +13009,7 @@
             <p:cNvPr id="141" name="Oval 45">
               <a:extLst>
                 <a:ext uri="{FF2B5EF4-FFF2-40B4-BE49-F238E27FC236}">
-                  <a16:creationId xmlns:a16="http://schemas.microsoft.com/office/drawing/2014/main" xmlns="" id="{6A53FD15-15C8-45DF-9CD6-8E8F037DF006}"/>
+                  <a16:creationId xmlns="" xmlns:a16="http://schemas.microsoft.com/office/drawing/2014/main" id="{6A53FD15-15C8-45DF-9CD6-8E8F037DF006}"/>
                 </a:ext>
               </a:extLst>
             </p:cNvPr>
@@ -13034,7 +13034,7 @@
             </a:ln>
             <a:extLst>
               <a:ext uri="{91240B29-F687-4f45-9708-019B960494DF}">
-                <a14:hiddenLine xmlns:a14="http://schemas.microsoft.com/office/drawing/2010/main" xmlns="" w="9525">
+                <a14:hiddenLine xmlns="" xmlns:a14="http://schemas.microsoft.com/office/drawing/2010/main" w="9525">
                   <a:solidFill>
                     <a:srgbClr val="000000"/>
                   </a:solidFill>
@@ -13062,7 +13062,7 @@
             <p:cNvPr id="142" name="Oval 46">
               <a:extLst>
                 <a:ext uri="{FF2B5EF4-FFF2-40B4-BE49-F238E27FC236}">
-                  <a16:creationId xmlns:a16="http://schemas.microsoft.com/office/drawing/2014/main" xmlns="" id="{6F27F538-B87A-43A8-9A8C-4938EF5D5B5C}"/>
+                  <a16:creationId xmlns="" xmlns:a16="http://schemas.microsoft.com/office/drawing/2014/main" id="{6F27F538-B87A-43A8-9A8C-4938EF5D5B5C}"/>
                 </a:ext>
               </a:extLst>
             </p:cNvPr>
@@ -13087,7 +13087,7 @@
             </a:ln>
             <a:extLst>
               <a:ext uri="{91240B29-F687-4f45-9708-019B960494DF}">
-                <a14:hiddenLine xmlns:a14="http://schemas.microsoft.com/office/drawing/2010/main" xmlns="" w="9525">
+                <a14:hiddenLine xmlns="" xmlns:a14="http://schemas.microsoft.com/office/drawing/2010/main" w="9525">
                   <a:solidFill>
                     <a:srgbClr val="000000"/>
                   </a:solidFill>
@@ -13115,7 +13115,7 @@
             <p:cNvPr id="143" name="Freeform 47">
               <a:extLst>
                 <a:ext uri="{FF2B5EF4-FFF2-40B4-BE49-F238E27FC236}">
-                  <a16:creationId xmlns:a16="http://schemas.microsoft.com/office/drawing/2014/main" xmlns="" id="{7F7D42BF-6F3B-4325-89AB-32AB8B52CF9E}"/>
+                  <a16:creationId xmlns="" xmlns:a16="http://schemas.microsoft.com/office/drawing/2014/main" id="{7F7D42BF-6F3B-4325-89AB-32AB8B52CF9E}"/>
                 </a:ext>
               </a:extLst>
             </p:cNvPr>
@@ -13248,7 +13248,7 @@
             </a:ln>
             <a:extLst>
               <a:ext uri="{91240B29-F687-4f45-9708-019B960494DF}">
-                <a14:hiddenLine xmlns:a14="http://schemas.microsoft.com/office/drawing/2010/main" xmlns="" w="9525">
+                <a14:hiddenLine xmlns="" xmlns:a14="http://schemas.microsoft.com/office/drawing/2010/main" w="9525">
                   <a:solidFill>
                     <a:srgbClr val="000000"/>
                   </a:solidFill>
@@ -13276,7 +13276,7 @@
             <p:cNvPr id="144" name="Freeform 48">
               <a:extLst>
                 <a:ext uri="{FF2B5EF4-FFF2-40B4-BE49-F238E27FC236}">
-                  <a16:creationId xmlns:a16="http://schemas.microsoft.com/office/drawing/2014/main" xmlns="" id="{8C38543B-9677-4974-8072-F151BC92DECB}"/>
+                  <a16:creationId xmlns="" xmlns:a16="http://schemas.microsoft.com/office/drawing/2014/main" id="{8C38543B-9677-4974-8072-F151BC92DECB}"/>
                 </a:ext>
               </a:extLst>
             </p:cNvPr>
@@ -13376,7 +13376,7 @@
             </a:ln>
             <a:extLst>
               <a:ext uri="{91240B29-F687-4f45-9708-019B960494DF}">
-                <a14:hiddenLine xmlns:a14="http://schemas.microsoft.com/office/drawing/2010/main" xmlns="" w="9525">
+                <a14:hiddenLine xmlns="" xmlns:a14="http://schemas.microsoft.com/office/drawing/2010/main" w="9525">
                   <a:solidFill>
                     <a:srgbClr val="000000"/>
                   </a:solidFill>
@@ -13404,7 +13404,7 @@
             <p:cNvPr id="145" name="Freeform 49">
               <a:extLst>
                 <a:ext uri="{FF2B5EF4-FFF2-40B4-BE49-F238E27FC236}">
-                  <a16:creationId xmlns:a16="http://schemas.microsoft.com/office/drawing/2014/main" xmlns="" id="{7994DEF7-5380-47F3-ABDE-576FEAC00462}"/>
+                  <a16:creationId xmlns="" xmlns:a16="http://schemas.microsoft.com/office/drawing/2014/main" id="{7994DEF7-5380-47F3-ABDE-576FEAC00462}"/>
                 </a:ext>
               </a:extLst>
             </p:cNvPr>
@@ -13544,7 +13544,7 @@
             </a:ln>
             <a:extLst>
               <a:ext uri="{91240B29-F687-4f45-9708-019B960494DF}">
-                <a14:hiddenLine xmlns:a14="http://schemas.microsoft.com/office/drawing/2010/main" xmlns="" w="9525">
+                <a14:hiddenLine xmlns="" xmlns:a14="http://schemas.microsoft.com/office/drawing/2010/main" w="9525">
                   <a:solidFill>
                     <a:srgbClr val="000000"/>
                   </a:solidFill>
@@ -13572,7 +13572,7 @@
             <p:cNvPr id="146" name="Freeform 50">
               <a:extLst>
                 <a:ext uri="{FF2B5EF4-FFF2-40B4-BE49-F238E27FC236}">
-                  <a16:creationId xmlns:a16="http://schemas.microsoft.com/office/drawing/2014/main" xmlns="" id="{17DCE0A4-9C75-4788-9C8E-0DABB3645BC5}"/>
+                  <a16:creationId xmlns="" xmlns:a16="http://schemas.microsoft.com/office/drawing/2014/main" id="{17DCE0A4-9C75-4788-9C8E-0DABB3645BC5}"/>
                 </a:ext>
               </a:extLst>
             </p:cNvPr>
@@ -13640,7 +13640,7 @@
             </a:ln>
             <a:extLst>
               <a:ext uri="{91240B29-F687-4f45-9708-019B960494DF}">
-                <a14:hiddenLine xmlns:a14="http://schemas.microsoft.com/office/drawing/2010/main" xmlns="" w="9525">
+                <a14:hiddenLine xmlns="" xmlns:a14="http://schemas.microsoft.com/office/drawing/2010/main" w="9525">
                   <a:solidFill>
                     <a:srgbClr val="000000"/>
                   </a:solidFill>
@@ -13668,7 +13668,7 @@
             <p:cNvPr id="147" name="Freeform 51">
               <a:extLst>
                 <a:ext uri="{FF2B5EF4-FFF2-40B4-BE49-F238E27FC236}">
-                  <a16:creationId xmlns:a16="http://schemas.microsoft.com/office/drawing/2014/main" xmlns="" id="{62929493-B65E-4CB7-8690-A93FB82CC36A}"/>
+                  <a16:creationId xmlns="" xmlns:a16="http://schemas.microsoft.com/office/drawing/2014/main" id="{62929493-B65E-4CB7-8690-A93FB82CC36A}"/>
                 </a:ext>
               </a:extLst>
             </p:cNvPr>
@@ -13801,7 +13801,7 @@
             </a:ln>
             <a:extLst>
               <a:ext uri="{91240B29-F687-4f45-9708-019B960494DF}">
-                <a14:hiddenLine xmlns:a14="http://schemas.microsoft.com/office/drawing/2010/main" xmlns="" w="9525">
+                <a14:hiddenLine xmlns="" xmlns:a14="http://schemas.microsoft.com/office/drawing/2010/main" w="9525">
                   <a:solidFill>
                     <a:srgbClr val="000000"/>
                   </a:solidFill>
@@ -13829,7 +13829,7 @@
             <p:cNvPr id="148" name="Freeform 52">
               <a:extLst>
                 <a:ext uri="{FF2B5EF4-FFF2-40B4-BE49-F238E27FC236}">
-                  <a16:creationId xmlns:a16="http://schemas.microsoft.com/office/drawing/2014/main" xmlns="" id="{FEDABFB9-DC39-4D40-833B-F0DC4C323FAB}"/>
+                  <a16:creationId xmlns="" xmlns:a16="http://schemas.microsoft.com/office/drawing/2014/main" id="{FEDABFB9-DC39-4D40-833B-F0DC4C323FAB}"/>
                 </a:ext>
               </a:extLst>
             </p:cNvPr>
@@ -13962,7 +13962,7 @@
             </a:ln>
             <a:extLst>
               <a:ext uri="{91240B29-F687-4f45-9708-019B960494DF}">
-                <a14:hiddenLine xmlns:a14="http://schemas.microsoft.com/office/drawing/2010/main" xmlns="" w="9525">
+                <a14:hiddenLine xmlns="" xmlns:a14="http://schemas.microsoft.com/office/drawing/2010/main" w="9525">
                   <a:solidFill>
                     <a:srgbClr val="000000"/>
                   </a:solidFill>
@@ -13990,7 +13990,7 @@
             <p:cNvPr id="149" name="Oval 53">
               <a:extLst>
                 <a:ext uri="{FF2B5EF4-FFF2-40B4-BE49-F238E27FC236}">
-                  <a16:creationId xmlns:a16="http://schemas.microsoft.com/office/drawing/2014/main" xmlns="" id="{6B653D4A-C953-43A2-9107-7E72CFF0CBFD}"/>
+                  <a16:creationId xmlns="" xmlns:a16="http://schemas.microsoft.com/office/drawing/2014/main" id="{6B653D4A-C953-43A2-9107-7E72CFF0CBFD}"/>
                 </a:ext>
               </a:extLst>
             </p:cNvPr>
@@ -14015,7 +14015,7 @@
             </a:ln>
             <a:extLst>
               <a:ext uri="{91240B29-F687-4f45-9708-019B960494DF}">
-                <a14:hiddenLine xmlns:a14="http://schemas.microsoft.com/office/drawing/2010/main" xmlns="" w="9525">
+                <a14:hiddenLine xmlns="" xmlns:a14="http://schemas.microsoft.com/office/drawing/2010/main" w="9525">
                   <a:solidFill>
                     <a:srgbClr val="000000"/>
                   </a:solidFill>
@@ -14043,7 +14043,7 @@
             <p:cNvPr id="150" name="Freeform 59">
               <a:extLst>
                 <a:ext uri="{FF2B5EF4-FFF2-40B4-BE49-F238E27FC236}">
-                  <a16:creationId xmlns:a16="http://schemas.microsoft.com/office/drawing/2014/main" xmlns="" id="{8CD747EA-E5F0-4F59-B06A-3C2F8EB82D35}"/>
+                  <a16:creationId xmlns="" xmlns:a16="http://schemas.microsoft.com/office/drawing/2014/main" id="{8CD747EA-E5F0-4F59-B06A-3C2F8EB82D35}"/>
                 </a:ext>
               </a:extLst>
             </p:cNvPr>
@@ -14111,7 +14111,7 @@
             </a:ln>
             <a:extLst>
               <a:ext uri="{91240B29-F687-4f45-9708-019B960494DF}">
-                <a14:hiddenLine xmlns:a14="http://schemas.microsoft.com/office/drawing/2010/main" xmlns="" w="9525">
+                <a14:hiddenLine xmlns="" xmlns:a14="http://schemas.microsoft.com/office/drawing/2010/main" w="9525">
                   <a:solidFill>
                     <a:srgbClr val="000000"/>
                   </a:solidFill>
@@ -14139,7 +14139,7 @@
             <p:cNvPr id="151" name="Oval 36">
               <a:extLst>
                 <a:ext uri="{FF2B5EF4-FFF2-40B4-BE49-F238E27FC236}">
-                  <a16:creationId xmlns:a16="http://schemas.microsoft.com/office/drawing/2014/main" xmlns="" id="{10F7AD51-029F-42B4-8DB5-7BF27590897A}"/>
+                  <a16:creationId xmlns="" xmlns:a16="http://schemas.microsoft.com/office/drawing/2014/main" id="{10F7AD51-029F-42B4-8DB5-7BF27590897A}"/>
                 </a:ext>
               </a:extLst>
             </p:cNvPr>
@@ -14164,7 +14164,7 @@
             </a:ln>
             <a:extLst>
               <a:ext uri="{91240B29-F687-4f45-9708-019B960494DF}">
-                <a14:hiddenLine xmlns:a14="http://schemas.microsoft.com/office/drawing/2010/main" xmlns="" w="9525">
+                <a14:hiddenLine xmlns="" xmlns:a14="http://schemas.microsoft.com/office/drawing/2010/main" w="9525">
                   <a:solidFill>
                     <a:srgbClr val="000000"/>
                   </a:solidFill>
@@ -14192,7 +14192,7 @@
             <p:cNvPr id="152" name="Oval 37">
               <a:extLst>
                 <a:ext uri="{FF2B5EF4-FFF2-40B4-BE49-F238E27FC236}">
-                  <a16:creationId xmlns:a16="http://schemas.microsoft.com/office/drawing/2014/main" xmlns="" id="{D9280BDF-6D7B-4D2B-A354-0FC46252E370}"/>
+                  <a16:creationId xmlns="" xmlns:a16="http://schemas.microsoft.com/office/drawing/2014/main" id="{D9280BDF-6D7B-4D2B-A354-0FC46252E370}"/>
                 </a:ext>
               </a:extLst>
             </p:cNvPr>
@@ -14217,7 +14217,7 @@
             </a:ln>
             <a:extLst>
               <a:ext uri="{91240B29-F687-4f45-9708-019B960494DF}">
-                <a14:hiddenLine xmlns:a14="http://schemas.microsoft.com/office/drawing/2010/main" xmlns="" w="9525">
+                <a14:hiddenLine xmlns="" xmlns:a14="http://schemas.microsoft.com/office/drawing/2010/main" w="9525">
                   <a:solidFill>
                     <a:srgbClr val="000000"/>
                   </a:solidFill>
@@ -14245,7 +14245,7 @@
             <p:cNvPr id="153" name="Freeform 38">
               <a:extLst>
                 <a:ext uri="{FF2B5EF4-FFF2-40B4-BE49-F238E27FC236}">
-                  <a16:creationId xmlns:a16="http://schemas.microsoft.com/office/drawing/2014/main" xmlns="" id="{CE3D67F3-9339-4FED-863B-B211037D171A}"/>
+                  <a16:creationId xmlns="" xmlns:a16="http://schemas.microsoft.com/office/drawing/2014/main" id="{CE3D67F3-9339-4FED-863B-B211037D171A}"/>
                 </a:ext>
               </a:extLst>
             </p:cNvPr>
@@ -14378,7 +14378,7 @@
             </a:ln>
             <a:extLst>
               <a:ext uri="{91240B29-F687-4f45-9708-019B960494DF}">
-                <a14:hiddenLine xmlns:a14="http://schemas.microsoft.com/office/drawing/2010/main" xmlns="" w="9525">
+                <a14:hiddenLine xmlns="" xmlns:a14="http://schemas.microsoft.com/office/drawing/2010/main" w="9525">
                   <a:solidFill>
                     <a:srgbClr val="000000"/>
                   </a:solidFill>
@@ -14406,7 +14406,7 @@
             <p:cNvPr id="154" name="Freeform 39">
               <a:extLst>
                 <a:ext uri="{FF2B5EF4-FFF2-40B4-BE49-F238E27FC236}">
-                  <a16:creationId xmlns:a16="http://schemas.microsoft.com/office/drawing/2014/main" xmlns="" id="{D2E8443D-1FF6-476A-968D-1CC7BC782879}"/>
+                  <a16:creationId xmlns="" xmlns:a16="http://schemas.microsoft.com/office/drawing/2014/main" id="{D2E8443D-1FF6-476A-968D-1CC7BC782879}"/>
                 </a:ext>
               </a:extLst>
             </p:cNvPr>
@@ -14506,7 +14506,7 @@
             </a:ln>
             <a:extLst>
               <a:ext uri="{91240B29-F687-4f45-9708-019B960494DF}">
-                <a14:hiddenLine xmlns:a14="http://schemas.microsoft.com/office/drawing/2010/main" xmlns="" w="9525">
+                <a14:hiddenLine xmlns="" xmlns:a14="http://schemas.microsoft.com/office/drawing/2010/main" w="9525">
                   <a:solidFill>
                     <a:srgbClr val="000000"/>
                   </a:solidFill>
@@ -14534,7 +14534,7 @@
             <p:cNvPr id="155" name="Freeform 40">
               <a:extLst>
                 <a:ext uri="{FF2B5EF4-FFF2-40B4-BE49-F238E27FC236}">
-                  <a16:creationId xmlns:a16="http://schemas.microsoft.com/office/drawing/2014/main" xmlns="" id="{8BD89819-F099-4420-9B06-E54E9B89BA73}"/>
+                  <a16:creationId xmlns="" xmlns:a16="http://schemas.microsoft.com/office/drawing/2014/main" id="{8BD89819-F099-4420-9B06-E54E9B89BA73}"/>
                 </a:ext>
               </a:extLst>
             </p:cNvPr>
@@ -14674,7 +14674,7 @@
             </a:ln>
             <a:extLst>
               <a:ext uri="{91240B29-F687-4f45-9708-019B960494DF}">
-                <a14:hiddenLine xmlns:a14="http://schemas.microsoft.com/office/drawing/2010/main" xmlns="" w="9525">
+                <a14:hiddenLine xmlns="" xmlns:a14="http://schemas.microsoft.com/office/drawing/2010/main" w="9525">
                   <a:solidFill>
                     <a:srgbClr val="000000"/>
                   </a:solidFill>
@@ -14702,7 +14702,7 @@
             <p:cNvPr id="156" name="Freeform 42">
               <a:extLst>
                 <a:ext uri="{FF2B5EF4-FFF2-40B4-BE49-F238E27FC236}">
-                  <a16:creationId xmlns:a16="http://schemas.microsoft.com/office/drawing/2014/main" xmlns="" id="{1B5A5428-AC51-480A-A5AF-C1F800660E1F}"/>
+                  <a16:creationId xmlns="" xmlns:a16="http://schemas.microsoft.com/office/drawing/2014/main" id="{1B5A5428-AC51-480A-A5AF-C1F800660E1F}"/>
                 </a:ext>
               </a:extLst>
             </p:cNvPr>
@@ -14835,7 +14835,7 @@
             </a:ln>
             <a:extLst>
               <a:ext uri="{91240B29-F687-4f45-9708-019B960494DF}">
-                <a14:hiddenLine xmlns:a14="http://schemas.microsoft.com/office/drawing/2010/main" xmlns="" w="9525">
+                <a14:hiddenLine xmlns="" xmlns:a14="http://schemas.microsoft.com/office/drawing/2010/main" w="9525">
                   <a:solidFill>
                     <a:srgbClr val="000000"/>
                   </a:solidFill>
@@ -14863,7 +14863,7 @@
             <p:cNvPr id="157" name="Freeform 43">
               <a:extLst>
                 <a:ext uri="{FF2B5EF4-FFF2-40B4-BE49-F238E27FC236}">
-                  <a16:creationId xmlns:a16="http://schemas.microsoft.com/office/drawing/2014/main" xmlns="" id="{A0582DC2-0448-442A-9329-464DC716C4B1}"/>
+                  <a16:creationId xmlns="" xmlns:a16="http://schemas.microsoft.com/office/drawing/2014/main" id="{A0582DC2-0448-442A-9329-464DC716C4B1}"/>
                 </a:ext>
               </a:extLst>
             </p:cNvPr>
@@ -14996,7 +14996,7 @@
             </a:ln>
             <a:extLst>
               <a:ext uri="{91240B29-F687-4f45-9708-019B960494DF}">
-                <a14:hiddenLine xmlns:a14="http://schemas.microsoft.com/office/drawing/2010/main" xmlns="" w="9525">
+                <a14:hiddenLine xmlns="" xmlns:a14="http://schemas.microsoft.com/office/drawing/2010/main" w="9525">
                   <a:solidFill>
                     <a:srgbClr val="000000"/>
                   </a:solidFill>
@@ -15024,7 +15024,7 @@
             <p:cNvPr id="158" name="Oval 44">
               <a:extLst>
                 <a:ext uri="{FF2B5EF4-FFF2-40B4-BE49-F238E27FC236}">
-                  <a16:creationId xmlns:a16="http://schemas.microsoft.com/office/drawing/2014/main" xmlns="" id="{97BE47FE-FDA2-41C0-B9F1-A213ECF24298}"/>
+                  <a16:creationId xmlns="" xmlns:a16="http://schemas.microsoft.com/office/drawing/2014/main" id="{97BE47FE-FDA2-41C0-B9F1-A213ECF24298}"/>
                 </a:ext>
               </a:extLst>
             </p:cNvPr>
@@ -15049,7 +15049,7 @@
             </a:ln>
             <a:extLst>
               <a:ext uri="{91240B29-F687-4f45-9708-019B960494DF}">
-                <a14:hiddenLine xmlns:a14="http://schemas.microsoft.com/office/drawing/2010/main" xmlns="" w="9525">
+                <a14:hiddenLine xmlns="" xmlns:a14="http://schemas.microsoft.com/office/drawing/2010/main" w="9525">
                   <a:solidFill>
                     <a:srgbClr val="000000"/>
                   </a:solidFill>
@@ -15077,7 +15077,7 @@
             <p:cNvPr id="159" name="Oval 45">
               <a:extLst>
                 <a:ext uri="{FF2B5EF4-FFF2-40B4-BE49-F238E27FC236}">
-                  <a16:creationId xmlns:a16="http://schemas.microsoft.com/office/drawing/2014/main" xmlns="" id="{D5899F79-6CE3-4AD9-86BF-0B6DDC2A59A5}"/>
+                  <a16:creationId xmlns="" xmlns:a16="http://schemas.microsoft.com/office/drawing/2014/main" id="{D5899F79-6CE3-4AD9-86BF-0B6DDC2A59A5}"/>
                 </a:ext>
               </a:extLst>
             </p:cNvPr>
@@ -15102,7 +15102,7 @@
             </a:ln>
             <a:extLst>
               <a:ext uri="{91240B29-F687-4f45-9708-019B960494DF}">
-                <a14:hiddenLine xmlns:a14="http://schemas.microsoft.com/office/drawing/2010/main" xmlns="" w="9525">
+                <a14:hiddenLine xmlns="" xmlns:a14="http://schemas.microsoft.com/office/drawing/2010/main" w="9525">
                   <a:solidFill>
                     <a:srgbClr val="000000"/>
                   </a:solidFill>
@@ -15130,7 +15130,7 @@
             <p:cNvPr id="160" name="Oval 46">
               <a:extLst>
                 <a:ext uri="{FF2B5EF4-FFF2-40B4-BE49-F238E27FC236}">
-                  <a16:creationId xmlns:a16="http://schemas.microsoft.com/office/drawing/2014/main" xmlns="" id="{C22A3B75-2830-4AE9-AB66-C0582C36FE50}"/>
+                  <a16:creationId xmlns="" xmlns:a16="http://schemas.microsoft.com/office/drawing/2014/main" id="{C22A3B75-2830-4AE9-AB66-C0582C36FE50}"/>
                 </a:ext>
               </a:extLst>
             </p:cNvPr>
@@ -15155,7 +15155,7 @@
             </a:ln>
             <a:extLst>
               <a:ext uri="{91240B29-F687-4f45-9708-019B960494DF}">
-                <a14:hiddenLine xmlns:a14="http://schemas.microsoft.com/office/drawing/2010/main" xmlns="" w="9525">
+                <a14:hiddenLine xmlns="" xmlns:a14="http://schemas.microsoft.com/office/drawing/2010/main" w="9525">
                   <a:solidFill>
                     <a:srgbClr val="000000"/>
                   </a:solidFill>
@@ -15183,7 +15183,7 @@
             <p:cNvPr id="161" name="Freeform 47">
               <a:extLst>
                 <a:ext uri="{FF2B5EF4-FFF2-40B4-BE49-F238E27FC236}">
-                  <a16:creationId xmlns:a16="http://schemas.microsoft.com/office/drawing/2014/main" xmlns="" id="{EF8799BE-5C87-40F2-A886-5032A5E5B45B}"/>
+                  <a16:creationId xmlns="" xmlns:a16="http://schemas.microsoft.com/office/drawing/2014/main" id="{EF8799BE-5C87-40F2-A886-5032A5E5B45B}"/>
                 </a:ext>
               </a:extLst>
             </p:cNvPr>
@@ -15316,7 +15316,7 @@
             </a:ln>
             <a:extLst>
               <a:ext uri="{91240B29-F687-4f45-9708-019B960494DF}">
-                <a14:hiddenLine xmlns:a14="http://schemas.microsoft.com/office/drawing/2010/main" xmlns="" w="9525">
+                <a14:hiddenLine xmlns="" xmlns:a14="http://schemas.microsoft.com/office/drawing/2010/main" w="9525">
                   <a:solidFill>
                     <a:srgbClr val="000000"/>
                   </a:solidFill>
@@ -15344,7 +15344,7 @@
             <p:cNvPr id="162" name="Freeform 48">
               <a:extLst>
                 <a:ext uri="{FF2B5EF4-FFF2-40B4-BE49-F238E27FC236}">
-                  <a16:creationId xmlns:a16="http://schemas.microsoft.com/office/drawing/2014/main" xmlns="" id="{347F1E26-4D33-4A10-BE19-EF4B66B0866B}"/>
+                  <a16:creationId xmlns="" xmlns:a16="http://schemas.microsoft.com/office/drawing/2014/main" id="{347F1E26-4D33-4A10-BE19-EF4B66B0866B}"/>
                 </a:ext>
               </a:extLst>
             </p:cNvPr>
@@ -15444,7 +15444,7 @@
             </a:ln>
             <a:extLst>
               <a:ext uri="{91240B29-F687-4f45-9708-019B960494DF}">
-                <a14:hiddenLine xmlns:a14="http://schemas.microsoft.com/office/drawing/2010/main" xmlns="" w="9525">
+                <a14:hiddenLine xmlns="" xmlns:a14="http://schemas.microsoft.com/office/drawing/2010/main" w="9525">
                   <a:solidFill>
                     <a:srgbClr val="000000"/>
                   </a:solidFill>
@@ -15472,7 +15472,7 @@
             <p:cNvPr id="163" name="Freeform 49">
               <a:extLst>
                 <a:ext uri="{FF2B5EF4-FFF2-40B4-BE49-F238E27FC236}">
-                  <a16:creationId xmlns:a16="http://schemas.microsoft.com/office/drawing/2014/main" xmlns="" id="{D6D48CD1-E763-4A75-903E-9C091755C843}"/>
+                  <a16:creationId xmlns="" xmlns:a16="http://schemas.microsoft.com/office/drawing/2014/main" id="{D6D48CD1-E763-4A75-903E-9C091755C843}"/>
                 </a:ext>
               </a:extLst>
             </p:cNvPr>
@@ -15612,7 +15612,7 @@
             </a:ln>
             <a:extLst>
               <a:ext uri="{91240B29-F687-4f45-9708-019B960494DF}">
-                <a14:hiddenLine xmlns:a14="http://schemas.microsoft.com/office/drawing/2010/main" xmlns="" w="9525">
+                <a14:hiddenLine xmlns="" xmlns:a14="http://schemas.microsoft.com/office/drawing/2010/main" w="9525">
                   <a:solidFill>
                     <a:srgbClr val="000000"/>
                   </a:solidFill>
@@ -15640,7 +15640,7 @@
             <p:cNvPr id="164" name="Freeform 50">
               <a:extLst>
                 <a:ext uri="{FF2B5EF4-FFF2-40B4-BE49-F238E27FC236}">
-                  <a16:creationId xmlns:a16="http://schemas.microsoft.com/office/drawing/2014/main" xmlns="" id="{10EDCAE1-2F88-4E8A-9E87-5EA06CB1414E}"/>
+                  <a16:creationId xmlns="" xmlns:a16="http://schemas.microsoft.com/office/drawing/2014/main" id="{10EDCAE1-2F88-4E8A-9E87-5EA06CB1414E}"/>
                 </a:ext>
               </a:extLst>
             </p:cNvPr>
@@ -15708,7 +15708,7 @@
             </a:ln>
             <a:extLst>
               <a:ext uri="{91240B29-F687-4f45-9708-019B960494DF}">
-                <a14:hiddenLine xmlns:a14="http://schemas.microsoft.com/office/drawing/2010/main" xmlns="" w="9525">
+                <a14:hiddenLine xmlns="" xmlns:a14="http://schemas.microsoft.com/office/drawing/2010/main" w="9525">
                   <a:solidFill>
                     <a:srgbClr val="000000"/>
                   </a:solidFill>
@@ -15736,7 +15736,7 @@
             <p:cNvPr id="165" name="Freeform 51">
               <a:extLst>
                 <a:ext uri="{FF2B5EF4-FFF2-40B4-BE49-F238E27FC236}">
-                  <a16:creationId xmlns:a16="http://schemas.microsoft.com/office/drawing/2014/main" xmlns="" id="{B0318F65-29A9-4E99-A7B5-202839DB1F54}"/>
+                  <a16:creationId xmlns="" xmlns:a16="http://schemas.microsoft.com/office/drawing/2014/main" id="{B0318F65-29A9-4E99-A7B5-202839DB1F54}"/>
                 </a:ext>
               </a:extLst>
             </p:cNvPr>
@@ -15869,7 +15869,7 @@
             </a:ln>
             <a:extLst>
               <a:ext uri="{91240B29-F687-4f45-9708-019B960494DF}">
-                <a14:hiddenLine xmlns:a14="http://schemas.microsoft.com/office/drawing/2010/main" xmlns="" w="9525">
+                <a14:hiddenLine xmlns="" xmlns:a14="http://schemas.microsoft.com/office/drawing/2010/main" w="9525">
                   <a:solidFill>
                     <a:srgbClr val="000000"/>
                   </a:solidFill>
@@ -15897,7 +15897,7 @@
             <p:cNvPr id="166" name="Freeform 52">
               <a:extLst>
                 <a:ext uri="{FF2B5EF4-FFF2-40B4-BE49-F238E27FC236}">
-                  <a16:creationId xmlns:a16="http://schemas.microsoft.com/office/drawing/2014/main" xmlns="" id="{6B27258F-A3C7-41C7-8167-AAAF9E125D79}"/>
+                  <a16:creationId xmlns="" xmlns:a16="http://schemas.microsoft.com/office/drawing/2014/main" id="{6B27258F-A3C7-41C7-8167-AAAF9E125D79}"/>
                 </a:ext>
               </a:extLst>
             </p:cNvPr>
@@ -16030,7 +16030,7 @@
             </a:ln>
             <a:extLst>
               <a:ext uri="{91240B29-F687-4f45-9708-019B960494DF}">
-                <a14:hiddenLine xmlns:a14="http://schemas.microsoft.com/office/drawing/2010/main" xmlns="" w="9525">
+                <a14:hiddenLine xmlns="" xmlns:a14="http://schemas.microsoft.com/office/drawing/2010/main" w="9525">
                   <a:solidFill>
                     <a:srgbClr val="000000"/>
                   </a:solidFill>
@@ -16058,7 +16058,7 @@
             <p:cNvPr id="167" name="Oval 53">
               <a:extLst>
                 <a:ext uri="{FF2B5EF4-FFF2-40B4-BE49-F238E27FC236}">
-                  <a16:creationId xmlns:a16="http://schemas.microsoft.com/office/drawing/2014/main" xmlns="" id="{1FA0DF60-A1CC-498E-98F2-A4F6D304E079}"/>
+                  <a16:creationId xmlns="" xmlns:a16="http://schemas.microsoft.com/office/drawing/2014/main" id="{1FA0DF60-A1CC-498E-98F2-A4F6D304E079}"/>
                 </a:ext>
               </a:extLst>
             </p:cNvPr>
@@ -16083,7 +16083,7 @@
             </a:ln>
             <a:extLst>
               <a:ext uri="{91240B29-F687-4f45-9708-019B960494DF}">
-                <a14:hiddenLine xmlns:a14="http://schemas.microsoft.com/office/drawing/2010/main" xmlns="" w="9525">
+                <a14:hiddenLine xmlns="" xmlns:a14="http://schemas.microsoft.com/office/drawing/2010/main" w="9525">
                   <a:solidFill>
                     <a:srgbClr val="000000"/>
                   </a:solidFill>
@@ -16111,7 +16111,7 @@
             <p:cNvPr id="168" name="Freeform 59">
               <a:extLst>
                 <a:ext uri="{FF2B5EF4-FFF2-40B4-BE49-F238E27FC236}">
-                  <a16:creationId xmlns:a16="http://schemas.microsoft.com/office/drawing/2014/main" xmlns="" id="{37CCC26D-B56E-4372-85DE-4EDE87536347}"/>
+                  <a16:creationId xmlns="" xmlns:a16="http://schemas.microsoft.com/office/drawing/2014/main" id="{37CCC26D-B56E-4372-85DE-4EDE87536347}"/>
                 </a:ext>
               </a:extLst>
             </p:cNvPr>
@@ -16179,7 +16179,7 @@
             </a:ln>
             <a:extLst>
               <a:ext uri="{91240B29-F687-4f45-9708-019B960494DF}">
-                <a14:hiddenLine xmlns:a14="http://schemas.microsoft.com/office/drawing/2010/main" xmlns="" w="9525">
+                <a14:hiddenLine xmlns="" xmlns:a14="http://schemas.microsoft.com/office/drawing/2010/main" w="9525">
                   <a:solidFill>
                     <a:srgbClr val="000000"/>
                   </a:solidFill>
@@ -16207,7 +16207,7 @@
             <p:cNvPr id="170" name="Oval 36">
               <a:extLst>
                 <a:ext uri="{FF2B5EF4-FFF2-40B4-BE49-F238E27FC236}">
-                  <a16:creationId xmlns:a16="http://schemas.microsoft.com/office/drawing/2014/main" xmlns="" id="{B078A5C1-B480-412F-9782-8B910D78F004}"/>
+                  <a16:creationId xmlns="" xmlns:a16="http://schemas.microsoft.com/office/drawing/2014/main" id="{B078A5C1-B480-412F-9782-8B910D78F004}"/>
                 </a:ext>
               </a:extLst>
             </p:cNvPr>
@@ -16232,7 +16232,7 @@
             </a:ln>
             <a:extLst>
               <a:ext uri="{91240B29-F687-4f45-9708-019B960494DF}">
-                <a14:hiddenLine xmlns:a14="http://schemas.microsoft.com/office/drawing/2010/main" xmlns="" w="9525">
+                <a14:hiddenLine xmlns="" xmlns:a14="http://schemas.microsoft.com/office/drawing/2010/main" w="9525">
                   <a:solidFill>
                     <a:srgbClr val="000000"/>
                   </a:solidFill>
@@ -16260,7 +16260,7 @@
             <p:cNvPr id="171" name="Oval 37">
               <a:extLst>
                 <a:ext uri="{FF2B5EF4-FFF2-40B4-BE49-F238E27FC236}">
-                  <a16:creationId xmlns:a16="http://schemas.microsoft.com/office/drawing/2014/main" xmlns="" id="{05D72483-40FA-4A62-ABDE-31385CA04755}"/>
+                  <a16:creationId xmlns="" xmlns:a16="http://schemas.microsoft.com/office/drawing/2014/main" id="{05D72483-40FA-4A62-ABDE-31385CA04755}"/>
                 </a:ext>
               </a:extLst>
             </p:cNvPr>
@@ -16285,7 +16285,7 @@
             </a:ln>
             <a:extLst>
               <a:ext uri="{91240B29-F687-4f45-9708-019B960494DF}">
-                <a14:hiddenLine xmlns:a14="http://schemas.microsoft.com/office/drawing/2010/main" xmlns="" w="9525">
+                <a14:hiddenLine xmlns="" xmlns:a14="http://schemas.microsoft.com/office/drawing/2010/main" w="9525">
                   <a:solidFill>
                     <a:srgbClr val="000000"/>
                   </a:solidFill>
@@ -16313,7 +16313,7 @@
             <p:cNvPr id="172" name="Freeform 38">
               <a:extLst>
                 <a:ext uri="{FF2B5EF4-FFF2-40B4-BE49-F238E27FC236}">
-                  <a16:creationId xmlns:a16="http://schemas.microsoft.com/office/drawing/2014/main" xmlns="" id="{CBFBB7C8-E2B9-44C2-BF9D-07C57E716BB0}"/>
+                  <a16:creationId xmlns="" xmlns:a16="http://schemas.microsoft.com/office/drawing/2014/main" id="{CBFBB7C8-E2B9-44C2-BF9D-07C57E716BB0}"/>
                 </a:ext>
               </a:extLst>
             </p:cNvPr>
@@ -16446,7 +16446,7 @@
             </a:ln>
             <a:extLst>
               <a:ext uri="{91240B29-F687-4f45-9708-019B960494DF}">
-                <a14:hiddenLine xmlns:a14="http://schemas.microsoft.com/office/drawing/2010/main" xmlns="" w="9525">
+                <a14:hiddenLine xmlns="" xmlns:a14="http://schemas.microsoft.com/office/drawing/2010/main" w="9525">
                   <a:solidFill>
                     <a:srgbClr val="000000"/>
                   </a:solidFill>
@@ -16474,7 +16474,7 @@
             <p:cNvPr id="173" name="Freeform 39">
               <a:extLst>
                 <a:ext uri="{FF2B5EF4-FFF2-40B4-BE49-F238E27FC236}">
-                  <a16:creationId xmlns:a16="http://schemas.microsoft.com/office/drawing/2014/main" xmlns="" id="{D16F4513-1E27-47D2-9F97-04F24C3CBC7A}"/>
+                  <a16:creationId xmlns="" xmlns:a16="http://schemas.microsoft.com/office/drawing/2014/main" id="{D16F4513-1E27-47D2-9F97-04F24C3CBC7A}"/>
                 </a:ext>
               </a:extLst>
             </p:cNvPr>
@@ -16574,7 +16574,7 @@
             </a:ln>
             <a:extLst>
               <a:ext uri="{91240B29-F687-4f45-9708-019B960494DF}">
-                <a14:hiddenLine xmlns:a14="http://schemas.microsoft.com/office/drawing/2010/main" xmlns="" w="9525">
+                <a14:hiddenLine xmlns="" xmlns:a14="http://schemas.microsoft.com/office/drawing/2010/main" w="9525">
                   <a:solidFill>
                     <a:srgbClr val="000000"/>
                   </a:solidFill>
@@ -16602,7 +16602,7 @@
             <p:cNvPr id="174" name="Freeform 40">
               <a:extLst>
                 <a:ext uri="{FF2B5EF4-FFF2-40B4-BE49-F238E27FC236}">
-                  <a16:creationId xmlns:a16="http://schemas.microsoft.com/office/drawing/2014/main" xmlns="" id="{87D954E6-ED09-42C8-B3A6-03186E9823A4}"/>
+                  <a16:creationId xmlns="" xmlns:a16="http://schemas.microsoft.com/office/drawing/2014/main" id="{87D954E6-ED09-42C8-B3A6-03186E9823A4}"/>
                 </a:ext>
               </a:extLst>
             </p:cNvPr>
@@ -16742,7 +16742,7 @@
             </a:ln>
             <a:extLst>
               <a:ext uri="{91240B29-F687-4f45-9708-019B960494DF}">
-                <a14:hiddenLine xmlns:a14="http://schemas.microsoft.com/office/drawing/2010/main" xmlns="" w="9525">
+                <a14:hiddenLine xmlns="" xmlns:a14="http://schemas.microsoft.com/office/drawing/2010/main" w="9525">
                   <a:solidFill>
                     <a:srgbClr val="000000"/>
                   </a:solidFill>
@@ -16770,7 +16770,7 @@
             <p:cNvPr id="175" name="Freeform 42">
               <a:extLst>
                 <a:ext uri="{FF2B5EF4-FFF2-40B4-BE49-F238E27FC236}">
-                  <a16:creationId xmlns:a16="http://schemas.microsoft.com/office/drawing/2014/main" xmlns="" id="{B2156065-608F-4DC9-B507-678254D0DF9D}"/>
+                  <a16:creationId xmlns="" xmlns:a16="http://schemas.microsoft.com/office/drawing/2014/main" id="{B2156065-608F-4DC9-B507-678254D0DF9D}"/>
                 </a:ext>
               </a:extLst>
             </p:cNvPr>
@@ -16903,7 +16903,7 @@
             </a:ln>
             <a:extLst>
               <a:ext uri="{91240B29-F687-4f45-9708-019B960494DF}">
-                <a14:hiddenLine xmlns:a14="http://schemas.microsoft.com/office/drawing/2010/main" xmlns="" w="9525">
+                <a14:hiddenLine xmlns="" xmlns:a14="http://schemas.microsoft.com/office/drawing/2010/main" w="9525">
                   <a:solidFill>
                     <a:srgbClr val="000000"/>
                   </a:solidFill>
@@ -16931,7 +16931,7 @@
             <p:cNvPr id="176" name="Freeform 43">
               <a:extLst>
                 <a:ext uri="{FF2B5EF4-FFF2-40B4-BE49-F238E27FC236}">
-                  <a16:creationId xmlns:a16="http://schemas.microsoft.com/office/drawing/2014/main" xmlns="" id="{88231401-AE4E-420A-99EF-A48D1AB330DA}"/>
+                  <a16:creationId xmlns="" xmlns:a16="http://schemas.microsoft.com/office/drawing/2014/main" id="{88231401-AE4E-420A-99EF-A48D1AB330DA}"/>
                 </a:ext>
               </a:extLst>
             </p:cNvPr>
@@ -17064,7 +17064,7 @@
             </a:ln>
             <a:extLst>
               <a:ext uri="{91240B29-F687-4f45-9708-019B960494DF}">
-                <a14:hiddenLine xmlns:a14="http://schemas.microsoft.com/office/drawing/2010/main" xmlns="" w="9525">
+                <a14:hiddenLine xmlns="" xmlns:a14="http://schemas.microsoft.com/office/drawing/2010/main" w="9525">
                   <a:solidFill>
                     <a:srgbClr val="000000"/>
                   </a:solidFill>
@@ -17092,7 +17092,7 @@
             <p:cNvPr id="177" name="Oval 44">
               <a:extLst>
                 <a:ext uri="{FF2B5EF4-FFF2-40B4-BE49-F238E27FC236}">
-                  <a16:creationId xmlns:a16="http://schemas.microsoft.com/office/drawing/2014/main" xmlns="" id="{8395D515-511B-4D1B-ABB5-0C11B4D0D7BE}"/>
+                  <a16:creationId xmlns="" xmlns:a16="http://schemas.microsoft.com/office/drawing/2014/main" id="{8395D515-511B-4D1B-ABB5-0C11B4D0D7BE}"/>
                 </a:ext>
               </a:extLst>
             </p:cNvPr>
@@ -17117,7 +17117,7 @@
             </a:ln>
             <a:extLst>
               <a:ext uri="{91240B29-F687-4f45-9708-019B960494DF}">
-                <a14:hiddenLine xmlns:a14="http://schemas.microsoft.com/office/drawing/2010/main" xmlns="" w="9525">
+                <a14:hiddenLine xmlns="" xmlns:a14="http://schemas.microsoft.com/office/drawing/2010/main" w="9525">
                   <a:solidFill>
                     <a:srgbClr val="000000"/>
                   </a:solidFill>
@@ -17145,7 +17145,7 @@
             <p:cNvPr id="178" name="Oval 45">
               <a:extLst>
                 <a:ext uri="{FF2B5EF4-FFF2-40B4-BE49-F238E27FC236}">
-                  <a16:creationId xmlns:a16="http://schemas.microsoft.com/office/drawing/2014/main" xmlns="" id="{AEB0E138-77BE-41F9-A716-051BF43173D7}"/>
+                  <a16:creationId xmlns="" xmlns:a16="http://schemas.microsoft.com/office/drawing/2014/main" id="{AEB0E138-77BE-41F9-A716-051BF43173D7}"/>
                 </a:ext>
               </a:extLst>
             </p:cNvPr>
@@ -17170,7 +17170,7 @@
             </a:ln>
             <a:extLst>
               <a:ext uri="{91240B29-F687-4f45-9708-019B960494DF}">
-                <a14:hiddenLine xmlns:a14="http://schemas.microsoft.com/office/drawing/2010/main" xmlns="" w="9525">
+                <a14:hiddenLine xmlns="" xmlns:a14="http://schemas.microsoft.com/office/drawing/2010/main" w="9525">
                   <a:solidFill>
                     <a:srgbClr val="000000"/>
                   </a:solidFill>
@@ -17198,7 +17198,7 @@
             <p:cNvPr id="179" name="Oval 46">
               <a:extLst>
                 <a:ext uri="{FF2B5EF4-FFF2-40B4-BE49-F238E27FC236}">
-                  <a16:creationId xmlns:a16="http://schemas.microsoft.com/office/drawing/2014/main" xmlns="" id="{41927B00-105B-41D5-9928-D66D558BAC23}"/>
+                  <a16:creationId xmlns="" xmlns:a16="http://schemas.microsoft.com/office/drawing/2014/main" id="{41927B00-105B-41D5-9928-D66D558BAC23}"/>
                 </a:ext>
               </a:extLst>
             </p:cNvPr>
@@ -17223,7 +17223,7 @@
             </a:ln>
             <a:extLst>
               <a:ext uri="{91240B29-F687-4f45-9708-019B960494DF}">
-                <a14:hiddenLine xmlns:a14="http://schemas.microsoft.com/office/drawing/2010/main" xmlns="" w="9525">
+                <a14:hiddenLine xmlns="" xmlns:a14="http://schemas.microsoft.com/office/drawing/2010/main" w="9525">
                   <a:solidFill>
                     <a:srgbClr val="000000"/>
                   </a:solidFill>
@@ -17251,7 +17251,7 @@
             <p:cNvPr id="180" name="Freeform 47">
               <a:extLst>
                 <a:ext uri="{FF2B5EF4-FFF2-40B4-BE49-F238E27FC236}">
-                  <a16:creationId xmlns:a16="http://schemas.microsoft.com/office/drawing/2014/main" xmlns="" id="{D0EDE76C-EBDD-4BB8-BED4-77691286DC23}"/>
+                  <a16:creationId xmlns="" xmlns:a16="http://schemas.microsoft.com/office/drawing/2014/main" id="{D0EDE76C-EBDD-4BB8-BED4-77691286DC23}"/>
                 </a:ext>
               </a:extLst>
             </p:cNvPr>
@@ -17384,7 +17384,7 @@
             </a:ln>
             <a:extLst>
               <a:ext uri="{91240B29-F687-4f45-9708-019B960494DF}">
-                <a14:hiddenLine xmlns:a14="http://schemas.microsoft.com/office/drawing/2010/main" xmlns="" w="9525">
+                <a14:hiddenLine xmlns="" xmlns:a14="http://schemas.microsoft.com/office/drawing/2010/main" w="9525">
                   <a:solidFill>
                     <a:srgbClr val="000000"/>
                   </a:solidFill>
@@ -17412,7 +17412,7 @@
             <p:cNvPr id="181" name="Freeform 48">
               <a:extLst>
                 <a:ext uri="{FF2B5EF4-FFF2-40B4-BE49-F238E27FC236}">
-                  <a16:creationId xmlns:a16="http://schemas.microsoft.com/office/drawing/2014/main" xmlns="" id="{743B8296-6466-4F42-88E3-05BA9C8E45F5}"/>
+                  <a16:creationId xmlns="" xmlns:a16="http://schemas.microsoft.com/office/drawing/2014/main" id="{743B8296-6466-4F42-88E3-05BA9C8E45F5}"/>
                 </a:ext>
               </a:extLst>
             </p:cNvPr>
@@ -17512,7 +17512,7 @@
             </a:ln>
             <a:extLst>
               <a:ext uri="{91240B29-F687-4f45-9708-019B960494DF}">
-                <a14:hiddenLine xmlns:a14="http://schemas.microsoft.com/office/drawing/2010/main" xmlns="" w="9525">
+                <a14:hiddenLine xmlns="" xmlns:a14="http://schemas.microsoft.com/office/drawing/2010/main" w="9525">
                   <a:solidFill>
                     <a:srgbClr val="000000"/>
                   </a:solidFill>
@@ -17540,7 +17540,7 @@
             <p:cNvPr id="182" name="Freeform 49">
               <a:extLst>
                 <a:ext uri="{FF2B5EF4-FFF2-40B4-BE49-F238E27FC236}">
-                  <a16:creationId xmlns:a16="http://schemas.microsoft.com/office/drawing/2014/main" xmlns="" id="{0D804D19-6C23-4C6C-9394-9EE831A535CF}"/>
+                  <a16:creationId xmlns="" xmlns:a16="http://schemas.microsoft.com/office/drawing/2014/main" id="{0D804D19-6C23-4C6C-9394-9EE831A535CF}"/>
                 </a:ext>
               </a:extLst>
             </p:cNvPr>
@@ -17680,7 +17680,7 @@
             </a:ln>
             <a:extLst>
               <a:ext uri="{91240B29-F687-4f45-9708-019B960494DF}">
-                <a14:hiddenLine xmlns:a14="http://schemas.microsoft.com/office/drawing/2010/main" xmlns="" w="9525">
+                <a14:hiddenLine xmlns="" xmlns:a14="http://schemas.microsoft.com/office/drawing/2010/main" w="9525">
                   <a:solidFill>
                     <a:srgbClr val="000000"/>
                   </a:solidFill>
@@ -17708,7 +17708,7 @@
             <p:cNvPr id="183" name="Freeform 50">
               <a:extLst>
                 <a:ext uri="{FF2B5EF4-FFF2-40B4-BE49-F238E27FC236}">
-                  <a16:creationId xmlns:a16="http://schemas.microsoft.com/office/drawing/2014/main" xmlns="" id="{395819C0-D9B7-4D44-AEEC-81DD100E1CC7}"/>
+                  <a16:creationId xmlns="" xmlns:a16="http://schemas.microsoft.com/office/drawing/2014/main" id="{395819C0-D9B7-4D44-AEEC-81DD100E1CC7}"/>
                 </a:ext>
               </a:extLst>
             </p:cNvPr>
@@ -17776,7 +17776,7 @@
             </a:ln>
             <a:extLst>
               <a:ext uri="{91240B29-F687-4f45-9708-019B960494DF}">
-                <a14:hiddenLine xmlns:a14="http://schemas.microsoft.com/office/drawing/2010/main" xmlns="" w="9525">
+                <a14:hiddenLine xmlns="" xmlns:a14="http://schemas.microsoft.com/office/drawing/2010/main" w="9525">
                   <a:solidFill>
                     <a:srgbClr val="000000"/>
                   </a:solidFill>
@@ -17804,7 +17804,7 @@
             <p:cNvPr id="184" name="Freeform 51">
               <a:extLst>
                 <a:ext uri="{FF2B5EF4-FFF2-40B4-BE49-F238E27FC236}">
-                  <a16:creationId xmlns:a16="http://schemas.microsoft.com/office/drawing/2014/main" xmlns="" id="{AC6F935A-1039-4DB7-B33F-D8661270B868}"/>
+                  <a16:creationId xmlns="" xmlns:a16="http://schemas.microsoft.com/office/drawing/2014/main" id="{AC6F935A-1039-4DB7-B33F-D8661270B868}"/>
                 </a:ext>
               </a:extLst>
             </p:cNvPr>
@@ -17937,7 +17937,7 @@
             </a:ln>
             <a:extLst>
               <a:ext uri="{91240B29-F687-4f45-9708-019B960494DF}">
-                <a14:hiddenLine xmlns:a14="http://schemas.microsoft.com/office/drawing/2010/main" xmlns="" w="9525">
+                <a14:hiddenLine xmlns="" xmlns:a14="http://schemas.microsoft.com/office/drawing/2010/main" w="9525">
                   <a:solidFill>
                     <a:srgbClr val="000000"/>
                   </a:solidFill>
@@ -17965,7 +17965,7 @@
             <p:cNvPr id="185" name="Freeform 52">
               <a:extLst>
                 <a:ext uri="{FF2B5EF4-FFF2-40B4-BE49-F238E27FC236}">
-                  <a16:creationId xmlns:a16="http://schemas.microsoft.com/office/drawing/2014/main" xmlns="" id="{A30E2163-9BB2-4383-B18B-4522C68317D8}"/>
+                  <a16:creationId xmlns="" xmlns:a16="http://schemas.microsoft.com/office/drawing/2014/main" id="{A30E2163-9BB2-4383-B18B-4522C68317D8}"/>
                 </a:ext>
               </a:extLst>
             </p:cNvPr>
@@ -18098,7 +18098,7 @@
             </a:ln>
             <a:extLst>
               <a:ext uri="{91240B29-F687-4f45-9708-019B960494DF}">
-                <a14:hiddenLine xmlns:a14="http://schemas.microsoft.com/office/drawing/2010/main" xmlns="" w="9525">
+                <a14:hiddenLine xmlns="" xmlns:a14="http://schemas.microsoft.com/office/drawing/2010/main" w="9525">
                   <a:solidFill>
                     <a:srgbClr val="000000"/>
                   </a:solidFill>
@@ -18126,7 +18126,7 @@
             <p:cNvPr id="186" name="Oval 53">
               <a:extLst>
                 <a:ext uri="{FF2B5EF4-FFF2-40B4-BE49-F238E27FC236}">
-                  <a16:creationId xmlns:a16="http://schemas.microsoft.com/office/drawing/2014/main" xmlns="" id="{716D231B-E4B7-4CF9-BCDD-5DA9F2FAB478}"/>
+                  <a16:creationId xmlns="" xmlns:a16="http://schemas.microsoft.com/office/drawing/2014/main" id="{716D231B-E4B7-4CF9-BCDD-5DA9F2FAB478}"/>
                 </a:ext>
               </a:extLst>
             </p:cNvPr>
@@ -18151,7 +18151,7 @@
             </a:ln>
             <a:extLst>
               <a:ext uri="{91240B29-F687-4f45-9708-019B960494DF}">
-                <a14:hiddenLine xmlns:a14="http://schemas.microsoft.com/office/drawing/2010/main" xmlns="" w="9525">
+                <a14:hiddenLine xmlns="" xmlns:a14="http://schemas.microsoft.com/office/drawing/2010/main" w="9525">
                   <a:solidFill>
                     <a:srgbClr val="000000"/>
                   </a:solidFill>
@@ -18179,7 +18179,7 @@
             <p:cNvPr id="187" name="Freeform 59">
               <a:extLst>
                 <a:ext uri="{FF2B5EF4-FFF2-40B4-BE49-F238E27FC236}">
-                  <a16:creationId xmlns:a16="http://schemas.microsoft.com/office/drawing/2014/main" xmlns="" id="{BDCCD4DD-398C-4437-BCA6-E12528BB40A9}"/>
+                  <a16:creationId xmlns="" xmlns:a16="http://schemas.microsoft.com/office/drawing/2014/main" id="{BDCCD4DD-398C-4437-BCA6-E12528BB40A9}"/>
                 </a:ext>
               </a:extLst>
             </p:cNvPr>
@@ -18247,7 +18247,7 @@
             </a:ln>
             <a:extLst>
               <a:ext uri="{91240B29-F687-4f45-9708-019B960494DF}">
-                <a14:hiddenLine xmlns:a14="http://schemas.microsoft.com/office/drawing/2010/main" xmlns="" w="9525">
+                <a14:hiddenLine xmlns="" xmlns:a14="http://schemas.microsoft.com/office/drawing/2010/main" w="9525">
                   <a:solidFill>
                     <a:srgbClr val="000000"/>
                   </a:solidFill>
@@ -18275,7 +18275,7 @@
             <p:cNvPr id="188" name="Oval 36">
               <a:extLst>
                 <a:ext uri="{FF2B5EF4-FFF2-40B4-BE49-F238E27FC236}">
-                  <a16:creationId xmlns:a16="http://schemas.microsoft.com/office/drawing/2014/main" xmlns="" id="{63FF15A9-5075-4A8C-8DD6-567A66E5DDBA}"/>
+                  <a16:creationId xmlns="" xmlns:a16="http://schemas.microsoft.com/office/drawing/2014/main" id="{63FF15A9-5075-4A8C-8DD6-567A66E5DDBA}"/>
                 </a:ext>
               </a:extLst>
             </p:cNvPr>
@@ -18300,7 +18300,7 @@
             </a:ln>
             <a:extLst>
               <a:ext uri="{91240B29-F687-4f45-9708-019B960494DF}">
-                <a14:hiddenLine xmlns:a14="http://schemas.microsoft.com/office/drawing/2010/main" xmlns="" w="9525">
+                <a14:hiddenLine xmlns="" xmlns:a14="http://schemas.microsoft.com/office/drawing/2010/main" w="9525">
                   <a:solidFill>
                     <a:srgbClr val="000000"/>
                   </a:solidFill>
@@ -18328,7 +18328,7 @@
             <p:cNvPr id="189" name="Oval 37">
               <a:extLst>
                 <a:ext uri="{FF2B5EF4-FFF2-40B4-BE49-F238E27FC236}">
-                  <a16:creationId xmlns:a16="http://schemas.microsoft.com/office/drawing/2014/main" xmlns="" id="{09F155C3-BF25-4E95-8649-03AE21A20A39}"/>
+                  <a16:creationId xmlns="" xmlns:a16="http://schemas.microsoft.com/office/drawing/2014/main" id="{09F155C3-BF25-4E95-8649-03AE21A20A39}"/>
                 </a:ext>
               </a:extLst>
             </p:cNvPr>
@@ -18353,7 +18353,7 @@
             </a:ln>
             <a:extLst>
               <a:ext uri="{91240B29-F687-4f45-9708-019B960494DF}">
-                <a14:hiddenLine xmlns:a14="http://schemas.microsoft.com/office/drawing/2010/main" xmlns="" w="9525">
+                <a14:hiddenLine xmlns="" xmlns:a14="http://schemas.microsoft.com/office/drawing/2010/main" w="9525">
                   <a:solidFill>
                     <a:srgbClr val="000000"/>
                   </a:solidFill>
@@ -18381,7 +18381,7 @@
             <p:cNvPr id="190" name="Freeform 38">
               <a:extLst>
                 <a:ext uri="{FF2B5EF4-FFF2-40B4-BE49-F238E27FC236}">
-                  <a16:creationId xmlns:a16="http://schemas.microsoft.com/office/drawing/2014/main" xmlns="" id="{404C1D6E-E6AD-496C-946C-E43BC22F31AA}"/>
+                  <a16:creationId xmlns="" xmlns:a16="http://schemas.microsoft.com/office/drawing/2014/main" id="{404C1D6E-E6AD-496C-946C-E43BC22F31AA}"/>
                 </a:ext>
               </a:extLst>
             </p:cNvPr>
@@ -18514,7 +18514,7 @@
             </a:ln>
             <a:extLst>
               <a:ext uri="{91240B29-F687-4f45-9708-019B960494DF}">
-                <a14:hiddenLine xmlns:a14="http://schemas.microsoft.com/office/drawing/2010/main" xmlns="" w="9525">
+                <a14:hiddenLine xmlns="" xmlns:a14="http://schemas.microsoft.com/office/drawing/2010/main" w="9525">
                   <a:solidFill>
                     <a:srgbClr val="000000"/>
                   </a:solidFill>
@@ -18542,7 +18542,7 @@
             <p:cNvPr id="191" name="Freeform 39">
               <a:extLst>
                 <a:ext uri="{FF2B5EF4-FFF2-40B4-BE49-F238E27FC236}">
-                  <a16:creationId xmlns:a16="http://schemas.microsoft.com/office/drawing/2014/main" xmlns="" id="{D96FA199-22BD-460E-88A4-4B9C05A5ACD1}"/>
+                  <a16:creationId xmlns="" xmlns:a16="http://schemas.microsoft.com/office/drawing/2014/main" id="{D96FA199-22BD-460E-88A4-4B9C05A5ACD1}"/>
                 </a:ext>
               </a:extLst>
             </p:cNvPr>
@@ -18642,7 +18642,7 @@
             </a:ln>
             <a:extLst>
               <a:ext uri="{91240B29-F687-4f45-9708-019B960494DF}">
-                <a14:hiddenLine xmlns:a14="http://schemas.microsoft.com/office/drawing/2010/main" xmlns="" w="9525">
+                <a14:hiddenLine xmlns="" xmlns:a14="http://schemas.microsoft.com/office/drawing/2010/main" w="9525">
                   <a:solidFill>
                     <a:srgbClr val="000000"/>
                   </a:solidFill>
@@ -18670,7 +18670,7 @@
             <p:cNvPr id="192" name="Freeform 40">
               <a:extLst>
                 <a:ext uri="{FF2B5EF4-FFF2-40B4-BE49-F238E27FC236}">
-                  <a16:creationId xmlns:a16="http://schemas.microsoft.com/office/drawing/2014/main" xmlns="" id="{844A6B82-B300-49B7-B250-0236BFCF981B}"/>
+                  <a16:creationId xmlns="" xmlns:a16="http://schemas.microsoft.com/office/drawing/2014/main" id="{844A6B82-B300-49B7-B250-0236BFCF981B}"/>
                 </a:ext>
               </a:extLst>
             </p:cNvPr>
@@ -18810,7 +18810,7 @@
             </a:ln>
             <a:extLst>
               <a:ext uri="{91240B29-F687-4f45-9708-019B960494DF}">
-                <a14:hiddenLine xmlns:a14="http://schemas.microsoft.com/office/drawing/2010/main" xmlns="" w="9525">
+                <a14:hiddenLine xmlns="" xmlns:a14="http://schemas.microsoft.com/office/drawing/2010/main" w="9525">
                   <a:solidFill>
                     <a:srgbClr val="000000"/>
                   </a:solidFill>
@@ -18838,7 +18838,7 @@
             <p:cNvPr id="193" name="Freeform 42">
               <a:extLst>
                 <a:ext uri="{FF2B5EF4-FFF2-40B4-BE49-F238E27FC236}">
-                  <a16:creationId xmlns:a16="http://schemas.microsoft.com/office/drawing/2014/main" xmlns="" id="{CEE89A0C-B8C6-42C0-B898-1403359C7AC5}"/>
+                  <a16:creationId xmlns="" xmlns:a16="http://schemas.microsoft.com/office/drawing/2014/main" id="{CEE89A0C-B8C6-42C0-B898-1403359C7AC5}"/>
                 </a:ext>
               </a:extLst>
             </p:cNvPr>
@@ -18971,7 +18971,7 @@
             </a:ln>
             <a:extLst>
               <a:ext uri="{91240B29-F687-4f45-9708-019B960494DF}">
-                <a14:hiddenLine xmlns:a14="http://schemas.microsoft.com/office/drawing/2010/main" xmlns="" w="9525">
+                <a14:hiddenLine xmlns="" xmlns:a14="http://schemas.microsoft.com/office/drawing/2010/main" w="9525">
                   <a:solidFill>
                     <a:srgbClr val="000000"/>
                   </a:solidFill>
@@ -18999,7 +18999,7 @@
             <p:cNvPr id="194" name="Freeform 43">
               <a:extLst>
                 <a:ext uri="{FF2B5EF4-FFF2-40B4-BE49-F238E27FC236}">
-                  <a16:creationId xmlns:a16="http://schemas.microsoft.com/office/drawing/2014/main" xmlns="" id="{D50697B4-EA21-45BF-A9D5-CCD3AD34D478}"/>
+                  <a16:creationId xmlns="" xmlns:a16="http://schemas.microsoft.com/office/drawing/2014/main" id="{D50697B4-EA21-45BF-A9D5-CCD3AD34D478}"/>
                 </a:ext>
               </a:extLst>
             </p:cNvPr>
@@ -19132,7 +19132,7 @@
             </a:ln>
             <a:extLst>
               <a:ext uri="{91240B29-F687-4f45-9708-019B960494DF}">
-                <a14:hiddenLine xmlns:a14="http://schemas.microsoft.com/office/drawing/2010/main" xmlns="" w="9525">
+                <a14:hiddenLine xmlns="" xmlns:a14="http://schemas.microsoft.com/office/drawing/2010/main" w="9525">
                   <a:solidFill>
                     <a:srgbClr val="000000"/>
                   </a:solidFill>
@@ -19160,7 +19160,7 @@
             <p:cNvPr id="195" name="Oval 44">
               <a:extLst>
                 <a:ext uri="{FF2B5EF4-FFF2-40B4-BE49-F238E27FC236}">
-                  <a16:creationId xmlns:a16="http://schemas.microsoft.com/office/drawing/2014/main" xmlns="" id="{079319F3-BCC2-419B-B772-C685DAEE180E}"/>
+                  <a16:creationId xmlns="" xmlns:a16="http://schemas.microsoft.com/office/drawing/2014/main" id="{079319F3-BCC2-419B-B772-C685DAEE180E}"/>
                 </a:ext>
               </a:extLst>
             </p:cNvPr>
@@ -19185,7 +19185,7 @@
             </a:ln>
             <a:extLst>
               <a:ext uri="{91240B29-F687-4f45-9708-019B960494DF}">
-                <a14:hiddenLine xmlns:a14="http://schemas.microsoft.com/office/drawing/2010/main" xmlns="" w="9525">
+                <a14:hiddenLine xmlns="" xmlns:a14="http://schemas.microsoft.com/office/drawing/2010/main" w="9525">
                   <a:solidFill>
                     <a:srgbClr val="000000"/>
                   </a:solidFill>
@@ -19213,7 +19213,7 @@
             <p:cNvPr id="196" name="Oval 45">
               <a:extLst>
                 <a:ext uri="{FF2B5EF4-FFF2-40B4-BE49-F238E27FC236}">
-                  <a16:creationId xmlns:a16="http://schemas.microsoft.com/office/drawing/2014/main" xmlns="" id="{1BD2452C-4691-4003-B0F3-27E461DEF059}"/>
+                  <a16:creationId xmlns="" xmlns:a16="http://schemas.microsoft.com/office/drawing/2014/main" id="{1BD2452C-4691-4003-B0F3-27E461DEF059}"/>
                 </a:ext>
               </a:extLst>
             </p:cNvPr>
@@ -19238,7 +19238,7 @@
             </a:ln>
             <a:extLst>
               <a:ext uri="{91240B29-F687-4f45-9708-019B960494DF}">
-                <a14:hiddenLine xmlns:a14="http://schemas.microsoft.com/office/drawing/2010/main" xmlns="" w="9525">
+                <a14:hiddenLine xmlns="" xmlns:a14="http://schemas.microsoft.com/office/drawing/2010/main" w="9525">
                   <a:solidFill>
                     <a:srgbClr val="000000"/>
                   </a:solidFill>
@@ -19266,7 +19266,7 @@
             <p:cNvPr id="197" name="Oval 46">
               <a:extLst>
                 <a:ext uri="{FF2B5EF4-FFF2-40B4-BE49-F238E27FC236}">
-                  <a16:creationId xmlns:a16="http://schemas.microsoft.com/office/drawing/2014/main" xmlns="" id="{199C4794-7424-4B1F-9B2D-9170ABC9D421}"/>
+                  <a16:creationId xmlns="" xmlns:a16="http://schemas.microsoft.com/office/drawing/2014/main" id="{199C4794-7424-4B1F-9B2D-9170ABC9D421}"/>
                 </a:ext>
               </a:extLst>
             </p:cNvPr>
@@ -19291,7 +19291,7 @@
             </a:ln>
             <a:extLst>
               <a:ext uri="{91240B29-F687-4f45-9708-019B960494DF}">
-                <a14:hiddenLine xmlns:a14="http://schemas.microsoft.com/office/drawing/2010/main" xmlns="" w="9525">
+                <a14:hiddenLine xmlns="" xmlns:a14="http://schemas.microsoft.com/office/drawing/2010/main" w="9525">
                   <a:solidFill>
                     <a:srgbClr val="000000"/>
                   </a:solidFill>
@@ -19319,7 +19319,7 @@
             <p:cNvPr id="198" name="Freeform 47">
               <a:extLst>
                 <a:ext uri="{FF2B5EF4-FFF2-40B4-BE49-F238E27FC236}">
-                  <a16:creationId xmlns:a16="http://schemas.microsoft.com/office/drawing/2014/main" xmlns="" id="{F208CBF4-4680-4C5B-A046-A76CEBF22B4B}"/>
+                  <a16:creationId xmlns="" xmlns:a16="http://schemas.microsoft.com/office/drawing/2014/main" id="{F208CBF4-4680-4C5B-A046-A76CEBF22B4B}"/>
                 </a:ext>
               </a:extLst>
             </p:cNvPr>
@@ -19452,7 +19452,7 @@
             </a:ln>
             <a:extLst>
               <a:ext uri="{91240B29-F687-4f45-9708-019B960494DF}">
-                <a14:hiddenLine xmlns:a14="http://schemas.microsoft.com/office/drawing/2010/main" xmlns="" w="9525">
+                <a14:hiddenLine xmlns="" xmlns:a14="http://schemas.microsoft.com/office/drawing/2010/main" w="9525">
                   <a:solidFill>
                     <a:srgbClr val="000000"/>
                   </a:solidFill>
@@ -19480,7 +19480,7 @@
             <p:cNvPr id="199" name="Freeform 48">
               <a:extLst>
                 <a:ext uri="{FF2B5EF4-FFF2-40B4-BE49-F238E27FC236}">
-                  <a16:creationId xmlns:a16="http://schemas.microsoft.com/office/drawing/2014/main" xmlns="" id="{97609986-4137-4430-B2B2-888EB66F744A}"/>
+                  <a16:creationId xmlns="" xmlns:a16="http://schemas.microsoft.com/office/drawing/2014/main" id="{97609986-4137-4430-B2B2-888EB66F744A}"/>
                 </a:ext>
               </a:extLst>
             </p:cNvPr>
@@ -19580,7 +19580,7 @@
             </a:ln>
             <a:extLst>
               <a:ext uri="{91240B29-F687-4f45-9708-019B960494DF}">
-                <a14:hiddenLine xmlns:a14="http://schemas.microsoft.com/office/drawing/2010/main" xmlns="" w="9525">
+                <a14:hiddenLine xmlns="" xmlns:a14="http://schemas.microsoft.com/office/drawing/2010/main" w="9525">
                   <a:solidFill>
                     <a:srgbClr val="000000"/>
                   </a:solidFill>
@@ -19608,7 +19608,7 @@
             <p:cNvPr id="200" name="Freeform 49">
               <a:extLst>
                 <a:ext uri="{FF2B5EF4-FFF2-40B4-BE49-F238E27FC236}">
-                  <a16:creationId xmlns:a16="http://schemas.microsoft.com/office/drawing/2014/main" xmlns="" id="{8C6C1A6B-8468-4290-AAEE-EC3C5121E072}"/>
+                  <a16:creationId xmlns="" xmlns:a16="http://schemas.microsoft.com/office/drawing/2014/main" id="{8C6C1A6B-8468-4290-AAEE-EC3C5121E072}"/>
                 </a:ext>
               </a:extLst>
             </p:cNvPr>
@@ -19748,7 +19748,7 @@
             </a:ln>
             <a:extLst>
               <a:ext uri="{91240B29-F687-4f45-9708-019B960494DF}">
-                <a14:hiddenLine xmlns:a14="http://schemas.microsoft.com/office/drawing/2010/main" xmlns="" w="9525">
+                <a14:hiddenLine xmlns="" xmlns:a14="http://schemas.microsoft.com/office/drawing/2010/main" w="9525">
                   <a:solidFill>
                     <a:srgbClr val="000000"/>
                   </a:solidFill>
@@ -19776,7 +19776,7 @@
             <p:cNvPr id="201" name="Freeform 50">
               <a:extLst>
                 <a:ext uri="{FF2B5EF4-FFF2-40B4-BE49-F238E27FC236}">
-                  <a16:creationId xmlns:a16="http://schemas.microsoft.com/office/drawing/2014/main" xmlns="" id="{ADEAC44A-0FE3-4043-B530-F00B1A8C71B2}"/>
+                  <a16:creationId xmlns="" xmlns:a16="http://schemas.microsoft.com/office/drawing/2014/main" id="{ADEAC44A-0FE3-4043-B530-F00B1A8C71B2}"/>
                 </a:ext>
               </a:extLst>
             </p:cNvPr>
@@ -19844,7 +19844,7 @@
             </a:ln>
             <a:extLst>
               <a:ext uri="{91240B29-F687-4f45-9708-019B960494DF}">
-                <a14:hiddenLine xmlns:a14="http://schemas.microsoft.com/office/drawing/2010/main" xmlns="" w="9525">
+                <a14:hiddenLine xmlns="" xmlns:a14="http://schemas.microsoft.com/office/drawing/2010/main" w="9525">
                   <a:solidFill>
                     <a:srgbClr val="000000"/>
                   </a:solidFill>
@@ -19872,7 +19872,7 @@
             <p:cNvPr id="202" name="Freeform 51">
               <a:extLst>
                 <a:ext uri="{FF2B5EF4-FFF2-40B4-BE49-F238E27FC236}">
-                  <a16:creationId xmlns:a16="http://schemas.microsoft.com/office/drawing/2014/main" xmlns="" id="{FCBEA582-1B40-4B87-95C8-A5B8EF1BA1B1}"/>
+                  <a16:creationId xmlns="" xmlns:a16="http://schemas.microsoft.com/office/drawing/2014/main" id="{FCBEA582-1B40-4B87-95C8-A5B8EF1BA1B1}"/>
                 </a:ext>
               </a:extLst>
             </p:cNvPr>
@@ -20005,7 +20005,7 @@
             </a:ln>
             <a:extLst>
               <a:ext uri="{91240B29-F687-4f45-9708-019B960494DF}">
-                <a14:hiddenLine xmlns:a14="http://schemas.microsoft.com/office/drawing/2010/main" xmlns="" w="9525">
+                <a14:hiddenLine xmlns="" xmlns:a14="http://schemas.microsoft.com/office/drawing/2010/main" w="9525">
                   <a:solidFill>
                     <a:srgbClr val="000000"/>
                   </a:solidFill>
@@ -20033,7 +20033,7 @@
             <p:cNvPr id="203" name="Freeform 52">
               <a:extLst>
                 <a:ext uri="{FF2B5EF4-FFF2-40B4-BE49-F238E27FC236}">
-                  <a16:creationId xmlns:a16="http://schemas.microsoft.com/office/drawing/2014/main" xmlns="" id="{F602AB16-51DA-4DA9-BE00-E9DF0101B8E5}"/>
+                  <a16:creationId xmlns="" xmlns:a16="http://schemas.microsoft.com/office/drawing/2014/main" id="{F602AB16-51DA-4DA9-BE00-E9DF0101B8E5}"/>
                 </a:ext>
               </a:extLst>
             </p:cNvPr>
@@ -20166,7 +20166,7 @@
             </a:ln>
             <a:extLst>
               <a:ext uri="{91240B29-F687-4f45-9708-019B960494DF}">
-                <a14:hiddenLine xmlns:a14="http://schemas.microsoft.com/office/drawing/2010/main" xmlns="" w="9525">
+                <a14:hiddenLine xmlns="" xmlns:a14="http://schemas.microsoft.com/office/drawing/2010/main" w="9525">
                   <a:solidFill>
                     <a:srgbClr val="000000"/>
                   </a:solidFill>
@@ -20194,7 +20194,7 @@
             <p:cNvPr id="204" name="Oval 53">
               <a:extLst>
                 <a:ext uri="{FF2B5EF4-FFF2-40B4-BE49-F238E27FC236}">
-                  <a16:creationId xmlns:a16="http://schemas.microsoft.com/office/drawing/2014/main" xmlns="" id="{DFD0819C-8EAF-4CD7-834D-28C382F1B648}"/>
+                  <a16:creationId xmlns="" xmlns:a16="http://schemas.microsoft.com/office/drawing/2014/main" id="{DFD0819C-8EAF-4CD7-834D-28C382F1B648}"/>
                 </a:ext>
               </a:extLst>
             </p:cNvPr>
@@ -20219,7 +20219,7 @@
             </a:ln>
             <a:extLst>
               <a:ext uri="{91240B29-F687-4f45-9708-019B960494DF}">
-                <a14:hiddenLine xmlns:a14="http://schemas.microsoft.com/office/drawing/2010/main" xmlns="" w="9525">
+                <a14:hiddenLine xmlns="" xmlns:a14="http://schemas.microsoft.com/office/drawing/2010/main" w="9525">
                   <a:solidFill>
                     <a:srgbClr val="000000"/>
                   </a:solidFill>
@@ -20247,7 +20247,7 @@
             <p:cNvPr id="205" name="Freeform 59">
               <a:extLst>
                 <a:ext uri="{FF2B5EF4-FFF2-40B4-BE49-F238E27FC236}">
-                  <a16:creationId xmlns:a16="http://schemas.microsoft.com/office/drawing/2014/main" xmlns="" id="{1677F1E8-46E9-49C0-B3B8-69228949904F}"/>
+                  <a16:creationId xmlns="" xmlns:a16="http://schemas.microsoft.com/office/drawing/2014/main" id="{1677F1E8-46E9-49C0-B3B8-69228949904F}"/>
                 </a:ext>
               </a:extLst>
             </p:cNvPr>
@@ -20315,7 +20315,7 @@
             </a:ln>
             <a:extLst>
               <a:ext uri="{91240B29-F687-4f45-9708-019B960494DF}">
-                <a14:hiddenLine xmlns:a14="http://schemas.microsoft.com/office/drawing/2010/main" xmlns="" w="9525">
+                <a14:hiddenLine xmlns="" xmlns:a14="http://schemas.microsoft.com/office/drawing/2010/main" w="9525">
                   <a:solidFill>
                     <a:srgbClr val="000000"/>
                   </a:solidFill>
@@ -21201,7 +21201,7 @@
             </a:ln>
             <a:extLst>
               <a:ext uri="{91240B29-F687-4f45-9708-019B960494DF}">
-                <a14:hiddenLine xmlns:a14="http://schemas.microsoft.com/office/drawing/2010/main" xmlns="" w="9525">
+                <a14:hiddenLine xmlns="" xmlns:a14="http://schemas.microsoft.com/office/drawing/2010/main" w="9525">
                   <a:solidFill>
                     <a:srgbClr val="000000"/>
                   </a:solidFill>
@@ -21250,7 +21250,7 @@
             </a:ln>
             <a:extLst>
               <a:ext uri="{91240B29-F687-4f45-9708-019B960494DF}">
-                <a14:hiddenLine xmlns:a14="http://schemas.microsoft.com/office/drawing/2010/main" xmlns="" w="9525">
+                <a14:hiddenLine xmlns="" xmlns:a14="http://schemas.microsoft.com/office/drawing/2010/main" w="9525">
                   <a:solidFill>
                     <a:srgbClr val="000000"/>
                   </a:solidFill>
@@ -21407,7 +21407,7 @@
             </a:ln>
             <a:extLst>
               <a:ext uri="{91240B29-F687-4f45-9708-019B960494DF}">
-                <a14:hiddenLine xmlns:a14="http://schemas.microsoft.com/office/drawing/2010/main" xmlns="" w="9525">
+                <a14:hiddenLine xmlns="" xmlns:a14="http://schemas.microsoft.com/office/drawing/2010/main" w="9525">
                   <a:solidFill>
                     <a:srgbClr val="000000"/>
                   </a:solidFill>
@@ -21531,7 +21531,7 @@
             </a:ln>
             <a:extLst>
               <a:ext uri="{91240B29-F687-4f45-9708-019B960494DF}">
-                <a14:hiddenLine xmlns:a14="http://schemas.microsoft.com/office/drawing/2010/main" xmlns="" w="9525">
+                <a14:hiddenLine xmlns="" xmlns:a14="http://schemas.microsoft.com/office/drawing/2010/main" w="9525">
                   <a:solidFill>
                     <a:srgbClr val="000000"/>
                   </a:solidFill>
@@ -21695,7 +21695,7 @@
             </a:ln>
             <a:extLst>
               <a:ext uri="{91240B29-F687-4f45-9708-019B960494DF}">
-                <a14:hiddenLine xmlns:a14="http://schemas.microsoft.com/office/drawing/2010/main" xmlns="" w="9525">
+                <a14:hiddenLine xmlns="" xmlns:a14="http://schemas.microsoft.com/office/drawing/2010/main" w="9525">
                   <a:solidFill>
                     <a:srgbClr val="000000"/>
                   </a:solidFill>
@@ -21852,7 +21852,7 @@
             </a:ln>
             <a:extLst>
               <a:ext uri="{91240B29-F687-4f45-9708-019B960494DF}">
-                <a14:hiddenLine xmlns:a14="http://schemas.microsoft.com/office/drawing/2010/main" xmlns="" w="9525">
+                <a14:hiddenLine xmlns="" xmlns:a14="http://schemas.microsoft.com/office/drawing/2010/main" w="9525">
                   <a:solidFill>
                     <a:srgbClr val="000000"/>
                   </a:solidFill>
@@ -22009,7 +22009,7 @@
             </a:ln>
             <a:extLst>
               <a:ext uri="{91240B29-F687-4f45-9708-019B960494DF}">
-                <a14:hiddenLine xmlns:a14="http://schemas.microsoft.com/office/drawing/2010/main" xmlns="" w="9525">
+                <a14:hiddenLine xmlns="" xmlns:a14="http://schemas.microsoft.com/office/drawing/2010/main" w="9525">
                   <a:solidFill>
                     <a:srgbClr val="000000"/>
                   </a:solidFill>
@@ -22058,7 +22058,7 @@
             </a:ln>
             <a:extLst>
               <a:ext uri="{91240B29-F687-4f45-9708-019B960494DF}">
-                <a14:hiddenLine xmlns:a14="http://schemas.microsoft.com/office/drawing/2010/main" xmlns="" w="9525">
+                <a14:hiddenLine xmlns="" xmlns:a14="http://schemas.microsoft.com/office/drawing/2010/main" w="9525">
                   <a:solidFill>
                     <a:srgbClr val="000000"/>
                   </a:solidFill>
@@ -22107,7 +22107,7 @@
             </a:ln>
             <a:extLst>
               <a:ext uri="{91240B29-F687-4f45-9708-019B960494DF}">
-                <a14:hiddenLine xmlns:a14="http://schemas.microsoft.com/office/drawing/2010/main" xmlns="" w="9525">
+                <a14:hiddenLine xmlns="" xmlns:a14="http://schemas.microsoft.com/office/drawing/2010/main" w="9525">
                   <a:solidFill>
                     <a:srgbClr val="000000"/>
                   </a:solidFill>
@@ -22156,7 +22156,7 @@
             </a:ln>
             <a:extLst>
               <a:ext uri="{91240B29-F687-4f45-9708-019B960494DF}">
-                <a14:hiddenLine xmlns:a14="http://schemas.microsoft.com/office/drawing/2010/main" xmlns="" w="9525">
+                <a14:hiddenLine xmlns="" xmlns:a14="http://schemas.microsoft.com/office/drawing/2010/main" w="9525">
                   <a:solidFill>
                     <a:srgbClr val="000000"/>
                   </a:solidFill>
@@ -22313,7 +22313,7 @@
             </a:ln>
             <a:extLst>
               <a:ext uri="{91240B29-F687-4f45-9708-019B960494DF}">
-                <a14:hiddenLine xmlns:a14="http://schemas.microsoft.com/office/drawing/2010/main" xmlns="" w="9525">
+                <a14:hiddenLine xmlns="" xmlns:a14="http://schemas.microsoft.com/office/drawing/2010/main" w="9525">
                   <a:solidFill>
                     <a:srgbClr val="000000"/>
                   </a:solidFill>
@@ -22437,7 +22437,7 @@
             </a:ln>
             <a:extLst>
               <a:ext uri="{91240B29-F687-4f45-9708-019B960494DF}">
-                <a14:hiddenLine xmlns:a14="http://schemas.microsoft.com/office/drawing/2010/main" xmlns="" w="9525">
+                <a14:hiddenLine xmlns="" xmlns:a14="http://schemas.microsoft.com/office/drawing/2010/main" w="9525">
                   <a:solidFill>
                     <a:srgbClr val="000000"/>
                   </a:solidFill>
@@ -22601,7 +22601,7 @@
             </a:ln>
             <a:extLst>
               <a:ext uri="{91240B29-F687-4f45-9708-019B960494DF}">
-                <a14:hiddenLine xmlns:a14="http://schemas.microsoft.com/office/drawing/2010/main" xmlns="" w="9525">
+                <a14:hiddenLine xmlns="" xmlns:a14="http://schemas.microsoft.com/office/drawing/2010/main" w="9525">
                   <a:solidFill>
                     <a:srgbClr val="000000"/>
                   </a:solidFill>
@@ -22693,7 +22693,7 @@
             </a:ln>
             <a:extLst>
               <a:ext uri="{91240B29-F687-4f45-9708-019B960494DF}">
-                <a14:hiddenLine xmlns:a14="http://schemas.microsoft.com/office/drawing/2010/main" xmlns="" w="9525">
+                <a14:hiddenLine xmlns="" xmlns:a14="http://schemas.microsoft.com/office/drawing/2010/main" w="9525">
                   <a:solidFill>
                     <a:srgbClr val="000000"/>
                   </a:solidFill>
@@ -22850,7 +22850,7 @@
             </a:ln>
             <a:extLst>
               <a:ext uri="{91240B29-F687-4f45-9708-019B960494DF}">
-                <a14:hiddenLine xmlns:a14="http://schemas.microsoft.com/office/drawing/2010/main" xmlns="" w="9525">
+                <a14:hiddenLine xmlns="" xmlns:a14="http://schemas.microsoft.com/office/drawing/2010/main" w="9525">
                   <a:solidFill>
                     <a:srgbClr val="000000"/>
                   </a:solidFill>
@@ -23007,7 +23007,7 @@
             </a:ln>
             <a:extLst>
               <a:ext uri="{91240B29-F687-4f45-9708-019B960494DF}">
-                <a14:hiddenLine xmlns:a14="http://schemas.microsoft.com/office/drawing/2010/main" xmlns="" w="9525">
+                <a14:hiddenLine xmlns="" xmlns:a14="http://schemas.microsoft.com/office/drawing/2010/main" w="9525">
                   <a:solidFill>
                     <a:srgbClr val="000000"/>
                   </a:solidFill>
@@ -23056,7 +23056,7 @@
             </a:ln>
             <a:extLst>
               <a:ext uri="{91240B29-F687-4f45-9708-019B960494DF}">
-                <a14:hiddenLine xmlns:a14="http://schemas.microsoft.com/office/drawing/2010/main" xmlns="" w="9525">
+                <a14:hiddenLine xmlns="" xmlns:a14="http://schemas.microsoft.com/office/drawing/2010/main" w="9525">
                   <a:solidFill>
                     <a:srgbClr val="000000"/>
                   </a:solidFill>
@@ -23105,7 +23105,7 @@
             </a:ln>
             <a:extLst>
               <a:ext uri="{91240B29-F687-4f45-9708-019B960494DF}">
-                <a14:hiddenLine xmlns:a14="http://schemas.microsoft.com/office/drawing/2010/main" xmlns="" w="9525">
+                <a14:hiddenLine xmlns="" xmlns:a14="http://schemas.microsoft.com/office/drawing/2010/main" w="9525">
                   <a:solidFill>
                     <a:srgbClr val="000000"/>
                   </a:solidFill>
@@ -23154,7 +23154,7 @@
             </a:ln>
             <a:extLst>
               <a:ext uri="{91240B29-F687-4f45-9708-019B960494DF}">
-                <a14:hiddenLine xmlns:a14="http://schemas.microsoft.com/office/drawing/2010/main" xmlns="" w="9525">
+                <a14:hiddenLine xmlns="" xmlns:a14="http://schemas.microsoft.com/office/drawing/2010/main" w="9525">
                   <a:solidFill>
                     <a:srgbClr val="000000"/>
                   </a:solidFill>
@@ -23311,7 +23311,7 @@
             </a:ln>
             <a:extLst>
               <a:ext uri="{91240B29-F687-4f45-9708-019B960494DF}">
-                <a14:hiddenLine xmlns:a14="http://schemas.microsoft.com/office/drawing/2010/main" xmlns="" w="9525">
+                <a14:hiddenLine xmlns="" xmlns:a14="http://schemas.microsoft.com/office/drawing/2010/main" w="9525">
                   <a:solidFill>
                     <a:srgbClr val="000000"/>
                   </a:solidFill>
@@ -23435,7 +23435,7 @@
             </a:ln>
             <a:extLst>
               <a:ext uri="{91240B29-F687-4f45-9708-019B960494DF}">
-                <a14:hiddenLine xmlns:a14="http://schemas.microsoft.com/office/drawing/2010/main" xmlns="" w="9525">
+                <a14:hiddenLine xmlns="" xmlns:a14="http://schemas.microsoft.com/office/drawing/2010/main" w="9525">
                   <a:solidFill>
                     <a:srgbClr val="000000"/>
                   </a:solidFill>
@@ -23599,7 +23599,7 @@
             </a:ln>
             <a:extLst>
               <a:ext uri="{91240B29-F687-4f45-9708-019B960494DF}">
-                <a14:hiddenLine xmlns:a14="http://schemas.microsoft.com/office/drawing/2010/main" xmlns="" w="9525">
+                <a14:hiddenLine xmlns="" xmlns:a14="http://schemas.microsoft.com/office/drawing/2010/main" w="9525">
                   <a:solidFill>
                     <a:srgbClr val="000000"/>
                   </a:solidFill>
@@ -23691,7 +23691,7 @@
             </a:ln>
             <a:extLst>
               <a:ext uri="{91240B29-F687-4f45-9708-019B960494DF}">
-                <a14:hiddenLine xmlns:a14="http://schemas.microsoft.com/office/drawing/2010/main" xmlns="" w="9525">
+                <a14:hiddenLine xmlns="" xmlns:a14="http://schemas.microsoft.com/office/drawing/2010/main" w="9525">
                   <a:solidFill>
                     <a:srgbClr val="000000"/>
                   </a:solidFill>
@@ -23848,7 +23848,7 @@
             </a:ln>
             <a:extLst>
               <a:ext uri="{91240B29-F687-4f45-9708-019B960494DF}">
-                <a14:hiddenLine xmlns:a14="http://schemas.microsoft.com/office/drawing/2010/main" xmlns="" w="9525">
+                <a14:hiddenLine xmlns="" xmlns:a14="http://schemas.microsoft.com/office/drawing/2010/main" w="9525">
                   <a:solidFill>
                     <a:srgbClr val="000000"/>
                   </a:solidFill>
@@ -24005,7 +24005,7 @@
             </a:ln>
             <a:extLst>
               <a:ext uri="{91240B29-F687-4f45-9708-019B960494DF}">
-                <a14:hiddenLine xmlns:a14="http://schemas.microsoft.com/office/drawing/2010/main" xmlns="" w="9525">
+                <a14:hiddenLine xmlns="" xmlns:a14="http://schemas.microsoft.com/office/drawing/2010/main" w="9525">
                   <a:solidFill>
                     <a:srgbClr val="000000"/>
                   </a:solidFill>
@@ -24054,7 +24054,7 @@
             </a:ln>
             <a:extLst>
               <a:ext uri="{91240B29-F687-4f45-9708-019B960494DF}">
-                <a14:hiddenLine xmlns:a14="http://schemas.microsoft.com/office/drawing/2010/main" xmlns="" w="9525">
+                <a14:hiddenLine xmlns="" xmlns:a14="http://schemas.microsoft.com/office/drawing/2010/main" w="9525">
                   <a:solidFill>
                     <a:srgbClr val="000000"/>
                   </a:solidFill>
@@ -24103,7 +24103,7 @@
             </a:ln>
             <a:extLst>
               <a:ext uri="{91240B29-F687-4f45-9708-019B960494DF}">
-                <a14:hiddenLine xmlns:a14="http://schemas.microsoft.com/office/drawing/2010/main" xmlns="" w="9525">
+                <a14:hiddenLine xmlns="" xmlns:a14="http://schemas.microsoft.com/office/drawing/2010/main" w="9525">
                   <a:solidFill>
                     <a:srgbClr val="000000"/>
                   </a:solidFill>
@@ -24152,7 +24152,7 @@
             </a:ln>
             <a:extLst>
               <a:ext uri="{91240B29-F687-4f45-9708-019B960494DF}">
-                <a14:hiddenLine xmlns:a14="http://schemas.microsoft.com/office/drawing/2010/main" xmlns="" w="9525">
+                <a14:hiddenLine xmlns="" xmlns:a14="http://schemas.microsoft.com/office/drawing/2010/main" w="9525">
                   <a:solidFill>
                     <a:srgbClr val="000000"/>
                   </a:solidFill>
@@ -24309,7 +24309,7 @@
             </a:ln>
             <a:extLst>
               <a:ext uri="{91240B29-F687-4f45-9708-019B960494DF}">
-                <a14:hiddenLine xmlns:a14="http://schemas.microsoft.com/office/drawing/2010/main" xmlns="" w="9525">
+                <a14:hiddenLine xmlns="" xmlns:a14="http://schemas.microsoft.com/office/drawing/2010/main" w="9525">
                   <a:solidFill>
                     <a:srgbClr val="000000"/>
                   </a:solidFill>
@@ -24433,7 +24433,7 @@
             </a:ln>
             <a:extLst>
               <a:ext uri="{91240B29-F687-4f45-9708-019B960494DF}">
-                <a14:hiddenLine xmlns:a14="http://schemas.microsoft.com/office/drawing/2010/main" xmlns="" w="9525">
+                <a14:hiddenLine xmlns="" xmlns:a14="http://schemas.microsoft.com/office/drawing/2010/main" w="9525">
                   <a:solidFill>
                     <a:srgbClr val="000000"/>
                   </a:solidFill>
@@ -24597,7 +24597,7 @@
             </a:ln>
             <a:extLst>
               <a:ext uri="{91240B29-F687-4f45-9708-019B960494DF}">
-                <a14:hiddenLine xmlns:a14="http://schemas.microsoft.com/office/drawing/2010/main" xmlns="" w="9525">
+                <a14:hiddenLine xmlns="" xmlns:a14="http://schemas.microsoft.com/office/drawing/2010/main" w="9525">
                   <a:solidFill>
                     <a:srgbClr val="000000"/>
                   </a:solidFill>
@@ -24689,7 +24689,7 @@
             </a:ln>
             <a:extLst>
               <a:ext uri="{91240B29-F687-4f45-9708-019B960494DF}">
-                <a14:hiddenLine xmlns:a14="http://schemas.microsoft.com/office/drawing/2010/main" xmlns="" w="9525">
+                <a14:hiddenLine xmlns="" xmlns:a14="http://schemas.microsoft.com/office/drawing/2010/main" w="9525">
                   <a:solidFill>
                     <a:srgbClr val="000000"/>
                   </a:solidFill>
@@ -24846,7 +24846,7 @@
             </a:ln>
             <a:extLst>
               <a:ext uri="{91240B29-F687-4f45-9708-019B960494DF}">
-                <a14:hiddenLine xmlns:a14="http://schemas.microsoft.com/office/drawing/2010/main" xmlns="" w="9525">
+                <a14:hiddenLine xmlns="" xmlns:a14="http://schemas.microsoft.com/office/drawing/2010/main" w="9525">
                   <a:solidFill>
                     <a:srgbClr val="000000"/>
                   </a:solidFill>
@@ -25003,7 +25003,7 @@
             </a:ln>
             <a:extLst>
               <a:ext uri="{91240B29-F687-4f45-9708-019B960494DF}">
-                <a14:hiddenLine xmlns:a14="http://schemas.microsoft.com/office/drawing/2010/main" xmlns="" w="9525">
+                <a14:hiddenLine xmlns="" xmlns:a14="http://schemas.microsoft.com/office/drawing/2010/main" w="9525">
                   <a:solidFill>
                     <a:srgbClr val="000000"/>
                   </a:solidFill>
@@ -25052,7 +25052,7 @@
             </a:ln>
             <a:extLst>
               <a:ext uri="{91240B29-F687-4f45-9708-019B960494DF}">
-                <a14:hiddenLine xmlns:a14="http://schemas.microsoft.com/office/drawing/2010/main" xmlns="" w="9525">
+                <a14:hiddenLine xmlns="" xmlns:a14="http://schemas.microsoft.com/office/drawing/2010/main" w="9525">
                   <a:solidFill>
                     <a:srgbClr val="000000"/>
                   </a:solidFill>
@@ -25101,7 +25101,7 @@
             </a:ln>
             <a:extLst>
               <a:ext uri="{91240B29-F687-4f45-9708-019B960494DF}">
-                <a14:hiddenLine xmlns:a14="http://schemas.microsoft.com/office/drawing/2010/main" xmlns="" w="9525">
+                <a14:hiddenLine xmlns="" xmlns:a14="http://schemas.microsoft.com/office/drawing/2010/main" w="9525">
                   <a:solidFill>
                     <a:srgbClr val="000000"/>
                   </a:solidFill>
@@ -25150,7 +25150,7 @@
             </a:ln>
             <a:extLst>
               <a:ext uri="{91240B29-F687-4f45-9708-019B960494DF}">
-                <a14:hiddenLine xmlns:a14="http://schemas.microsoft.com/office/drawing/2010/main" xmlns="" w="9525">
+                <a14:hiddenLine xmlns="" xmlns:a14="http://schemas.microsoft.com/office/drawing/2010/main" w="9525">
                   <a:solidFill>
                     <a:srgbClr val="000000"/>
                   </a:solidFill>
@@ -25307,7 +25307,7 @@
             </a:ln>
             <a:extLst>
               <a:ext uri="{91240B29-F687-4f45-9708-019B960494DF}">
-                <a14:hiddenLine xmlns:a14="http://schemas.microsoft.com/office/drawing/2010/main" xmlns="" w="9525">
+                <a14:hiddenLine xmlns="" xmlns:a14="http://schemas.microsoft.com/office/drawing/2010/main" w="9525">
                   <a:solidFill>
                     <a:srgbClr val="000000"/>
                   </a:solidFill>
@@ -25431,7 +25431,7 @@
             </a:ln>
             <a:extLst>
               <a:ext uri="{91240B29-F687-4f45-9708-019B960494DF}">
-                <a14:hiddenLine xmlns:a14="http://schemas.microsoft.com/office/drawing/2010/main" xmlns="" w="9525">
+                <a14:hiddenLine xmlns="" xmlns:a14="http://schemas.microsoft.com/office/drawing/2010/main" w="9525">
                   <a:solidFill>
                     <a:srgbClr val="000000"/>
                   </a:solidFill>
@@ -25595,7 +25595,7 @@
             </a:ln>
             <a:extLst>
               <a:ext uri="{91240B29-F687-4f45-9708-019B960494DF}">
-                <a14:hiddenLine xmlns:a14="http://schemas.microsoft.com/office/drawing/2010/main" xmlns="" w="9525">
+                <a14:hiddenLine xmlns="" xmlns:a14="http://schemas.microsoft.com/office/drawing/2010/main" w="9525">
                   <a:solidFill>
                     <a:srgbClr val="000000"/>
                   </a:solidFill>
@@ -25687,7 +25687,7 @@
             </a:ln>
             <a:extLst>
               <a:ext uri="{91240B29-F687-4f45-9708-019B960494DF}">
-                <a14:hiddenLine xmlns:a14="http://schemas.microsoft.com/office/drawing/2010/main" xmlns="" w="9525">
+                <a14:hiddenLine xmlns="" xmlns:a14="http://schemas.microsoft.com/office/drawing/2010/main" w="9525">
                   <a:solidFill>
                     <a:srgbClr val="000000"/>
                   </a:solidFill>
@@ -25844,7 +25844,7 @@
             </a:ln>
             <a:extLst>
               <a:ext uri="{91240B29-F687-4f45-9708-019B960494DF}">
-                <a14:hiddenLine xmlns:a14="http://schemas.microsoft.com/office/drawing/2010/main" xmlns="" w="9525">
+                <a14:hiddenLine xmlns="" xmlns:a14="http://schemas.microsoft.com/office/drawing/2010/main" w="9525">
                   <a:solidFill>
                     <a:srgbClr val="000000"/>
                   </a:solidFill>
@@ -26001,7 +26001,7 @@
             </a:ln>
             <a:extLst>
               <a:ext uri="{91240B29-F687-4f45-9708-019B960494DF}">
-                <a14:hiddenLine xmlns:a14="http://schemas.microsoft.com/office/drawing/2010/main" xmlns="" w="9525">
+                <a14:hiddenLine xmlns="" xmlns:a14="http://schemas.microsoft.com/office/drawing/2010/main" w="9525">
                   <a:solidFill>
                     <a:srgbClr val="000000"/>
                   </a:solidFill>
@@ -26050,7 +26050,7 @@
             </a:ln>
             <a:extLst>
               <a:ext uri="{91240B29-F687-4f45-9708-019B960494DF}">
-                <a14:hiddenLine xmlns:a14="http://schemas.microsoft.com/office/drawing/2010/main" xmlns="" w="9525">
+                <a14:hiddenLine xmlns="" xmlns:a14="http://schemas.microsoft.com/office/drawing/2010/main" w="9525">
                   <a:solidFill>
                     <a:srgbClr val="000000"/>
                   </a:solidFill>
@@ -26099,7 +26099,7 @@
             </a:ln>
             <a:extLst>
               <a:ext uri="{91240B29-F687-4f45-9708-019B960494DF}">
-                <a14:hiddenLine xmlns:a14="http://schemas.microsoft.com/office/drawing/2010/main" xmlns="" w="9525">
+                <a14:hiddenLine xmlns="" xmlns:a14="http://schemas.microsoft.com/office/drawing/2010/main" w="9525">
                   <a:solidFill>
                     <a:srgbClr val="000000"/>
                   </a:solidFill>
@@ -26148,7 +26148,7 @@
             </a:ln>
             <a:extLst>
               <a:ext uri="{91240B29-F687-4f45-9708-019B960494DF}">
-                <a14:hiddenLine xmlns:a14="http://schemas.microsoft.com/office/drawing/2010/main" xmlns="" w="9525">
+                <a14:hiddenLine xmlns="" xmlns:a14="http://schemas.microsoft.com/office/drawing/2010/main" w="9525">
                   <a:solidFill>
                     <a:srgbClr val="000000"/>
                   </a:solidFill>
@@ -26305,7 +26305,7 @@
             </a:ln>
             <a:extLst>
               <a:ext uri="{91240B29-F687-4f45-9708-019B960494DF}">
-                <a14:hiddenLine xmlns:a14="http://schemas.microsoft.com/office/drawing/2010/main" xmlns="" w="9525">
+                <a14:hiddenLine xmlns="" xmlns:a14="http://schemas.microsoft.com/office/drawing/2010/main" w="9525">
                   <a:solidFill>
                     <a:srgbClr val="000000"/>
                   </a:solidFill>
@@ -26429,7 +26429,7 @@
             </a:ln>
             <a:extLst>
               <a:ext uri="{91240B29-F687-4f45-9708-019B960494DF}">
-                <a14:hiddenLine xmlns:a14="http://schemas.microsoft.com/office/drawing/2010/main" xmlns="" w="9525">
+                <a14:hiddenLine xmlns="" xmlns:a14="http://schemas.microsoft.com/office/drawing/2010/main" w="9525">
                   <a:solidFill>
                     <a:srgbClr val="000000"/>
                   </a:solidFill>
@@ -26593,7 +26593,7 @@
             </a:ln>
             <a:extLst>
               <a:ext uri="{91240B29-F687-4f45-9708-019B960494DF}">
-                <a14:hiddenLine xmlns:a14="http://schemas.microsoft.com/office/drawing/2010/main" xmlns="" w="9525">
+                <a14:hiddenLine xmlns="" xmlns:a14="http://schemas.microsoft.com/office/drawing/2010/main" w="9525">
                   <a:solidFill>
                     <a:srgbClr val="000000"/>
                   </a:solidFill>
@@ -26685,7 +26685,7 @@
             </a:ln>
             <a:extLst>
               <a:ext uri="{91240B29-F687-4f45-9708-019B960494DF}">
-                <a14:hiddenLine xmlns:a14="http://schemas.microsoft.com/office/drawing/2010/main" xmlns="" w="9525">
+                <a14:hiddenLine xmlns="" xmlns:a14="http://schemas.microsoft.com/office/drawing/2010/main" w="9525">
                   <a:solidFill>
                     <a:srgbClr val="000000"/>
                   </a:solidFill>
@@ -26842,7 +26842,7 @@
             </a:ln>
             <a:extLst>
               <a:ext uri="{91240B29-F687-4f45-9708-019B960494DF}">
-                <a14:hiddenLine xmlns:a14="http://schemas.microsoft.com/office/drawing/2010/main" xmlns="" w="9525">
+                <a14:hiddenLine xmlns="" xmlns:a14="http://schemas.microsoft.com/office/drawing/2010/main" w="9525">
                   <a:solidFill>
                     <a:srgbClr val="000000"/>
                   </a:solidFill>
@@ -26999,7 +26999,7 @@
             </a:ln>
             <a:extLst>
               <a:ext uri="{91240B29-F687-4f45-9708-019B960494DF}">
-                <a14:hiddenLine xmlns:a14="http://schemas.microsoft.com/office/drawing/2010/main" xmlns="" w="9525">
+                <a14:hiddenLine xmlns="" xmlns:a14="http://schemas.microsoft.com/office/drawing/2010/main" w="9525">
                   <a:solidFill>
                     <a:srgbClr val="000000"/>
                   </a:solidFill>
@@ -27048,7 +27048,7 @@
             </a:ln>
             <a:extLst>
               <a:ext uri="{91240B29-F687-4f45-9708-019B960494DF}">
-                <a14:hiddenLine xmlns:a14="http://schemas.microsoft.com/office/drawing/2010/main" xmlns="" w="9525">
+                <a14:hiddenLine xmlns="" xmlns:a14="http://schemas.microsoft.com/office/drawing/2010/main" w="9525">
                   <a:solidFill>
                     <a:srgbClr val="000000"/>
                   </a:solidFill>
@@ -27081,7 +27081,7 @@
           <p:cNvPr id="117" name="Espace réservé du pied de page 2">
             <a:extLst>
               <a:ext uri="{FF2B5EF4-FFF2-40B4-BE49-F238E27FC236}">
-                <a16:creationId xmlns:a16="http://schemas.microsoft.com/office/drawing/2014/main" xmlns="" id="{C19FB9A1-F92D-4F1C-A2DF-7EB1762C9976}"/>
+                <a16:creationId xmlns="" xmlns:a16="http://schemas.microsoft.com/office/drawing/2014/main" id="{C19FB9A1-F92D-4F1C-A2DF-7EB1762C9976}"/>
               </a:ext>
             </a:extLst>
           </p:cNvPr>
@@ -32466,7 +32466,7 @@
           <p:cNvPr id="14" name="Rectangle 13">
             <a:extLst>
               <a:ext uri="{FF2B5EF4-FFF2-40B4-BE49-F238E27FC236}">
-                <a16:creationId xmlns:a16="http://schemas.microsoft.com/office/drawing/2014/main" xmlns="" id="{C666C74C-1959-421E-9EC2-03B9A9385592}"/>
+                <a16:creationId xmlns="" xmlns:a16="http://schemas.microsoft.com/office/drawing/2014/main" id="{C666C74C-1959-421E-9EC2-03B9A9385592}"/>
               </a:ext>
             </a:extLst>
           </p:cNvPr>
@@ -32847,7 +32847,7 @@
           <p:cNvPr id="13" name="Rectangle 12">
             <a:extLst>
               <a:ext uri="{FF2B5EF4-FFF2-40B4-BE49-F238E27FC236}">
-                <a16:creationId xmlns:a16="http://schemas.microsoft.com/office/drawing/2014/main" xmlns="" id="{83C11809-576F-495E-A1F8-CA74A8AD904F}"/>
+                <a16:creationId xmlns="" xmlns:a16="http://schemas.microsoft.com/office/drawing/2014/main" id="{83C11809-576F-495E-A1F8-CA74A8AD904F}"/>
               </a:ext>
             </a:extLst>
           </p:cNvPr>
@@ -33300,7 +33300,7 @@
           <p:cNvPr id="14" name="Rectangle 13">
             <a:extLst>
               <a:ext uri="{FF2B5EF4-FFF2-40B4-BE49-F238E27FC236}">
-                <a16:creationId xmlns:a16="http://schemas.microsoft.com/office/drawing/2014/main" xmlns="" id="{9049269D-0BC6-4621-AFE9-2A9069445B0B}"/>
+                <a16:creationId xmlns="" xmlns:a16="http://schemas.microsoft.com/office/drawing/2014/main" id="{9049269D-0BC6-4621-AFE9-2A9069445B0B}"/>
               </a:ext>
             </a:extLst>
           </p:cNvPr>
@@ -33757,7 +33757,7 @@
           <p:cNvPr id="14" name="Rectangle 13">
             <a:extLst>
               <a:ext uri="{FF2B5EF4-FFF2-40B4-BE49-F238E27FC236}">
-                <a16:creationId xmlns:a16="http://schemas.microsoft.com/office/drawing/2014/main" xmlns="" id="{35ECD615-867E-4413-A19D-753A5010D783}"/>
+                <a16:creationId xmlns="" xmlns:a16="http://schemas.microsoft.com/office/drawing/2014/main" id="{35ECD615-867E-4413-A19D-753A5010D783}"/>
               </a:ext>
             </a:extLst>
           </p:cNvPr>
@@ -34473,7 +34473,7 @@
           <p:cNvPr id="59" name="Rectangle 58">
             <a:extLst>
               <a:ext uri="{FF2B5EF4-FFF2-40B4-BE49-F238E27FC236}">
-                <a16:creationId xmlns:a16="http://schemas.microsoft.com/office/drawing/2014/main" xmlns="" id="{37470E30-C0EC-4407-B4C6-74FDA1F0C895}"/>
+                <a16:creationId xmlns="" xmlns:a16="http://schemas.microsoft.com/office/drawing/2014/main" id="{37470E30-C0EC-4407-B4C6-74FDA1F0C895}"/>
               </a:ext>
             </a:extLst>
           </p:cNvPr>
@@ -34539,7 +34539,7 @@
           <p:cNvPr id="2" name="Groupe 1">
             <a:extLst>
               <a:ext uri="{FF2B5EF4-FFF2-40B4-BE49-F238E27FC236}">
-                <a16:creationId xmlns:a16="http://schemas.microsoft.com/office/drawing/2014/main" xmlns="" id="{126A7876-4E81-4D7A-B41A-5DF535A57B52}"/>
+                <a16:creationId xmlns="" xmlns:a16="http://schemas.microsoft.com/office/drawing/2014/main" id="{126A7876-4E81-4D7A-B41A-5DF535A57B52}"/>
               </a:ext>
             </a:extLst>
           </p:cNvPr>
@@ -34559,7 +34559,7 @@
             <p:cNvPr id="61" name="Freeform 16">
               <a:extLst>
                 <a:ext uri="{FF2B5EF4-FFF2-40B4-BE49-F238E27FC236}">
-                  <a16:creationId xmlns:a16="http://schemas.microsoft.com/office/drawing/2014/main" xmlns="" id="{3F72F062-7EC2-4F07-A5EC-F50B5CDC4BAF}"/>
+                  <a16:creationId xmlns="" xmlns:a16="http://schemas.microsoft.com/office/drawing/2014/main" id="{3F72F062-7EC2-4F07-A5EC-F50B5CDC4BAF}"/>
                 </a:ext>
               </a:extLst>
             </p:cNvPr>
@@ -34692,7 +34692,7 @@
             </a:ln>
             <a:extLst>
               <a:ext uri="{91240B29-F687-4f45-9708-019B960494DF}">
-                <a14:hiddenLine xmlns:a14="http://schemas.microsoft.com/office/drawing/2010/main" xmlns="" w="9525">
+                <a14:hiddenLine xmlns="" xmlns:a14="http://schemas.microsoft.com/office/drawing/2010/main" w="9525">
                   <a:solidFill>
                     <a:srgbClr val="000000"/>
                   </a:solidFill>
@@ -34720,7 +34720,7 @@
             <p:cNvPr id="62" name="Freeform 17">
               <a:extLst>
                 <a:ext uri="{FF2B5EF4-FFF2-40B4-BE49-F238E27FC236}">
-                  <a16:creationId xmlns:a16="http://schemas.microsoft.com/office/drawing/2014/main" xmlns="" id="{A70C91F2-0187-4EDF-941B-2158C10E14B7}"/>
+                  <a16:creationId xmlns="" xmlns:a16="http://schemas.microsoft.com/office/drawing/2014/main" id="{A70C91F2-0187-4EDF-941B-2158C10E14B7}"/>
                 </a:ext>
               </a:extLst>
             </p:cNvPr>
@@ -34853,7 +34853,7 @@
             </a:ln>
             <a:extLst>
               <a:ext uri="{91240B29-F687-4f45-9708-019B960494DF}">
-                <a14:hiddenLine xmlns:a14="http://schemas.microsoft.com/office/drawing/2010/main" xmlns="" w="9525">
+                <a14:hiddenLine xmlns="" xmlns:a14="http://schemas.microsoft.com/office/drawing/2010/main" w="9525">
                   <a:solidFill>
                     <a:srgbClr val="000000"/>
                   </a:solidFill>
@@ -34881,7 +34881,7 @@
             <p:cNvPr id="63" name="Oval 18">
               <a:extLst>
                 <a:ext uri="{FF2B5EF4-FFF2-40B4-BE49-F238E27FC236}">
-                  <a16:creationId xmlns:a16="http://schemas.microsoft.com/office/drawing/2014/main" xmlns="" id="{F0B95FE5-1B8D-46A7-AEF5-E8BBAD2E781C}"/>
+                  <a16:creationId xmlns="" xmlns:a16="http://schemas.microsoft.com/office/drawing/2014/main" id="{F0B95FE5-1B8D-46A7-AEF5-E8BBAD2E781C}"/>
                 </a:ext>
               </a:extLst>
             </p:cNvPr>
@@ -34906,7 +34906,7 @@
             </a:ln>
             <a:extLst>
               <a:ext uri="{91240B29-F687-4f45-9708-019B960494DF}">
-                <a14:hiddenLine xmlns:a14="http://schemas.microsoft.com/office/drawing/2010/main" xmlns="" w="9525">
+                <a14:hiddenLine xmlns="" xmlns:a14="http://schemas.microsoft.com/office/drawing/2010/main" w="9525">
                   <a:solidFill>
                     <a:srgbClr val="000000"/>
                   </a:solidFill>
@@ -34934,7 +34934,7 @@
             <p:cNvPr id="64" name="Oval 19">
               <a:extLst>
                 <a:ext uri="{FF2B5EF4-FFF2-40B4-BE49-F238E27FC236}">
-                  <a16:creationId xmlns:a16="http://schemas.microsoft.com/office/drawing/2014/main" xmlns="" id="{EA81D668-CCA3-4FFF-AE35-2EE75C234490}"/>
+                  <a16:creationId xmlns="" xmlns:a16="http://schemas.microsoft.com/office/drawing/2014/main" id="{EA81D668-CCA3-4FFF-AE35-2EE75C234490}"/>
                 </a:ext>
               </a:extLst>
             </p:cNvPr>
@@ -34959,7 +34959,7 @@
             </a:ln>
             <a:extLst>
               <a:ext uri="{91240B29-F687-4f45-9708-019B960494DF}">
-                <a14:hiddenLine xmlns:a14="http://schemas.microsoft.com/office/drawing/2010/main" xmlns="" w="9525">
+                <a14:hiddenLine xmlns="" xmlns:a14="http://schemas.microsoft.com/office/drawing/2010/main" w="9525">
                   <a:solidFill>
                     <a:srgbClr val="000000"/>
                   </a:solidFill>
@@ -34987,7 +34987,7 @@
             <p:cNvPr id="65" name="Oval 20">
               <a:extLst>
                 <a:ext uri="{FF2B5EF4-FFF2-40B4-BE49-F238E27FC236}">
-                  <a16:creationId xmlns:a16="http://schemas.microsoft.com/office/drawing/2014/main" xmlns="" id="{40164D38-0BA7-4F0A-8EE2-D3733D5FBD2D}"/>
+                  <a16:creationId xmlns="" xmlns:a16="http://schemas.microsoft.com/office/drawing/2014/main" id="{40164D38-0BA7-4F0A-8EE2-D3733D5FBD2D}"/>
                 </a:ext>
               </a:extLst>
             </p:cNvPr>
@@ -35012,7 +35012,7 @@
             </a:ln>
             <a:extLst>
               <a:ext uri="{91240B29-F687-4f45-9708-019B960494DF}">
-                <a14:hiddenLine xmlns:a14="http://schemas.microsoft.com/office/drawing/2010/main" xmlns="" w="9525">
+                <a14:hiddenLine xmlns="" xmlns:a14="http://schemas.microsoft.com/office/drawing/2010/main" w="9525">
                   <a:solidFill>
                     <a:srgbClr val="000000"/>
                   </a:solidFill>
@@ -35040,7 +35040,7 @@
             <p:cNvPr id="66" name="Freeform 21">
               <a:extLst>
                 <a:ext uri="{FF2B5EF4-FFF2-40B4-BE49-F238E27FC236}">
-                  <a16:creationId xmlns:a16="http://schemas.microsoft.com/office/drawing/2014/main" xmlns="" id="{D352FF4E-E8E0-43B3-B1AD-4B42D9DDFBA6}"/>
+                  <a16:creationId xmlns="" xmlns:a16="http://schemas.microsoft.com/office/drawing/2014/main" id="{D352FF4E-E8E0-43B3-B1AD-4B42D9DDFBA6}"/>
                 </a:ext>
               </a:extLst>
             </p:cNvPr>
@@ -35173,7 +35173,7 @@
             </a:ln>
             <a:extLst>
               <a:ext uri="{91240B29-F687-4f45-9708-019B960494DF}">
-                <a14:hiddenLine xmlns:a14="http://schemas.microsoft.com/office/drawing/2010/main" xmlns="" w="9525">
+                <a14:hiddenLine xmlns="" xmlns:a14="http://schemas.microsoft.com/office/drawing/2010/main" w="9525">
                   <a:solidFill>
                     <a:srgbClr val="000000"/>
                   </a:solidFill>
@@ -35201,7 +35201,7 @@
             <p:cNvPr id="67" name="Freeform 22">
               <a:extLst>
                 <a:ext uri="{FF2B5EF4-FFF2-40B4-BE49-F238E27FC236}">
-                  <a16:creationId xmlns:a16="http://schemas.microsoft.com/office/drawing/2014/main" xmlns="" id="{7712A119-3177-4521-8BBD-A7721A3F89CE}"/>
+                  <a16:creationId xmlns="" xmlns:a16="http://schemas.microsoft.com/office/drawing/2014/main" id="{7712A119-3177-4521-8BBD-A7721A3F89CE}"/>
                 </a:ext>
               </a:extLst>
             </p:cNvPr>
@@ -35301,7 +35301,7 @@
             </a:ln>
             <a:extLst>
               <a:ext uri="{91240B29-F687-4f45-9708-019B960494DF}">
-                <a14:hiddenLine xmlns:a14="http://schemas.microsoft.com/office/drawing/2010/main" xmlns="" w="9525">
+                <a14:hiddenLine xmlns="" xmlns:a14="http://schemas.microsoft.com/office/drawing/2010/main" w="9525">
                   <a:solidFill>
                     <a:srgbClr val="000000"/>
                   </a:solidFill>
@@ -35329,7 +35329,7 @@
             <p:cNvPr id="68" name="Freeform 23">
               <a:extLst>
                 <a:ext uri="{FF2B5EF4-FFF2-40B4-BE49-F238E27FC236}">
-                  <a16:creationId xmlns:a16="http://schemas.microsoft.com/office/drawing/2014/main" xmlns="" id="{5662B4E5-F167-4DC5-AC28-3C6E19670D51}"/>
+                  <a16:creationId xmlns="" xmlns:a16="http://schemas.microsoft.com/office/drawing/2014/main" id="{5662B4E5-F167-4DC5-AC28-3C6E19670D51}"/>
                 </a:ext>
               </a:extLst>
             </p:cNvPr>
@@ -35469,7 +35469,7 @@
             </a:ln>
             <a:extLst>
               <a:ext uri="{91240B29-F687-4f45-9708-019B960494DF}">
-                <a14:hiddenLine xmlns:a14="http://schemas.microsoft.com/office/drawing/2010/main" xmlns="" w="9525">
+                <a14:hiddenLine xmlns="" xmlns:a14="http://schemas.microsoft.com/office/drawing/2010/main" w="9525">
                   <a:solidFill>
                     <a:srgbClr val="000000"/>
                   </a:solidFill>
@@ -35497,7 +35497,7 @@
             <p:cNvPr id="69" name="Freeform 24">
               <a:extLst>
                 <a:ext uri="{FF2B5EF4-FFF2-40B4-BE49-F238E27FC236}">
-                  <a16:creationId xmlns:a16="http://schemas.microsoft.com/office/drawing/2014/main" xmlns="" id="{A951D53A-4EAD-46DB-BE12-8781EE006519}"/>
+                  <a16:creationId xmlns="" xmlns:a16="http://schemas.microsoft.com/office/drawing/2014/main" id="{A951D53A-4EAD-46DB-BE12-8781EE006519}"/>
                 </a:ext>
               </a:extLst>
             </p:cNvPr>
@@ -35630,7 +35630,7 @@
             </a:ln>
             <a:extLst>
               <a:ext uri="{91240B29-F687-4f45-9708-019B960494DF}">
-                <a14:hiddenLine xmlns:a14="http://schemas.microsoft.com/office/drawing/2010/main" xmlns="" w="9525">
+                <a14:hiddenLine xmlns="" xmlns:a14="http://schemas.microsoft.com/office/drawing/2010/main" w="9525">
                   <a:solidFill>
                     <a:srgbClr val="000000"/>
                   </a:solidFill>
@@ -35658,7 +35658,7 @@
             <p:cNvPr id="70" name="Freeform 25">
               <a:extLst>
                 <a:ext uri="{FF2B5EF4-FFF2-40B4-BE49-F238E27FC236}">
-                  <a16:creationId xmlns:a16="http://schemas.microsoft.com/office/drawing/2014/main" xmlns="" id="{10E327F7-9A64-412B-88F1-9D71F56BF092}"/>
+                  <a16:creationId xmlns="" xmlns:a16="http://schemas.microsoft.com/office/drawing/2014/main" id="{10E327F7-9A64-412B-88F1-9D71F56BF092}"/>
                 </a:ext>
               </a:extLst>
             </p:cNvPr>
@@ -35791,7 +35791,7 @@
             </a:ln>
             <a:extLst>
               <a:ext uri="{91240B29-F687-4f45-9708-019B960494DF}">
-                <a14:hiddenLine xmlns:a14="http://schemas.microsoft.com/office/drawing/2010/main" xmlns="" w="9525">
+                <a14:hiddenLine xmlns="" xmlns:a14="http://schemas.microsoft.com/office/drawing/2010/main" w="9525">
                   <a:solidFill>
                     <a:srgbClr val="000000"/>
                   </a:solidFill>
@@ -35819,7 +35819,7 @@
             <p:cNvPr id="71" name="Oval 26">
               <a:extLst>
                 <a:ext uri="{FF2B5EF4-FFF2-40B4-BE49-F238E27FC236}">
-                  <a16:creationId xmlns:a16="http://schemas.microsoft.com/office/drawing/2014/main" xmlns="" id="{ADE78B1B-CAEE-47D1-B0A5-EE7E05536E35}"/>
+                  <a16:creationId xmlns="" xmlns:a16="http://schemas.microsoft.com/office/drawing/2014/main" id="{ADE78B1B-CAEE-47D1-B0A5-EE7E05536E35}"/>
                 </a:ext>
               </a:extLst>
             </p:cNvPr>
@@ -35844,7 +35844,7 @@
             </a:ln>
             <a:extLst>
               <a:ext uri="{91240B29-F687-4f45-9708-019B960494DF}">
-                <a14:hiddenLine xmlns:a14="http://schemas.microsoft.com/office/drawing/2010/main" xmlns="" w="9525">
+                <a14:hiddenLine xmlns="" xmlns:a14="http://schemas.microsoft.com/office/drawing/2010/main" w="9525">
                   <a:solidFill>
                     <a:srgbClr val="000000"/>
                   </a:solidFill>
@@ -35872,7 +35872,7 @@
             <p:cNvPr id="72" name="Oval 27">
               <a:extLst>
                 <a:ext uri="{FF2B5EF4-FFF2-40B4-BE49-F238E27FC236}">
-                  <a16:creationId xmlns:a16="http://schemas.microsoft.com/office/drawing/2014/main" xmlns="" id="{92308195-6B1D-4D11-9828-84A16FC45FBD}"/>
+                  <a16:creationId xmlns="" xmlns:a16="http://schemas.microsoft.com/office/drawing/2014/main" id="{92308195-6B1D-4D11-9828-84A16FC45FBD}"/>
                 </a:ext>
               </a:extLst>
             </p:cNvPr>
@@ -35897,7 +35897,7 @@
             </a:ln>
             <a:extLst>
               <a:ext uri="{91240B29-F687-4f45-9708-019B960494DF}">
-                <a14:hiddenLine xmlns:a14="http://schemas.microsoft.com/office/drawing/2010/main" xmlns="" w="9525">
+                <a14:hiddenLine xmlns="" xmlns:a14="http://schemas.microsoft.com/office/drawing/2010/main" w="9525">
                   <a:solidFill>
                     <a:srgbClr val="000000"/>
                   </a:solidFill>
@@ -35925,7 +35925,7 @@
             <p:cNvPr id="73" name="Oval 28">
               <a:extLst>
                 <a:ext uri="{FF2B5EF4-FFF2-40B4-BE49-F238E27FC236}">
-                  <a16:creationId xmlns:a16="http://schemas.microsoft.com/office/drawing/2014/main" xmlns="" id="{6ECCC824-54CF-4DD1-9956-C94B349505B2}"/>
+                  <a16:creationId xmlns="" xmlns:a16="http://schemas.microsoft.com/office/drawing/2014/main" id="{6ECCC824-54CF-4DD1-9956-C94B349505B2}"/>
                 </a:ext>
               </a:extLst>
             </p:cNvPr>
@@ -35950,7 +35950,7 @@
             </a:ln>
             <a:extLst>
               <a:ext uri="{91240B29-F687-4f45-9708-019B960494DF}">
-                <a14:hiddenLine xmlns:a14="http://schemas.microsoft.com/office/drawing/2010/main" xmlns="" w="9525">
+                <a14:hiddenLine xmlns="" xmlns:a14="http://schemas.microsoft.com/office/drawing/2010/main" w="9525">
                   <a:solidFill>
                     <a:srgbClr val="000000"/>
                   </a:solidFill>
@@ -35978,7 +35978,7 @@
             <p:cNvPr id="74" name="Freeform 29">
               <a:extLst>
                 <a:ext uri="{FF2B5EF4-FFF2-40B4-BE49-F238E27FC236}">
-                  <a16:creationId xmlns:a16="http://schemas.microsoft.com/office/drawing/2014/main" xmlns="" id="{54021675-5482-41C3-8BC5-1398A84DA1F2}"/>
+                  <a16:creationId xmlns="" xmlns:a16="http://schemas.microsoft.com/office/drawing/2014/main" id="{54021675-5482-41C3-8BC5-1398A84DA1F2}"/>
                 </a:ext>
               </a:extLst>
             </p:cNvPr>
@@ -36111,7 +36111,7 @@
             </a:ln>
             <a:extLst>
               <a:ext uri="{91240B29-F687-4f45-9708-019B960494DF}">
-                <a14:hiddenLine xmlns:a14="http://schemas.microsoft.com/office/drawing/2010/main" xmlns="" w="9525">
+                <a14:hiddenLine xmlns="" xmlns:a14="http://schemas.microsoft.com/office/drawing/2010/main" w="9525">
                   <a:solidFill>
                     <a:srgbClr val="000000"/>
                   </a:solidFill>
@@ -36139,7 +36139,7 @@
             <p:cNvPr id="75" name="Freeform 30">
               <a:extLst>
                 <a:ext uri="{FF2B5EF4-FFF2-40B4-BE49-F238E27FC236}">
-                  <a16:creationId xmlns:a16="http://schemas.microsoft.com/office/drawing/2014/main" xmlns="" id="{97FD7F1D-F129-4151-B234-F006569E242B}"/>
+                  <a16:creationId xmlns="" xmlns:a16="http://schemas.microsoft.com/office/drawing/2014/main" id="{97FD7F1D-F129-4151-B234-F006569E242B}"/>
                 </a:ext>
               </a:extLst>
             </p:cNvPr>
@@ -36239,7 +36239,7 @@
             </a:ln>
             <a:extLst>
               <a:ext uri="{91240B29-F687-4f45-9708-019B960494DF}">
-                <a14:hiddenLine xmlns:a14="http://schemas.microsoft.com/office/drawing/2010/main" xmlns="" w="9525">
+                <a14:hiddenLine xmlns="" xmlns:a14="http://schemas.microsoft.com/office/drawing/2010/main" w="9525">
                   <a:solidFill>
                     <a:srgbClr val="000000"/>
                   </a:solidFill>
@@ -36267,7 +36267,7 @@
             <p:cNvPr id="76" name="Freeform 31">
               <a:extLst>
                 <a:ext uri="{FF2B5EF4-FFF2-40B4-BE49-F238E27FC236}">
-                  <a16:creationId xmlns:a16="http://schemas.microsoft.com/office/drawing/2014/main" xmlns="" id="{328FF9FF-52D3-4D79-B86E-5485B2C6B58E}"/>
+                  <a16:creationId xmlns="" xmlns:a16="http://schemas.microsoft.com/office/drawing/2014/main" id="{328FF9FF-52D3-4D79-B86E-5485B2C6B58E}"/>
                 </a:ext>
               </a:extLst>
             </p:cNvPr>
@@ -36407,7 +36407,7 @@
             </a:ln>
             <a:extLst>
               <a:ext uri="{91240B29-F687-4f45-9708-019B960494DF}">
-                <a14:hiddenLine xmlns:a14="http://schemas.microsoft.com/office/drawing/2010/main" xmlns="" w="9525">
+                <a14:hiddenLine xmlns="" xmlns:a14="http://schemas.microsoft.com/office/drawing/2010/main" w="9525">
                   <a:solidFill>
                     <a:srgbClr val="000000"/>
                   </a:solidFill>
@@ -36435,7 +36435,7 @@
             <p:cNvPr id="77" name="Freeform 32">
               <a:extLst>
                 <a:ext uri="{FF2B5EF4-FFF2-40B4-BE49-F238E27FC236}">
-                  <a16:creationId xmlns:a16="http://schemas.microsoft.com/office/drawing/2014/main" xmlns="" id="{D743529D-B165-4A98-B685-D2185B5E2C62}"/>
+                  <a16:creationId xmlns="" xmlns:a16="http://schemas.microsoft.com/office/drawing/2014/main" id="{D743529D-B165-4A98-B685-D2185B5E2C62}"/>
                 </a:ext>
               </a:extLst>
             </p:cNvPr>
@@ -36503,7 +36503,7 @@
             </a:ln>
             <a:extLst>
               <a:ext uri="{91240B29-F687-4f45-9708-019B960494DF}">
-                <a14:hiddenLine xmlns:a14="http://schemas.microsoft.com/office/drawing/2010/main" xmlns="" w="9525">
+                <a14:hiddenLine xmlns="" xmlns:a14="http://schemas.microsoft.com/office/drawing/2010/main" w="9525">
                   <a:solidFill>
                     <a:srgbClr val="000000"/>
                   </a:solidFill>
@@ -36531,7 +36531,7 @@
             <p:cNvPr id="78" name="Freeform 33">
               <a:extLst>
                 <a:ext uri="{FF2B5EF4-FFF2-40B4-BE49-F238E27FC236}">
-                  <a16:creationId xmlns:a16="http://schemas.microsoft.com/office/drawing/2014/main" xmlns="" id="{131FE8F7-3F9D-4000-95D8-707C3C18917C}"/>
+                  <a16:creationId xmlns="" xmlns:a16="http://schemas.microsoft.com/office/drawing/2014/main" id="{131FE8F7-3F9D-4000-95D8-707C3C18917C}"/>
                 </a:ext>
               </a:extLst>
             </p:cNvPr>
@@ -36664,7 +36664,7 @@
             </a:ln>
             <a:extLst>
               <a:ext uri="{91240B29-F687-4f45-9708-019B960494DF}">
-                <a14:hiddenLine xmlns:a14="http://schemas.microsoft.com/office/drawing/2010/main" xmlns="" w="9525">
+                <a14:hiddenLine xmlns="" xmlns:a14="http://schemas.microsoft.com/office/drawing/2010/main" w="9525">
                   <a:solidFill>
                     <a:srgbClr val="000000"/>
                   </a:solidFill>
@@ -36692,7 +36692,7 @@
             <p:cNvPr id="79" name="Freeform 34">
               <a:extLst>
                 <a:ext uri="{FF2B5EF4-FFF2-40B4-BE49-F238E27FC236}">
-                  <a16:creationId xmlns:a16="http://schemas.microsoft.com/office/drawing/2014/main" xmlns="" id="{9609B828-849D-42F8-A72F-2731DAFC5E07}"/>
+                  <a16:creationId xmlns="" xmlns:a16="http://schemas.microsoft.com/office/drawing/2014/main" id="{9609B828-849D-42F8-A72F-2731DAFC5E07}"/>
                 </a:ext>
               </a:extLst>
             </p:cNvPr>
@@ -36825,7 +36825,7 @@
             </a:ln>
             <a:extLst>
               <a:ext uri="{91240B29-F687-4f45-9708-019B960494DF}">
-                <a14:hiddenLine xmlns:a14="http://schemas.microsoft.com/office/drawing/2010/main" xmlns="" w="9525">
+                <a14:hiddenLine xmlns="" xmlns:a14="http://schemas.microsoft.com/office/drawing/2010/main" w="9525">
                   <a:solidFill>
                     <a:srgbClr val="000000"/>
                   </a:solidFill>
@@ -36853,7 +36853,7 @@
             <p:cNvPr id="80" name="Oval 35">
               <a:extLst>
                 <a:ext uri="{FF2B5EF4-FFF2-40B4-BE49-F238E27FC236}">
-                  <a16:creationId xmlns:a16="http://schemas.microsoft.com/office/drawing/2014/main" xmlns="" id="{32F69BD9-DBD7-4156-95C6-70E428813392}"/>
+                  <a16:creationId xmlns="" xmlns:a16="http://schemas.microsoft.com/office/drawing/2014/main" id="{32F69BD9-DBD7-4156-95C6-70E428813392}"/>
                 </a:ext>
               </a:extLst>
             </p:cNvPr>
@@ -36878,7 +36878,7 @@
             </a:ln>
             <a:extLst>
               <a:ext uri="{91240B29-F687-4f45-9708-019B960494DF}">
-                <a14:hiddenLine xmlns:a14="http://schemas.microsoft.com/office/drawing/2010/main" xmlns="" w="9525">
+                <a14:hiddenLine xmlns="" xmlns:a14="http://schemas.microsoft.com/office/drawing/2010/main" w="9525">
                   <a:solidFill>
                     <a:srgbClr val="000000"/>
                   </a:solidFill>
@@ -36906,7 +36906,7 @@
             <p:cNvPr id="81" name="Oval 36">
               <a:extLst>
                 <a:ext uri="{FF2B5EF4-FFF2-40B4-BE49-F238E27FC236}">
-                  <a16:creationId xmlns:a16="http://schemas.microsoft.com/office/drawing/2014/main" xmlns="" id="{DD805ECB-466F-4002-9E22-8C8592A57CA7}"/>
+                  <a16:creationId xmlns="" xmlns:a16="http://schemas.microsoft.com/office/drawing/2014/main" id="{DD805ECB-466F-4002-9E22-8C8592A57CA7}"/>
                 </a:ext>
               </a:extLst>
             </p:cNvPr>
@@ -36931,7 +36931,7 @@
             </a:ln>
             <a:extLst>
               <a:ext uri="{91240B29-F687-4f45-9708-019B960494DF}">
-                <a14:hiddenLine xmlns:a14="http://schemas.microsoft.com/office/drawing/2010/main" xmlns="" w="9525">
+                <a14:hiddenLine xmlns="" xmlns:a14="http://schemas.microsoft.com/office/drawing/2010/main" w="9525">
                   <a:solidFill>
                     <a:srgbClr val="000000"/>
                   </a:solidFill>
@@ -36959,7 +36959,7 @@
             <p:cNvPr id="82" name="Oval 37">
               <a:extLst>
                 <a:ext uri="{FF2B5EF4-FFF2-40B4-BE49-F238E27FC236}">
-                  <a16:creationId xmlns:a16="http://schemas.microsoft.com/office/drawing/2014/main" xmlns="" id="{276DE092-A075-44D1-A307-4F5E6C86208F}"/>
+                  <a16:creationId xmlns="" xmlns:a16="http://schemas.microsoft.com/office/drawing/2014/main" id="{276DE092-A075-44D1-A307-4F5E6C86208F}"/>
                 </a:ext>
               </a:extLst>
             </p:cNvPr>
@@ -36984,7 +36984,7 @@
             </a:ln>
             <a:extLst>
               <a:ext uri="{91240B29-F687-4f45-9708-019B960494DF}">
-                <a14:hiddenLine xmlns:a14="http://schemas.microsoft.com/office/drawing/2010/main" xmlns="" w="9525">
+                <a14:hiddenLine xmlns="" xmlns:a14="http://schemas.microsoft.com/office/drawing/2010/main" w="9525">
                   <a:solidFill>
                     <a:srgbClr val="000000"/>
                   </a:solidFill>
@@ -37012,7 +37012,7 @@
             <p:cNvPr id="83" name="Freeform 38">
               <a:extLst>
                 <a:ext uri="{FF2B5EF4-FFF2-40B4-BE49-F238E27FC236}">
-                  <a16:creationId xmlns:a16="http://schemas.microsoft.com/office/drawing/2014/main" xmlns="" id="{0F24595F-C124-4775-9644-F3927F7BCECF}"/>
+                  <a16:creationId xmlns="" xmlns:a16="http://schemas.microsoft.com/office/drawing/2014/main" id="{0F24595F-C124-4775-9644-F3927F7BCECF}"/>
                 </a:ext>
               </a:extLst>
             </p:cNvPr>
@@ -37145,7 +37145,7 @@
             </a:ln>
             <a:extLst>
               <a:ext uri="{91240B29-F687-4f45-9708-019B960494DF}">
-                <a14:hiddenLine xmlns:a14="http://schemas.microsoft.com/office/drawing/2010/main" xmlns="" w="9525">
+                <a14:hiddenLine xmlns="" xmlns:a14="http://schemas.microsoft.com/office/drawing/2010/main" w="9525">
                   <a:solidFill>
                     <a:srgbClr val="000000"/>
                   </a:solidFill>
@@ -37173,7 +37173,7 @@
             <p:cNvPr id="84" name="Freeform 39">
               <a:extLst>
                 <a:ext uri="{FF2B5EF4-FFF2-40B4-BE49-F238E27FC236}">
-                  <a16:creationId xmlns:a16="http://schemas.microsoft.com/office/drawing/2014/main" xmlns="" id="{0A3CBF41-D6D1-4251-B2B0-D1BD0971B4C5}"/>
+                  <a16:creationId xmlns="" xmlns:a16="http://schemas.microsoft.com/office/drawing/2014/main" id="{0A3CBF41-D6D1-4251-B2B0-D1BD0971B4C5}"/>
                 </a:ext>
               </a:extLst>
             </p:cNvPr>
@@ -37273,7 +37273,7 @@
             </a:ln>
             <a:extLst>
               <a:ext uri="{91240B29-F687-4f45-9708-019B960494DF}">
-                <a14:hiddenLine xmlns:a14="http://schemas.microsoft.com/office/drawing/2010/main" xmlns="" w="9525">
+                <a14:hiddenLine xmlns="" xmlns:a14="http://schemas.microsoft.com/office/drawing/2010/main" w="9525">
                   <a:solidFill>
                     <a:srgbClr val="000000"/>
                   </a:solidFill>
@@ -37301,7 +37301,7 @@
             <p:cNvPr id="85" name="Freeform 40">
               <a:extLst>
                 <a:ext uri="{FF2B5EF4-FFF2-40B4-BE49-F238E27FC236}">
-                  <a16:creationId xmlns:a16="http://schemas.microsoft.com/office/drawing/2014/main" xmlns="" id="{7B35D169-1240-42AA-8147-DFDF6C577309}"/>
+                  <a16:creationId xmlns="" xmlns:a16="http://schemas.microsoft.com/office/drawing/2014/main" id="{7B35D169-1240-42AA-8147-DFDF6C577309}"/>
                 </a:ext>
               </a:extLst>
             </p:cNvPr>
@@ -37441,7 +37441,7 @@
             </a:ln>
             <a:extLst>
               <a:ext uri="{91240B29-F687-4f45-9708-019B960494DF}">
-                <a14:hiddenLine xmlns:a14="http://schemas.microsoft.com/office/drawing/2010/main" xmlns="" w="9525">
+                <a14:hiddenLine xmlns="" xmlns:a14="http://schemas.microsoft.com/office/drawing/2010/main" w="9525">
                   <a:solidFill>
                     <a:srgbClr val="000000"/>
                   </a:solidFill>
@@ -37469,7 +37469,7 @@
             <p:cNvPr id="86" name="Freeform 41">
               <a:extLst>
                 <a:ext uri="{FF2B5EF4-FFF2-40B4-BE49-F238E27FC236}">
-                  <a16:creationId xmlns:a16="http://schemas.microsoft.com/office/drawing/2014/main" xmlns="" id="{9DCA7A03-DFBC-4099-8061-4388D2B6E8B6}"/>
+                  <a16:creationId xmlns="" xmlns:a16="http://schemas.microsoft.com/office/drawing/2014/main" id="{9DCA7A03-DFBC-4099-8061-4388D2B6E8B6}"/>
                 </a:ext>
               </a:extLst>
             </p:cNvPr>
@@ -37537,7 +37537,7 @@
             </a:ln>
             <a:extLst>
               <a:ext uri="{91240B29-F687-4f45-9708-019B960494DF}">
-                <a14:hiddenLine xmlns:a14="http://schemas.microsoft.com/office/drawing/2010/main" xmlns="" w="9525">
+                <a14:hiddenLine xmlns="" xmlns:a14="http://schemas.microsoft.com/office/drawing/2010/main" w="9525">
                   <a:solidFill>
                     <a:srgbClr val="000000"/>
                   </a:solidFill>
@@ -37565,7 +37565,7 @@
             <p:cNvPr id="87" name="Freeform 42">
               <a:extLst>
                 <a:ext uri="{FF2B5EF4-FFF2-40B4-BE49-F238E27FC236}">
-                  <a16:creationId xmlns:a16="http://schemas.microsoft.com/office/drawing/2014/main" xmlns="" id="{1B577660-4FF5-4F70-A70F-261E576AC65A}"/>
+                  <a16:creationId xmlns="" xmlns:a16="http://schemas.microsoft.com/office/drawing/2014/main" id="{1B577660-4FF5-4F70-A70F-261E576AC65A}"/>
                 </a:ext>
               </a:extLst>
             </p:cNvPr>
@@ -37698,7 +37698,7 @@
             </a:ln>
             <a:extLst>
               <a:ext uri="{91240B29-F687-4f45-9708-019B960494DF}">
-                <a14:hiddenLine xmlns:a14="http://schemas.microsoft.com/office/drawing/2010/main" xmlns="" w="9525">
+                <a14:hiddenLine xmlns="" xmlns:a14="http://schemas.microsoft.com/office/drawing/2010/main" w="9525">
                   <a:solidFill>
                     <a:srgbClr val="000000"/>
                   </a:solidFill>
@@ -37726,7 +37726,7 @@
             <p:cNvPr id="88" name="Freeform 43">
               <a:extLst>
                 <a:ext uri="{FF2B5EF4-FFF2-40B4-BE49-F238E27FC236}">
-                  <a16:creationId xmlns:a16="http://schemas.microsoft.com/office/drawing/2014/main" xmlns="" id="{E735B3F2-E227-427F-AA07-1E05C6B713B8}"/>
+                  <a16:creationId xmlns="" xmlns:a16="http://schemas.microsoft.com/office/drawing/2014/main" id="{E735B3F2-E227-427F-AA07-1E05C6B713B8}"/>
                 </a:ext>
               </a:extLst>
             </p:cNvPr>
@@ -37859,7 +37859,7 @@
             </a:ln>
             <a:extLst>
               <a:ext uri="{91240B29-F687-4f45-9708-019B960494DF}">
-                <a14:hiddenLine xmlns:a14="http://schemas.microsoft.com/office/drawing/2010/main" xmlns="" w="9525">
+                <a14:hiddenLine xmlns="" xmlns:a14="http://schemas.microsoft.com/office/drawing/2010/main" w="9525">
                   <a:solidFill>
                     <a:srgbClr val="000000"/>
                   </a:solidFill>
@@ -37887,7 +37887,7 @@
             <p:cNvPr id="89" name="Oval 44">
               <a:extLst>
                 <a:ext uri="{FF2B5EF4-FFF2-40B4-BE49-F238E27FC236}">
-                  <a16:creationId xmlns:a16="http://schemas.microsoft.com/office/drawing/2014/main" xmlns="" id="{C802062F-15EF-4682-AD6A-401D8CD3D72F}"/>
+                  <a16:creationId xmlns="" xmlns:a16="http://schemas.microsoft.com/office/drawing/2014/main" id="{C802062F-15EF-4682-AD6A-401D8CD3D72F}"/>
                 </a:ext>
               </a:extLst>
             </p:cNvPr>
@@ -37912,7 +37912,7 @@
             </a:ln>
             <a:extLst>
               <a:ext uri="{91240B29-F687-4f45-9708-019B960494DF}">
-                <a14:hiddenLine xmlns:a14="http://schemas.microsoft.com/office/drawing/2010/main" xmlns="" w="9525">
+                <a14:hiddenLine xmlns="" xmlns:a14="http://schemas.microsoft.com/office/drawing/2010/main" w="9525">
                   <a:solidFill>
                     <a:srgbClr val="000000"/>
                   </a:solidFill>
@@ -37940,7 +37940,7 @@
             <p:cNvPr id="90" name="Oval 45">
               <a:extLst>
                 <a:ext uri="{FF2B5EF4-FFF2-40B4-BE49-F238E27FC236}">
-                  <a16:creationId xmlns:a16="http://schemas.microsoft.com/office/drawing/2014/main" xmlns="" id="{4D58AA77-51BB-469E-B633-23351D86CC21}"/>
+                  <a16:creationId xmlns="" xmlns:a16="http://schemas.microsoft.com/office/drawing/2014/main" id="{4D58AA77-51BB-469E-B633-23351D86CC21}"/>
                 </a:ext>
               </a:extLst>
             </p:cNvPr>
@@ -37965,7 +37965,7 @@
             </a:ln>
             <a:extLst>
               <a:ext uri="{91240B29-F687-4f45-9708-019B960494DF}">
-                <a14:hiddenLine xmlns:a14="http://schemas.microsoft.com/office/drawing/2010/main" xmlns="" w="9525">
+                <a14:hiddenLine xmlns="" xmlns:a14="http://schemas.microsoft.com/office/drawing/2010/main" w="9525">
                   <a:solidFill>
                     <a:srgbClr val="000000"/>
                   </a:solidFill>
@@ -37993,7 +37993,7 @@
             <p:cNvPr id="91" name="Oval 46">
               <a:extLst>
                 <a:ext uri="{FF2B5EF4-FFF2-40B4-BE49-F238E27FC236}">
-                  <a16:creationId xmlns:a16="http://schemas.microsoft.com/office/drawing/2014/main" xmlns="" id="{01860CE4-DA4C-4F36-A526-CC55DB7571F2}"/>
+                  <a16:creationId xmlns="" xmlns:a16="http://schemas.microsoft.com/office/drawing/2014/main" id="{01860CE4-DA4C-4F36-A526-CC55DB7571F2}"/>
                 </a:ext>
               </a:extLst>
             </p:cNvPr>
@@ -38018,7 +38018,7 @@
             </a:ln>
             <a:extLst>
               <a:ext uri="{91240B29-F687-4f45-9708-019B960494DF}">
-                <a14:hiddenLine xmlns:a14="http://schemas.microsoft.com/office/drawing/2010/main" xmlns="" w="9525">
+                <a14:hiddenLine xmlns="" xmlns:a14="http://schemas.microsoft.com/office/drawing/2010/main" w="9525">
                   <a:solidFill>
                     <a:srgbClr val="000000"/>
                   </a:solidFill>
@@ -38046,7 +38046,7 @@
             <p:cNvPr id="92" name="Freeform 47">
               <a:extLst>
                 <a:ext uri="{FF2B5EF4-FFF2-40B4-BE49-F238E27FC236}">
-                  <a16:creationId xmlns:a16="http://schemas.microsoft.com/office/drawing/2014/main" xmlns="" id="{43631AC7-CA35-46FC-AB5E-79DFAA297B6C}"/>
+                  <a16:creationId xmlns="" xmlns:a16="http://schemas.microsoft.com/office/drawing/2014/main" id="{43631AC7-CA35-46FC-AB5E-79DFAA297B6C}"/>
                 </a:ext>
               </a:extLst>
             </p:cNvPr>
@@ -38179,7 +38179,7 @@
             </a:ln>
             <a:extLst>
               <a:ext uri="{91240B29-F687-4f45-9708-019B960494DF}">
-                <a14:hiddenLine xmlns:a14="http://schemas.microsoft.com/office/drawing/2010/main" xmlns="" w="9525">
+                <a14:hiddenLine xmlns="" xmlns:a14="http://schemas.microsoft.com/office/drawing/2010/main" w="9525">
                   <a:solidFill>
                     <a:srgbClr val="000000"/>
                   </a:solidFill>
@@ -38207,7 +38207,7 @@
             <p:cNvPr id="93" name="Freeform 48">
               <a:extLst>
                 <a:ext uri="{FF2B5EF4-FFF2-40B4-BE49-F238E27FC236}">
-                  <a16:creationId xmlns:a16="http://schemas.microsoft.com/office/drawing/2014/main" xmlns="" id="{A8FD8936-1DBF-43C3-BCD9-403035462234}"/>
+                  <a16:creationId xmlns="" xmlns:a16="http://schemas.microsoft.com/office/drawing/2014/main" id="{A8FD8936-1DBF-43C3-BCD9-403035462234}"/>
                 </a:ext>
               </a:extLst>
             </p:cNvPr>
@@ -38307,7 +38307,7 @@
             </a:ln>
             <a:extLst>
               <a:ext uri="{91240B29-F687-4f45-9708-019B960494DF}">
-                <a14:hiddenLine xmlns:a14="http://schemas.microsoft.com/office/drawing/2010/main" xmlns="" w="9525">
+                <a14:hiddenLine xmlns="" xmlns:a14="http://schemas.microsoft.com/office/drawing/2010/main" w="9525">
                   <a:solidFill>
                     <a:srgbClr val="000000"/>
                   </a:solidFill>
@@ -38335,7 +38335,7 @@
             <p:cNvPr id="94" name="Freeform 49">
               <a:extLst>
                 <a:ext uri="{FF2B5EF4-FFF2-40B4-BE49-F238E27FC236}">
-                  <a16:creationId xmlns:a16="http://schemas.microsoft.com/office/drawing/2014/main" xmlns="" id="{485A9DF1-9A0C-433C-9125-09E4897F7AC9}"/>
+                  <a16:creationId xmlns="" xmlns:a16="http://schemas.microsoft.com/office/drawing/2014/main" id="{485A9DF1-9A0C-433C-9125-09E4897F7AC9}"/>
                 </a:ext>
               </a:extLst>
             </p:cNvPr>
@@ -38475,7 +38475,7 @@
             </a:ln>
             <a:extLst>
               <a:ext uri="{91240B29-F687-4f45-9708-019B960494DF}">
-                <a14:hiddenLine xmlns:a14="http://schemas.microsoft.com/office/drawing/2010/main" xmlns="" w="9525">
+                <a14:hiddenLine xmlns="" xmlns:a14="http://schemas.microsoft.com/office/drawing/2010/main" w="9525">
                   <a:solidFill>
                     <a:srgbClr val="000000"/>
                   </a:solidFill>
@@ -38503,7 +38503,7 @@
             <p:cNvPr id="95" name="Freeform 50">
               <a:extLst>
                 <a:ext uri="{FF2B5EF4-FFF2-40B4-BE49-F238E27FC236}">
-                  <a16:creationId xmlns:a16="http://schemas.microsoft.com/office/drawing/2014/main" xmlns="" id="{623BDC25-2AC8-4D62-B54C-829EB0A20EEB}"/>
+                  <a16:creationId xmlns="" xmlns:a16="http://schemas.microsoft.com/office/drawing/2014/main" id="{623BDC25-2AC8-4D62-B54C-829EB0A20EEB}"/>
                 </a:ext>
               </a:extLst>
             </p:cNvPr>
@@ -38571,7 +38571,7 @@
             </a:ln>
             <a:extLst>
               <a:ext uri="{91240B29-F687-4f45-9708-019B960494DF}">
-                <a14:hiddenLine xmlns:a14="http://schemas.microsoft.com/office/drawing/2010/main" xmlns="" w="9525">
+                <a14:hiddenLine xmlns="" xmlns:a14="http://schemas.microsoft.com/office/drawing/2010/main" w="9525">
                   <a:solidFill>
                     <a:srgbClr val="000000"/>
                   </a:solidFill>
@@ -38599,7 +38599,7 @@
             <p:cNvPr id="96" name="Freeform 51">
               <a:extLst>
                 <a:ext uri="{FF2B5EF4-FFF2-40B4-BE49-F238E27FC236}">
-                  <a16:creationId xmlns:a16="http://schemas.microsoft.com/office/drawing/2014/main" xmlns="" id="{29DD0586-4B69-4D85-A3C2-EFFE75BECA86}"/>
+                  <a16:creationId xmlns="" xmlns:a16="http://schemas.microsoft.com/office/drawing/2014/main" id="{29DD0586-4B69-4D85-A3C2-EFFE75BECA86}"/>
                 </a:ext>
               </a:extLst>
             </p:cNvPr>
@@ -38732,7 +38732,7 @@
             </a:ln>
             <a:extLst>
               <a:ext uri="{91240B29-F687-4f45-9708-019B960494DF}">
-                <a14:hiddenLine xmlns:a14="http://schemas.microsoft.com/office/drawing/2010/main" xmlns="" w="9525">
+                <a14:hiddenLine xmlns="" xmlns:a14="http://schemas.microsoft.com/office/drawing/2010/main" w="9525">
                   <a:solidFill>
                     <a:srgbClr val="000000"/>
                   </a:solidFill>
@@ -38760,7 +38760,7 @@
             <p:cNvPr id="97" name="Freeform 52">
               <a:extLst>
                 <a:ext uri="{FF2B5EF4-FFF2-40B4-BE49-F238E27FC236}">
-                  <a16:creationId xmlns:a16="http://schemas.microsoft.com/office/drawing/2014/main" xmlns="" id="{CE2C7D87-A7BD-494E-B1F7-25686DF2F075}"/>
+                  <a16:creationId xmlns="" xmlns:a16="http://schemas.microsoft.com/office/drawing/2014/main" id="{CE2C7D87-A7BD-494E-B1F7-25686DF2F075}"/>
                 </a:ext>
               </a:extLst>
             </p:cNvPr>
@@ -38893,7 +38893,7 @@
             </a:ln>
             <a:extLst>
               <a:ext uri="{91240B29-F687-4f45-9708-019B960494DF}">
-                <a14:hiddenLine xmlns:a14="http://schemas.microsoft.com/office/drawing/2010/main" xmlns="" w="9525">
+                <a14:hiddenLine xmlns="" xmlns:a14="http://schemas.microsoft.com/office/drawing/2010/main" w="9525">
                   <a:solidFill>
                     <a:srgbClr val="000000"/>
                   </a:solidFill>
@@ -38921,7 +38921,7 @@
             <p:cNvPr id="98" name="Oval 53">
               <a:extLst>
                 <a:ext uri="{FF2B5EF4-FFF2-40B4-BE49-F238E27FC236}">
-                  <a16:creationId xmlns:a16="http://schemas.microsoft.com/office/drawing/2014/main" xmlns="" id="{787AE3CF-1E3C-4E52-9B7F-76723676DFEB}"/>
+                  <a16:creationId xmlns="" xmlns:a16="http://schemas.microsoft.com/office/drawing/2014/main" id="{787AE3CF-1E3C-4E52-9B7F-76723676DFEB}"/>
                 </a:ext>
               </a:extLst>
             </p:cNvPr>
@@ -38946,7 +38946,7 @@
             </a:ln>
             <a:extLst>
               <a:ext uri="{91240B29-F687-4f45-9708-019B960494DF}">
-                <a14:hiddenLine xmlns:a14="http://schemas.microsoft.com/office/drawing/2010/main" xmlns="" w="9525">
+                <a14:hiddenLine xmlns="" xmlns:a14="http://schemas.microsoft.com/office/drawing/2010/main" w="9525">
                   <a:solidFill>
                     <a:srgbClr val="000000"/>
                   </a:solidFill>
@@ -38974,7 +38974,7 @@
             <p:cNvPr id="99" name="Freeform 59">
               <a:extLst>
                 <a:ext uri="{FF2B5EF4-FFF2-40B4-BE49-F238E27FC236}">
-                  <a16:creationId xmlns:a16="http://schemas.microsoft.com/office/drawing/2014/main" xmlns="" id="{2A3322D5-23CD-4C00-8E99-3C3F19C7BA8D}"/>
+                  <a16:creationId xmlns="" xmlns:a16="http://schemas.microsoft.com/office/drawing/2014/main" id="{2A3322D5-23CD-4C00-8E99-3C3F19C7BA8D}"/>
                 </a:ext>
               </a:extLst>
             </p:cNvPr>
@@ -39042,7 +39042,7 @@
             </a:ln>
             <a:extLst>
               <a:ext uri="{91240B29-F687-4f45-9708-019B960494DF}">
-                <a14:hiddenLine xmlns:a14="http://schemas.microsoft.com/office/drawing/2010/main" xmlns="" w="9525">
+                <a14:hiddenLine xmlns="" xmlns:a14="http://schemas.microsoft.com/office/drawing/2010/main" w="9525">
                   <a:solidFill>
                     <a:srgbClr val="000000"/>
                   </a:solidFill>
@@ -39070,7 +39070,7 @@
             <p:cNvPr id="100" name="Freeform 16">
               <a:extLst>
                 <a:ext uri="{FF2B5EF4-FFF2-40B4-BE49-F238E27FC236}">
-                  <a16:creationId xmlns:a16="http://schemas.microsoft.com/office/drawing/2014/main" xmlns="" id="{D5B92BC2-4A7A-4DFE-A80B-E87B8BAE0CD3}"/>
+                  <a16:creationId xmlns="" xmlns:a16="http://schemas.microsoft.com/office/drawing/2014/main" id="{D5B92BC2-4A7A-4DFE-A80B-E87B8BAE0CD3}"/>
                 </a:ext>
               </a:extLst>
             </p:cNvPr>
@@ -39203,7 +39203,7 @@
             </a:ln>
             <a:extLst>
               <a:ext uri="{91240B29-F687-4f45-9708-019B960494DF}">
-                <a14:hiddenLine xmlns:a14="http://schemas.microsoft.com/office/drawing/2010/main" xmlns="" w="9525">
+                <a14:hiddenLine xmlns="" xmlns:a14="http://schemas.microsoft.com/office/drawing/2010/main" w="9525">
                   <a:solidFill>
                     <a:srgbClr val="000000"/>
                   </a:solidFill>
@@ -39231,7 +39231,7 @@
             <p:cNvPr id="101" name="Freeform 17">
               <a:extLst>
                 <a:ext uri="{FF2B5EF4-FFF2-40B4-BE49-F238E27FC236}">
-                  <a16:creationId xmlns:a16="http://schemas.microsoft.com/office/drawing/2014/main" xmlns="" id="{06376654-9302-4ADB-BF8A-7C1792B02EA5}"/>
+                  <a16:creationId xmlns="" xmlns:a16="http://schemas.microsoft.com/office/drawing/2014/main" id="{06376654-9302-4ADB-BF8A-7C1792B02EA5}"/>
                 </a:ext>
               </a:extLst>
             </p:cNvPr>
@@ -39364,7 +39364,7 @@
             </a:ln>
             <a:extLst>
               <a:ext uri="{91240B29-F687-4f45-9708-019B960494DF}">
-                <a14:hiddenLine xmlns:a14="http://schemas.microsoft.com/office/drawing/2010/main" xmlns="" w="9525">
+                <a14:hiddenLine xmlns="" xmlns:a14="http://schemas.microsoft.com/office/drawing/2010/main" w="9525">
                   <a:solidFill>
                     <a:srgbClr val="000000"/>
                   </a:solidFill>
@@ -39392,7 +39392,7 @@
             <p:cNvPr id="102" name="Oval 18">
               <a:extLst>
                 <a:ext uri="{FF2B5EF4-FFF2-40B4-BE49-F238E27FC236}">
-                  <a16:creationId xmlns:a16="http://schemas.microsoft.com/office/drawing/2014/main" xmlns="" id="{9A7461D6-AA2A-466A-B422-82CB9302AD2F}"/>
+                  <a16:creationId xmlns="" xmlns:a16="http://schemas.microsoft.com/office/drawing/2014/main" id="{9A7461D6-AA2A-466A-B422-82CB9302AD2F}"/>
                 </a:ext>
               </a:extLst>
             </p:cNvPr>
@@ -39417,7 +39417,7 @@
             </a:ln>
             <a:extLst>
               <a:ext uri="{91240B29-F687-4f45-9708-019B960494DF}">
-                <a14:hiddenLine xmlns:a14="http://schemas.microsoft.com/office/drawing/2010/main" xmlns="" w="9525">
+                <a14:hiddenLine xmlns="" xmlns:a14="http://schemas.microsoft.com/office/drawing/2010/main" w="9525">
                   <a:solidFill>
                     <a:srgbClr val="000000"/>
                   </a:solidFill>
@@ -39445,7 +39445,7 @@
             <p:cNvPr id="103" name="Oval 19">
               <a:extLst>
                 <a:ext uri="{FF2B5EF4-FFF2-40B4-BE49-F238E27FC236}">
-                  <a16:creationId xmlns:a16="http://schemas.microsoft.com/office/drawing/2014/main" xmlns="" id="{FE99A7E6-94E1-460C-8FC5-DB8273728DAB}"/>
+                  <a16:creationId xmlns="" xmlns:a16="http://schemas.microsoft.com/office/drawing/2014/main" id="{FE99A7E6-94E1-460C-8FC5-DB8273728DAB}"/>
                 </a:ext>
               </a:extLst>
             </p:cNvPr>
@@ -39470,7 +39470,7 @@
             </a:ln>
             <a:extLst>
               <a:ext uri="{91240B29-F687-4f45-9708-019B960494DF}">
-                <a14:hiddenLine xmlns:a14="http://schemas.microsoft.com/office/drawing/2010/main" xmlns="" w="9525">
+                <a14:hiddenLine xmlns="" xmlns:a14="http://schemas.microsoft.com/office/drawing/2010/main" w="9525">
                   <a:solidFill>
                     <a:srgbClr val="000000"/>
                   </a:solidFill>
@@ -39498,7 +39498,7 @@
             <p:cNvPr id="104" name="Oval 20">
               <a:extLst>
                 <a:ext uri="{FF2B5EF4-FFF2-40B4-BE49-F238E27FC236}">
-                  <a16:creationId xmlns:a16="http://schemas.microsoft.com/office/drawing/2014/main" xmlns="" id="{BD1E55D2-F332-4C7E-8627-C84EFB6266A0}"/>
+                  <a16:creationId xmlns="" xmlns:a16="http://schemas.microsoft.com/office/drawing/2014/main" id="{BD1E55D2-F332-4C7E-8627-C84EFB6266A0}"/>
                 </a:ext>
               </a:extLst>
             </p:cNvPr>
@@ -39523,7 +39523,7 @@
             </a:ln>
             <a:extLst>
               <a:ext uri="{91240B29-F687-4f45-9708-019B960494DF}">
-                <a14:hiddenLine xmlns:a14="http://schemas.microsoft.com/office/drawing/2010/main" xmlns="" w="9525">
+                <a14:hiddenLine xmlns="" xmlns:a14="http://schemas.microsoft.com/office/drawing/2010/main" w="9525">
                   <a:solidFill>
                     <a:srgbClr val="000000"/>
                   </a:solidFill>
@@ -39551,7 +39551,7 @@
             <p:cNvPr id="105" name="Freeform 21">
               <a:extLst>
                 <a:ext uri="{FF2B5EF4-FFF2-40B4-BE49-F238E27FC236}">
-                  <a16:creationId xmlns:a16="http://schemas.microsoft.com/office/drawing/2014/main" xmlns="" id="{48CB14F3-6B2C-4592-8A49-A9DE4727A192}"/>
+                  <a16:creationId xmlns="" xmlns:a16="http://schemas.microsoft.com/office/drawing/2014/main" id="{48CB14F3-6B2C-4592-8A49-A9DE4727A192}"/>
                 </a:ext>
               </a:extLst>
             </p:cNvPr>
@@ -39684,7 +39684,7 @@
             </a:ln>
             <a:extLst>
               <a:ext uri="{91240B29-F687-4f45-9708-019B960494DF}">
-                <a14:hiddenLine xmlns:a14="http://schemas.microsoft.com/office/drawing/2010/main" xmlns="" w="9525">
+                <a14:hiddenLine xmlns="" xmlns:a14="http://schemas.microsoft.com/office/drawing/2010/main" w="9525">
                   <a:solidFill>
                     <a:srgbClr val="000000"/>
                   </a:solidFill>
@@ -39712,7 +39712,7 @@
             <p:cNvPr id="106" name="Freeform 22">
               <a:extLst>
                 <a:ext uri="{FF2B5EF4-FFF2-40B4-BE49-F238E27FC236}">
-                  <a16:creationId xmlns:a16="http://schemas.microsoft.com/office/drawing/2014/main" xmlns="" id="{407A2696-069C-44F8-B9D1-173504B2AB73}"/>
+                  <a16:creationId xmlns="" xmlns:a16="http://schemas.microsoft.com/office/drawing/2014/main" id="{407A2696-069C-44F8-B9D1-173504B2AB73}"/>
                 </a:ext>
               </a:extLst>
             </p:cNvPr>
@@ -39812,7 +39812,7 @@
             </a:ln>
             <a:extLst>
               <a:ext uri="{91240B29-F687-4f45-9708-019B960494DF}">
-                <a14:hiddenLine xmlns:a14="http://schemas.microsoft.com/office/drawing/2010/main" xmlns="" w="9525">
+                <a14:hiddenLine xmlns="" xmlns:a14="http://schemas.microsoft.com/office/drawing/2010/main" w="9525">
                   <a:solidFill>
                     <a:srgbClr val="000000"/>
                   </a:solidFill>
@@ -39840,7 +39840,7 @@
             <p:cNvPr id="107" name="Freeform 23">
               <a:extLst>
                 <a:ext uri="{FF2B5EF4-FFF2-40B4-BE49-F238E27FC236}">
-                  <a16:creationId xmlns:a16="http://schemas.microsoft.com/office/drawing/2014/main" xmlns="" id="{C9E53586-E851-45B9-8F0F-92BFD4688308}"/>
+                  <a16:creationId xmlns="" xmlns:a16="http://schemas.microsoft.com/office/drawing/2014/main" id="{C9E53586-E851-45B9-8F0F-92BFD4688308}"/>
                 </a:ext>
               </a:extLst>
             </p:cNvPr>
@@ -39980,7 +39980,7 @@
             </a:ln>
             <a:extLst>
               <a:ext uri="{91240B29-F687-4f45-9708-019B960494DF}">
-                <a14:hiddenLine xmlns:a14="http://schemas.microsoft.com/office/drawing/2010/main" xmlns="" w="9525">
+                <a14:hiddenLine xmlns="" xmlns:a14="http://schemas.microsoft.com/office/drawing/2010/main" w="9525">
                   <a:solidFill>
                     <a:srgbClr val="000000"/>
                   </a:solidFill>
@@ -40008,7 +40008,7 @@
             <p:cNvPr id="108" name="Freeform 32">
               <a:extLst>
                 <a:ext uri="{FF2B5EF4-FFF2-40B4-BE49-F238E27FC236}">
-                  <a16:creationId xmlns:a16="http://schemas.microsoft.com/office/drawing/2014/main" xmlns="" id="{9C866860-FB97-4D66-90B4-0349883983CD}"/>
+                  <a16:creationId xmlns="" xmlns:a16="http://schemas.microsoft.com/office/drawing/2014/main" id="{9C866860-FB97-4D66-90B4-0349883983CD}"/>
                 </a:ext>
               </a:extLst>
             </p:cNvPr>
@@ -40076,7 +40076,7 @@
             </a:ln>
             <a:extLst>
               <a:ext uri="{91240B29-F687-4f45-9708-019B960494DF}">
-                <a14:hiddenLine xmlns:a14="http://schemas.microsoft.com/office/drawing/2010/main" xmlns="" w="9525">
+                <a14:hiddenLine xmlns="" xmlns:a14="http://schemas.microsoft.com/office/drawing/2010/main" w="9525">
                   <a:solidFill>
                     <a:srgbClr val="000000"/>
                   </a:solidFill>
@@ -40104,7 +40104,7 @@
             <p:cNvPr id="112" name="Oval 19">
               <a:extLst>
                 <a:ext uri="{FF2B5EF4-FFF2-40B4-BE49-F238E27FC236}">
-                  <a16:creationId xmlns:a16="http://schemas.microsoft.com/office/drawing/2014/main" xmlns="" id="{D65A509A-EA2D-4A95-B7DF-2CEACDF586D1}"/>
+                  <a16:creationId xmlns="" xmlns:a16="http://schemas.microsoft.com/office/drawing/2014/main" id="{D65A509A-EA2D-4A95-B7DF-2CEACDF586D1}"/>
                 </a:ext>
               </a:extLst>
             </p:cNvPr>
@@ -40129,7 +40129,7 @@
             </a:ln>
             <a:extLst>
               <a:ext uri="{91240B29-F687-4f45-9708-019B960494DF}">
-                <a14:hiddenLine xmlns:a14="http://schemas.microsoft.com/office/drawing/2010/main" xmlns="" w="9525">
+                <a14:hiddenLine xmlns="" xmlns:a14="http://schemas.microsoft.com/office/drawing/2010/main" w="9525">
                   <a:solidFill>
                     <a:srgbClr val="000000"/>
                   </a:solidFill>
@@ -40157,7 +40157,7 @@
             <p:cNvPr id="113" name="Oval 20">
               <a:extLst>
                 <a:ext uri="{FF2B5EF4-FFF2-40B4-BE49-F238E27FC236}">
-                  <a16:creationId xmlns:a16="http://schemas.microsoft.com/office/drawing/2014/main" xmlns="" id="{7E2BB60D-4FE2-44C7-A1CA-5E2CB99D2C99}"/>
+                  <a16:creationId xmlns="" xmlns:a16="http://schemas.microsoft.com/office/drawing/2014/main" id="{7E2BB60D-4FE2-44C7-A1CA-5E2CB99D2C99}"/>
                 </a:ext>
               </a:extLst>
             </p:cNvPr>
@@ -40182,7 +40182,7 @@
             </a:ln>
             <a:extLst>
               <a:ext uri="{91240B29-F687-4f45-9708-019B960494DF}">
-                <a14:hiddenLine xmlns:a14="http://schemas.microsoft.com/office/drawing/2010/main" xmlns="" w="9525">
+                <a14:hiddenLine xmlns="" xmlns:a14="http://schemas.microsoft.com/office/drawing/2010/main" w="9525">
                   <a:solidFill>
                     <a:srgbClr val="000000"/>
                   </a:solidFill>
@@ -40210,7 +40210,7 @@
             <p:cNvPr id="114" name="Freeform 21">
               <a:extLst>
                 <a:ext uri="{FF2B5EF4-FFF2-40B4-BE49-F238E27FC236}">
-                  <a16:creationId xmlns:a16="http://schemas.microsoft.com/office/drawing/2014/main" xmlns="" id="{2E9F7C8B-11DF-4510-A927-B8821C48F0A1}"/>
+                  <a16:creationId xmlns="" xmlns:a16="http://schemas.microsoft.com/office/drawing/2014/main" id="{2E9F7C8B-11DF-4510-A927-B8821C48F0A1}"/>
                 </a:ext>
               </a:extLst>
             </p:cNvPr>
@@ -40343,7 +40343,7 @@
             </a:ln>
             <a:extLst>
               <a:ext uri="{91240B29-F687-4f45-9708-019B960494DF}">
-                <a14:hiddenLine xmlns:a14="http://schemas.microsoft.com/office/drawing/2010/main" xmlns="" w="9525">
+                <a14:hiddenLine xmlns="" xmlns:a14="http://schemas.microsoft.com/office/drawing/2010/main" w="9525">
                   <a:solidFill>
                     <a:srgbClr val="000000"/>
                   </a:solidFill>
@@ -40371,7 +40371,7 @@
             <p:cNvPr id="115" name="Freeform 22">
               <a:extLst>
                 <a:ext uri="{FF2B5EF4-FFF2-40B4-BE49-F238E27FC236}">
-                  <a16:creationId xmlns:a16="http://schemas.microsoft.com/office/drawing/2014/main" xmlns="" id="{9717B559-4C76-417C-8B67-CA05834FD685}"/>
+                  <a16:creationId xmlns="" xmlns:a16="http://schemas.microsoft.com/office/drawing/2014/main" id="{9717B559-4C76-417C-8B67-CA05834FD685}"/>
                 </a:ext>
               </a:extLst>
             </p:cNvPr>
@@ -40471,7 +40471,7 @@
             </a:ln>
             <a:extLst>
               <a:ext uri="{91240B29-F687-4f45-9708-019B960494DF}">
-                <a14:hiddenLine xmlns:a14="http://schemas.microsoft.com/office/drawing/2010/main" xmlns="" w="9525">
+                <a14:hiddenLine xmlns="" xmlns:a14="http://schemas.microsoft.com/office/drawing/2010/main" w="9525">
                   <a:solidFill>
                     <a:srgbClr val="000000"/>
                   </a:solidFill>
@@ -40499,7 +40499,7 @@
             <p:cNvPr id="116" name="Freeform 23">
               <a:extLst>
                 <a:ext uri="{FF2B5EF4-FFF2-40B4-BE49-F238E27FC236}">
-                  <a16:creationId xmlns:a16="http://schemas.microsoft.com/office/drawing/2014/main" xmlns="" id="{D210A9A1-380F-48BA-9096-E69E5B55B251}"/>
+                  <a16:creationId xmlns="" xmlns:a16="http://schemas.microsoft.com/office/drawing/2014/main" id="{D210A9A1-380F-48BA-9096-E69E5B55B251}"/>
                 </a:ext>
               </a:extLst>
             </p:cNvPr>
@@ -40639,7 +40639,7 @@
             </a:ln>
             <a:extLst>
               <a:ext uri="{91240B29-F687-4f45-9708-019B960494DF}">
-                <a14:hiddenLine xmlns:a14="http://schemas.microsoft.com/office/drawing/2010/main" xmlns="" w="9525">
+                <a14:hiddenLine xmlns="" xmlns:a14="http://schemas.microsoft.com/office/drawing/2010/main" w="9525">
                   <a:solidFill>
                     <a:srgbClr val="000000"/>
                   </a:solidFill>
@@ -40667,7 +40667,7 @@
             <p:cNvPr id="117" name="Freeform 24">
               <a:extLst>
                 <a:ext uri="{FF2B5EF4-FFF2-40B4-BE49-F238E27FC236}">
-                  <a16:creationId xmlns:a16="http://schemas.microsoft.com/office/drawing/2014/main" xmlns="" id="{0309BD22-406B-48EC-A3F4-15DA58665BB9}"/>
+                  <a16:creationId xmlns="" xmlns:a16="http://schemas.microsoft.com/office/drawing/2014/main" id="{0309BD22-406B-48EC-A3F4-15DA58665BB9}"/>
                 </a:ext>
               </a:extLst>
             </p:cNvPr>
@@ -40800,7 +40800,7 @@
             </a:ln>
             <a:extLst>
               <a:ext uri="{91240B29-F687-4f45-9708-019B960494DF}">
-                <a14:hiddenLine xmlns:a14="http://schemas.microsoft.com/office/drawing/2010/main" xmlns="" w="9525">
+                <a14:hiddenLine xmlns="" xmlns:a14="http://schemas.microsoft.com/office/drawing/2010/main" w="9525">
                   <a:solidFill>
                     <a:srgbClr val="000000"/>
                   </a:solidFill>
@@ -40828,7 +40828,7 @@
             <p:cNvPr id="118" name="Freeform 25">
               <a:extLst>
                 <a:ext uri="{FF2B5EF4-FFF2-40B4-BE49-F238E27FC236}">
-                  <a16:creationId xmlns:a16="http://schemas.microsoft.com/office/drawing/2014/main" xmlns="" id="{EDD6AF2F-52E6-49B2-8C2D-3DE2EBCB5336}"/>
+                  <a16:creationId xmlns="" xmlns:a16="http://schemas.microsoft.com/office/drawing/2014/main" id="{EDD6AF2F-52E6-49B2-8C2D-3DE2EBCB5336}"/>
                 </a:ext>
               </a:extLst>
             </p:cNvPr>
@@ -40961,7 +40961,7 @@
             </a:ln>
             <a:extLst>
               <a:ext uri="{91240B29-F687-4f45-9708-019B960494DF}">
-                <a14:hiddenLine xmlns:a14="http://schemas.microsoft.com/office/drawing/2010/main" xmlns="" w="9525">
+                <a14:hiddenLine xmlns="" xmlns:a14="http://schemas.microsoft.com/office/drawing/2010/main" w="9525">
                   <a:solidFill>
                     <a:srgbClr val="000000"/>
                   </a:solidFill>
@@ -40989,7 +40989,7 @@
             <p:cNvPr id="119" name="Oval 26">
               <a:extLst>
                 <a:ext uri="{FF2B5EF4-FFF2-40B4-BE49-F238E27FC236}">
-                  <a16:creationId xmlns:a16="http://schemas.microsoft.com/office/drawing/2014/main" xmlns="" id="{42D1D366-80A4-455A-AFD5-30767FFDB4AB}"/>
+                  <a16:creationId xmlns="" xmlns:a16="http://schemas.microsoft.com/office/drawing/2014/main" id="{42D1D366-80A4-455A-AFD5-30767FFDB4AB}"/>
                 </a:ext>
               </a:extLst>
             </p:cNvPr>
@@ -41014,7 +41014,7 @@
             </a:ln>
             <a:extLst>
               <a:ext uri="{91240B29-F687-4f45-9708-019B960494DF}">
-                <a14:hiddenLine xmlns:a14="http://schemas.microsoft.com/office/drawing/2010/main" xmlns="" w="9525">
+                <a14:hiddenLine xmlns="" xmlns:a14="http://schemas.microsoft.com/office/drawing/2010/main" w="9525">
                   <a:solidFill>
                     <a:srgbClr val="000000"/>
                   </a:solidFill>
@@ -41042,7 +41042,7 @@
             <p:cNvPr id="120" name="Oval 27">
               <a:extLst>
                 <a:ext uri="{FF2B5EF4-FFF2-40B4-BE49-F238E27FC236}">
-                  <a16:creationId xmlns:a16="http://schemas.microsoft.com/office/drawing/2014/main" xmlns="" id="{58CD6F26-48A9-4ACB-A4DD-009EB70D848B}"/>
+                  <a16:creationId xmlns="" xmlns:a16="http://schemas.microsoft.com/office/drawing/2014/main" id="{58CD6F26-48A9-4ACB-A4DD-009EB70D848B}"/>
                 </a:ext>
               </a:extLst>
             </p:cNvPr>
@@ -41067,7 +41067,7 @@
             </a:ln>
             <a:extLst>
               <a:ext uri="{91240B29-F687-4f45-9708-019B960494DF}">
-                <a14:hiddenLine xmlns:a14="http://schemas.microsoft.com/office/drawing/2010/main" xmlns="" w="9525">
+                <a14:hiddenLine xmlns="" xmlns:a14="http://schemas.microsoft.com/office/drawing/2010/main" w="9525">
                   <a:solidFill>
                     <a:srgbClr val="000000"/>
                   </a:solidFill>
@@ -41095,7 +41095,7 @@
             <p:cNvPr id="121" name="Oval 28">
               <a:extLst>
                 <a:ext uri="{FF2B5EF4-FFF2-40B4-BE49-F238E27FC236}">
-                  <a16:creationId xmlns:a16="http://schemas.microsoft.com/office/drawing/2014/main" xmlns="" id="{5BA1C3B9-43F8-400B-AB20-42C4F6246D21}"/>
+                  <a16:creationId xmlns="" xmlns:a16="http://schemas.microsoft.com/office/drawing/2014/main" id="{5BA1C3B9-43F8-400B-AB20-42C4F6246D21}"/>
                 </a:ext>
               </a:extLst>
             </p:cNvPr>
@@ -41120,7 +41120,7 @@
             </a:ln>
             <a:extLst>
               <a:ext uri="{91240B29-F687-4f45-9708-019B960494DF}">
-                <a14:hiddenLine xmlns:a14="http://schemas.microsoft.com/office/drawing/2010/main" xmlns="" w="9525">
+                <a14:hiddenLine xmlns="" xmlns:a14="http://schemas.microsoft.com/office/drawing/2010/main" w="9525">
                   <a:solidFill>
                     <a:srgbClr val="000000"/>
                   </a:solidFill>
@@ -41148,7 +41148,7 @@
             <p:cNvPr id="122" name="Freeform 29">
               <a:extLst>
                 <a:ext uri="{FF2B5EF4-FFF2-40B4-BE49-F238E27FC236}">
-                  <a16:creationId xmlns:a16="http://schemas.microsoft.com/office/drawing/2014/main" xmlns="" id="{9C606B4C-FACA-47CA-A484-442F5D20DA3D}"/>
+                  <a16:creationId xmlns="" xmlns:a16="http://schemas.microsoft.com/office/drawing/2014/main" id="{9C606B4C-FACA-47CA-A484-442F5D20DA3D}"/>
                 </a:ext>
               </a:extLst>
             </p:cNvPr>
@@ -41281,7 +41281,7 @@
             </a:ln>
             <a:extLst>
               <a:ext uri="{91240B29-F687-4f45-9708-019B960494DF}">
-                <a14:hiddenLine xmlns:a14="http://schemas.microsoft.com/office/drawing/2010/main" xmlns="" w="9525">
+                <a14:hiddenLine xmlns="" xmlns:a14="http://schemas.microsoft.com/office/drawing/2010/main" w="9525">
                   <a:solidFill>
                     <a:srgbClr val="000000"/>
                   </a:solidFill>
@@ -41309,7 +41309,7 @@
             <p:cNvPr id="123" name="Freeform 30">
               <a:extLst>
                 <a:ext uri="{FF2B5EF4-FFF2-40B4-BE49-F238E27FC236}">
-                  <a16:creationId xmlns:a16="http://schemas.microsoft.com/office/drawing/2014/main" xmlns="" id="{368F4D98-5D53-4CC8-884F-322DC73ABB4E}"/>
+                  <a16:creationId xmlns="" xmlns:a16="http://schemas.microsoft.com/office/drawing/2014/main" id="{368F4D98-5D53-4CC8-884F-322DC73ABB4E}"/>
                 </a:ext>
               </a:extLst>
             </p:cNvPr>
@@ -41409,7 +41409,7 @@
             </a:ln>
             <a:extLst>
               <a:ext uri="{91240B29-F687-4f45-9708-019B960494DF}">
-                <a14:hiddenLine xmlns:a14="http://schemas.microsoft.com/office/drawing/2010/main" xmlns="" w="9525">
+                <a14:hiddenLine xmlns="" xmlns:a14="http://schemas.microsoft.com/office/drawing/2010/main" w="9525">
                   <a:solidFill>
                     <a:srgbClr val="000000"/>
                   </a:solidFill>
@@ -41437,7 +41437,7 @@
             <p:cNvPr id="124" name="Freeform 31">
               <a:extLst>
                 <a:ext uri="{FF2B5EF4-FFF2-40B4-BE49-F238E27FC236}">
-                  <a16:creationId xmlns:a16="http://schemas.microsoft.com/office/drawing/2014/main" xmlns="" id="{78EAED31-BC3B-4D89-9D61-33A684FA9A59}"/>
+                  <a16:creationId xmlns="" xmlns:a16="http://schemas.microsoft.com/office/drawing/2014/main" id="{78EAED31-BC3B-4D89-9D61-33A684FA9A59}"/>
                 </a:ext>
               </a:extLst>
             </p:cNvPr>
@@ -41577,7 +41577,7 @@
             </a:ln>
             <a:extLst>
               <a:ext uri="{91240B29-F687-4f45-9708-019B960494DF}">
-                <a14:hiddenLine xmlns:a14="http://schemas.microsoft.com/office/drawing/2010/main" xmlns="" w="9525">
+                <a14:hiddenLine xmlns="" xmlns:a14="http://schemas.microsoft.com/office/drawing/2010/main" w="9525">
                   <a:solidFill>
                     <a:srgbClr val="000000"/>
                   </a:solidFill>
@@ -41605,7 +41605,7 @@
             <p:cNvPr id="125" name="Freeform 32">
               <a:extLst>
                 <a:ext uri="{FF2B5EF4-FFF2-40B4-BE49-F238E27FC236}">
-                  <a16:creationId xmlns:a16="http://schemas.microsoft.com/office/drawing/2014/main" xmlns="" id="{EA574E30-256F-4834-A8A3-AF2F6C2F1BAF}"/>
+                  <a16:creationId xmlns="" xmlns:a16="http://schemas.microsoft.com/office/drawing/2014/main" id="{EA574E30-256F-4834-A8A3-AF2F6C2F1BAF}"/>
                 </a:ext>
               </a:extLst>
             </p:cNvPr>
@@ -41673,7 +41673,7 @@
             </a:ln>
             <a:extLst>
               <a:ext uri="{91240B29-F687-4f45-9708-019B960494DF}">
-                <a14:hiddenLine xmlns:a14="http://schemas.microsoft.com/office/drawing/2010/main" xmlns="" w="9525">
+                <a14:hiddenLine xmlns="" xmlns:a14="http://schemas.microsoft.com/office/drawing/2010/main" w="9525">
                   <a:solidFill>
                     <a:srgbClr val="000000"/>
                   </a:solidFill>
@@ -41701,7 +41701,7 @@
             <p:cNvPr id="126" name="Freeform 33">
               <a:extLst>
                 <a:ext uri="{FF2B5EF4-FFF2-40B4-BE49-F238E27FC236}">
-                  <a16:creationId xmlns:a16="http://schemas.microsoft.com/office/drawing/2014/main" xmlns="" id="{DAEC5800-078B-4B5A-899B-EBDCD4E38902}"/>
+                  <a16:creationId xmlns="" xmlns:a16="http://schemas.microsoft.com/office/drawing/2014/main" id="{DAEC5800-078B-4B5A-899B-EBDCD4E38902}"/>
                 </a:ext>
               </a:extLst>
             </p:cNvPr>
@@ -41834,7 +41834,7 @@
             </a:ln>
             <a:extLst>
               <a:ext uri="{91240B29-F687-4f45-9708-019B960494DF}">
-                <a14:hiddenLine xmlns:a14="http://schemas.microsoft.com/office/drawing/2010/main" xmlns="" w="9525">
+                <a14:hiddenLine xmlns="" xmlns:a14="http://schemas.microsoft.com/office/drawing/2010/main" w="9525">
                   <a:solidFill>
                     <a:srgbClr val="000000"/>
                   </a:solidFill>
@@ -41862,7 +41862,7 @@
             <p:cNvPr id="127" name="Freeform 34">
               <a:extLst>
                 <a:ext uri="{FF2B5EF4-FFF2-40B4-BE49-F238E27FC236}">
-                  <a16:creationId xmlns:a16="http://schemas.microsoft.com/office/drawing/2014/main" xmlns="" id="{99903EB2-95F2-4D88-966D-409403F7FB60}"/>
+                  <a16:creationId xmlns="" xmlns:a16="http://schemas.microsoft.com/office/drawing/2014/main" id="{99903EB2-95F2-4D88-966D-409403F7FB60}"/>
                 </a:ext>
               </a:extLst>
             </p:cNvPr>
@@ -41995,7 +41995,7 @@
             </a:ln>
             <a:extLst>
               <a:ext uri="{91240B29-F687-4f45-9708-019B960494DF}">
-                <a14:hiddenLine xmlns:a14="http://schemas.microsoft.com/office/drawing/2010/main" xmlns="" w="9525">
+                <a14:hiddenLine xmlns="" xmlns:a14="http://schemas.microsoft.com/office/drawing/2010/main" w="9525">
                   <a:solidFill>
                     <a:srgbClr val="000000"/>
                   </a:solidFill>
@@ -42023,7 +42023,7 @@
             <p:cNvPr id="128" name="Oval 35">
               <a:extLst>
                 <a:ext uri="{FF2B5EF4-FFF2-40B4-BE49-F238E27FC236}">
-                  <a16:creationId xmlns:a16="http://schemas.microsoft.com/office/drawing/2014/main" xmlns="" id="{B00D8698-D15F-4E1F-9910-435CFACCB8B9}"/>
+                  <a16:creationId xmlns="" xmlns:a16="http://schemas.microsoft.com/office/drawing/2014/main" id="{B00D8698-D15F-4E1F-9910-435CFACCB8B9}"/>
                 </a:ext>
               </a:extLst>
             </p:cNvPr>
@@ -42048,7 +42048,7 @@
             </a:ln>
             <a:extLst>
               <a:ext uri="{91240B29-F687-4f45-9708-019B960494DF}">
-                <a14:hiddenLine xmlns:a14="http://schemas.microsoft.com/office/drawing/2010/main" xmlns="" w="9525">
+                <a14:hiddenLine xmlns="" xmlns:a14="http://schemas.microsoft.com/office/drawing/2010/main" w="9525">
                   <a:solidFill>
                     <a:srgbClr val="000000"/>
                   </a:solidFill>
@@ -42076,7 +42076,7 @@
             <p:cNvPr id="129" name="Oval 36">
               <a:extLst>
                 <a:ext uri="{FF2B5EF4-FFF2-40B4-BE49-F238E27FC236}">
-                  <a16:creationId xmlns:a16="http://schemas.microsoft.com/office/drawing/2014/main" xmlns="" id="{8455F9BE-78B9-4A3F-BE2D-4943AC6A2A58}"/>
+                  <a16:creationId xmlns="" xmlns:a16="http://schemas.microsoft.com/office/drawing/2014/main" id="{8455F9BE-78B9-4A3F-BE2D-4943AC6A2A58}"/>
                 </a:ext>
               </a:extLst>
             </p:cNvPr>
@@ -42101,7 +42101,7 @@
             </a:ln>
             <a:extLst>
               <a:ext uri="{91240B29-F687-4f45-9708-019B960494DF}">
-                <a14:hiddenLine xmlns:a14="http://schemas.microsoft.com/office/drawing/2010/main" xmlns="" w="9525">
+                <a14:hiddenLine xmlns="" xmlns:a14="http://schemas.microsoft.com/office/drawing/2010/main" w="9525">
                   <a:solidFill>
                     <a:srgbClr val="000000"/>
                   </a:solidFill>
@@ -42129,7 +42129,7 @@
             <p:cNvPr id="130" name="Oval 37">
               <a:extLst>
                 <a:ext uri="{FF2B5EF4-FFF2-40B4-BE49-F238E27FC236}">
-                  <a16:creationId xmlns:a16="http://schemas.microsoft.com/office/drawing/2014/main" xmlns="" id="{C0D78963-3309-4E00-B5D3-52DF5AD1F05B}"/>
+                  <a16:creationId xmlns="" xmlns:a16="http://schemas.microsoft.com/office/drawing/2014/main" id="{C0D78963-3309-4E00-B5D3-52DF5AD1F05B}"/>
                 </a:ext>
               </a:extLst>
             </p:cNvPr>
@@ -42154,7 +42154,7 @@
             </a:ln>
             <a:extLst>
               <a:ext uri="{91240B29-F687-4f45-9708-019B960494DF}">
-                <a14:hiddenLine xmlns:a14="http://schemas.microsoft.com/office/drawing/2010/main" xmlns="" w="9525">
+                <a14:hiddenLine xmlns="" xmlns:a14="http://schemas.microsoft.com/office/drawing/2010/main" w="9525">
                   <a:solidFill>
                     <a:srgbClr val="000000"/>
                   </a:solidFill>
@@ -42182,7 +42182,7 @@
             <p:cNvPr id="131" name="Freeform 38">
               <a:extLst>
                 <a:ext uri="{FF2B5EF4-FFF2-40B4-BE49-F238E27FC236}">
-                  <a16:creationId xmlns:a16="http://schemas.microsoft.com/office/drawing/2014/main" xmlns="" id="{96C6E10A-224B-4DE0-94E6-CD7024901BFF}"/>
+                  <a16:creationId xmlns="" xmlns:a16="http://schemas.microsoft.com/office/drawing/2014/main" id="{96C6E10A-224B-4DE0-94E6-CD7024901BFF}"/>
                 </a:ext>
               </a:extLst>
             </p:cNvPr>
@@ -42315,7 +42315,7 @@
             </a:ln>
             <a:extLst>
               <a:ext uri="{91240B29-F687-4f45-9708-019B960494DF}">
-                <a14:hiddenLine xmlns:a14="http://schemas.microsoft.com/office/drawing/2010/main" xmlns="" w="9525">
+                <a14:hiddenLine xmlns="" xmlns:a14="http://schemas.microsoft.com/office/drawing/2010/main" w="9525">
                   <a:solidFill>
                     <a:srgbClr val="000000"/>
                   </a:solidFill>
@@ -42343,7 +42343,7 @@
             <p:cNvPr id="132" name="Freeform 39">
               <a:extLst>
                 <a:ext uri="{FF2B5EF4-FFF2-40B4-BE49-F238E27FC236}">
-                  <a16:creationId xmlns:a16="http://schemas.microsoft.com/office/drawing/2014/main" xmlns="" id="{4E6BF5ED-9142-483D-AB42-7842509217FF}"/>
+                  <a16:creationId xmlns="" xmlns:a16="http://schemas.microsoft.com/office/drawing/2014/main" id="{4E6BF5ED-9142-483D-AB42-7842509217FF}"/>
                 </a:ext>
               </a:extLst>
             </p:cNvPr>
@@ -42443,7 +42443,7 @@
             </a:ln>
             <a:extLst>
               <a:ext uri="{91240B29-F687-4f45-9708-019B960494DF}">
-                <a14:hiddenLine xmlns:a14="http://schemas.microsoft.com/office/drawing/2010/main" xmlns="" w="9525">
+                <a14:hiddenLine xmlns="" xmlns:a14="http://schemas.microsoft.com/office/drawing/2010/main" w="9525">
                   <a:solidFill>
                     <a:srgbClr val="000000"/>
                   </a:solidFill>
@@ -42471,7 +42471,7 @@
             <p:cNvPr id="133" name="Freeform 40">
               <a:extLst>
                 <a:ext uri="{FF2B5EF4-FFF2-40B4-BE49-F238E27FC236}">
-                  <a16:creationId xmlns:a16="http://schemas.microsoft.com/office/drawing/2014/main" xmlns="" id="{0731EC8C-D176-4188-9189-13F454DBAAC3}"/>
+                  <a16:creationId xmlns="" xmlns:a16="http://schemas.microsoft.com/office/drawing/2014/main" id="{0731EC8C-D176-4188-9189-13F454DBAAC3}"/>
                 </a:ext>
               </a:extLst>
             </p:cNvPr>
@@ -42611,7 +42611,7 @@
             </a:ln>
             <a:extLst>
               <a:ext uri="{91240B29-F687-4f45-9708-019B960494DF}">
-                <a14:hiddenLine xmlns:a14="http://schemas.microsoft.com/office/drawing/2010/main" xmlns="" w="9525">
+                <a14:hiddenLine xmlns="" xmlns:a14="http://schemas.microsoft.com/office/drawing/2010/main" w="9525">
                   <a:solidFill>
                     <a:srgbClr val="000000"/>
                   </a:solidFill>
@@ -42639,7 +42639,7 @@
             <p:cNvPr id="134" name="Freeform 41">
               <a:extLst>
                 <a:ext uri="{FF2B5EF4-FFF2-40B4-BE49-F238E27FC236}">
-                  <a16:creationId xmlns:a16="http://schemas.microsoft.com/office/drawing/2014/main" xmlns="" id="{4D180682-EE63-4770-ACD4-8411A7A5EC5B}"/>
+                  <a16:creationId xmlns="" xmlns:a16="http://schemas.microsoft.com/office/drawing/2014/main" id="{4D180682-EE63-4770-ACD4-8411A7A5EC5B}"/>
                 </a:ext>
               </a:extLst>
             </p:cNvPr>
@@ -42707,7 +42707,7 @@
             </a:ln>
             <a:extLst>
               <a:ext uri="{91240B29-F687-4f45-9708-019B960494DF}">
-                <a14:hiddenLine xmlns:a14="http://schemas.microsoft.com/office/drawing/2010/main" xmlns="" w="9525">
+                <a14:hiddenLine xmlns="" xmlns:a14="http://schemas.microsoft.com/office/drawing/2010/main" w="9525">
                   <a:solidFill>
                     <a:srgbClr val="000000"/>
                   </a:solidFill>
@@ -42735,7 +42735,7 @@
             <p:cNvPr id="135" name="Freeform 42">
               <a:extLst>
                 <a:ext uri="{FF2B5EF4-FFF2-40B4-BE49-F238E27FC236}">
-                  <a16:creationId xmlns:a16="http://schemas.microsoft.com/office/drawing/2014/main" xmlns="" id="{E205618F-109E-4DFB-BFC7-E8EF51E93BAF}"/>
+                  <a16:creationId xmlns="" xmlns:a16="http://schemas.microsoft.com/office/drawing/2014/main" id="{E205618F-109E-4DFB-BFC7-E8EF51E93BAF}"/>
                 </a:ext>
               </a:extLst>
             </p:cNvPr>
@@ -42868,7 +42868,7 @@
             </a:ln>
             <a:extLst>
               <a:ext uri="{91240B29-F687-4f45-9708-019B960494DF}">
-                <a14:hiddenLine xmlns:a14="http://schemas.microsoft.com/office/drawing/2010/main" xmlns="" w="9525">
+                <a14:hiddenLine xmlns="" xmlns:a14="http://schemas.microsoft.com/office/drawing/2010/main" w="9525">
                   <a:solidFill>
                     <a:srgbClr val="000000"/>
                   </a:solidFill>
@@ -42896,7 +42896,7 @@
             <p:cNvPr id="136" name="Freeform 43">
               <a:extLst>
                 <a:ext uri="{FF2B5EF4-FFF2-40B4-BE49-F238E27FC236}">
-                  <a16:creationId xmlns:a16="http://schemas.microsoft.com/office/drawing/2014/main" xmlns="" id="{783BF473-1587-407C-97AD-7D95AFEA9731}"/>
+                  <a16:creationId xmlns="" xmlns:a16="http://schemas.microsoft.com/office/drawing/2014/main" id="{783BF473-1587-407C-97AD-7D95AFEA9731}"/>
                 </a:ext>
               </a:extLst>
             </p:cNvPr>
@@ -43029,7 +43029,7 @@
             </a:ln>
             <a:extLst>
               <a:ext uri="{91240B29-F687-4f45-9708-019B960494DF}">
-                <a14:hiddenLine xmlns:a14="http://schemas.microsoft.com/office/drawing/2010/main" xmlns="" w="9525">
+                <a14:hiddenLine xmlns="" xmlns:a14="http://schemas.microsoft.com/office/drawing/2010/main" w="9525">
                   <a:solidFill>
                     <a:srgbClr val="000000"/>
                   </a:solidFill>
@@ -43057,7 +43057,7 @@
             <p:cNvPr id="137" name="Oval 44">
               <a:extLst>
                 <a:ext uri="{FF2B5EF4-FFF2-40B4-BE49-F238E27FC236}">
-                  <a16:creationId xmlns:a16="http://schemas.microsoft.com/office/drawing/2014/main" xmlns="" id="{5EDEF497-86AC-4037-A5C2-A434EB70AE15}"/>
+                  <a16:creationId xmlns="" xmlns:a16="http://schemas.microsoft.com/office/drawing/2014/main" id="{5EDEF497-86AC-4037-A5C2-A434EB70AE15}"/>
                 </a:ext>
               </a:extLst>
             </p:cNvPr>
@@ -43082,7 +43082,7 @@
             </a:ln>
             <a:extLst>
               <a:ext uri="{91240B29-F687-4f45-9708-019B960494DF}">
-                <a14:hiddenLine xmlns:a14="http://schemas.microsoft.com/office/drawing/2010/main" xmlns="" w="9525">
+                <a14:hiddenLine xmlns="" xmlns:a14="http://schemas.microsoft.com/office/drawing/2010/main" w="9525">
                   <a:solidFill>
                     <a:srgbClr val="000000"/>
                   </a:solidFill>
@@ -43110,7 +43110,7 @@
             <p:cNvPr id="138" name="Oval 45">
               <a:extLst>
                 <a:ext uri="{FF2B5EF4-FFF2-40B4-BE49-F238E27FC236}">
-                  <a16:creationId xmlns:a16="http://schemas.microsoft.com/office/drawing/2014/main" xmlns="" id="{2C37896B-CCFA-4B58-BEF2-E62CB4DF4944}"/>
+                  <a16:creationId xmlns="" xmlns:a16="http://schemas.microsoft.com/office/drawing/2014/main" id="{2C37896B-CCFA-4B58-BEF2-E62CB4DF4944}"/>
                 </a:ext>
               </a:extLst>
             </p:cNvPr>
@@ -43135,7 +43135,7 @@
             </a:ln>
             <a:extLst>
               <a:ext uri="{91240B29-F687-4f45-9708-019B960494DF}">
-                <a14:hiddenLine xmlns:a14="http://schemas.microsoft.com/office/drawing/2010/main" xmlns="" w="9525">
+                <a14:hiddenLine xmlns="" xmlns:a14="http://schemas.microsoft.com/office/drawing/2010/main" w="9525">
                   <a:solidFill>
                     <a:srgbClr val="000000"/>
                   </a:solidFill>
@@ -43163,7 +43163,7 @@
             <p:cNvPr id="139" name="Oval 46">
               <a:extLst>
                 <a:ext uri="{FF2B5EF4-FFF2-40B4-BE49-F238E27FC236}">
-                  <a16:creationId xmlns:a16="http://schemas.microsoft.com/office/drawing/2014/main" xmlns="" id="{39C660CB-55C5-47A1-9D6A-07C0A04063EC}"/>
+                  <a16:creationId xmlns="" xmlns:a16="http://schemas.microsoft.com/office/drawing/2014/main" id="{39C660CB-55C5-47A1-9D6A-07C0A04063EC}"/>
                 </a:ext>
               </a:extLst>
             </p:cNvPr>
@@ -43188,7 +43188,7 @@
             </a:ln>
             <a:extLst>
               <a:ext uri="{91240B29-F687-4f45-9708-019B960494DF}">
-                <a14:hiddenLine xmlns:a14="http://schemas.microsoft.com/office/drawing/2010/main" xmlns="" w="9525">
+                <a14:hiddenLine xmlns="" xmlns:a14="http://schemas.microsoft.com/office/drawing/2010/main" w="9525">
                   <a:solidFill>
                     <a:srgbClr val="000000"/>
                   </a:solidFill>
@@ -43216,7 +43216,7 @@
             <p:cNvPr id="140" name="Freeform 47">
               <a:extLst>
                 <a:ext uri="{FF2B5EF4-FFF2-40B4-BE49-F238E27FC236}">
-                  <a16:creationId xmlns:a16="http://schemas.microsoft.com/office/drawing/2014/main" xmlns="" id="{BB0F3AB4-A632-4971-BB56-E612AE124481}"/>
+                  <a16:creationId xmlns="" xmlns:a16="http://schemas.microsoft.com/office/drawing/2014/main" id="{BB0F3AB4-A632-4971-BB56-E612AE124481}"/>
                 </a:ext>
               </a:extLst>
             </p:cNvPr>
@@ -43349,7 +43349,7 @@
             </a:ln>
             <a:extLst>
               <a:ext uri="{91240B29-F687-4f45-9708-019B960494DF}">
-                <a14:hiddenLine xmlns:a14="http://schemas.microsoft.com/office/drawing/2010/main" xmlns="" w="9525">
+                <a14:hiddenLine xmlns="" xmlns:a14="http://schemas.microsoft.com/office/drawing/2010/main" w="9525">
                   <a:solidFill>
                     <a:srgbClr val="000000"/>
                   </a:solidFill>
@@ -43377,7 +43377,7 @@
             <p:cNvPr id="141" name="Freeform 48">
               <a:extLst>
                 <a:ext uri="{FF2B5EF4-FFF2-40B4-BE49-F238E27FC236}">
-                  <a16:creationId xmlns:a16="http://schemas.microsoft.com/office/drawing/2014/main" xmlns="" id="{FB3F416F-A185-4D99-A45E-AD7233B5C538}"/>
+                  <a16:creationId xmlns="" xmlns:a16="http://schemas.microsoft.com/office/drawing/2014/main" id="{FB3F416F-A185-4D99-A45E-AD7233B5C538}"/>
                 </a:ext>
               </a:extLst>
             </p:cNvPr>
@@ -43477,7 +43477,7 @@
             </a:ln>
             <a:extLst>
               <a:ext uri="{91240B29-F687-4f45-9708-019B960494DF}">
-                <a14:hiddenLine xmlns:a14="http://schemas.microsoft.com/office/drawing/2010/main" xmlns="" w="9525">
+                <a14:hiddenLine xmlns="" xmlns:a14="http://schemas.microsoft.com/office/drawing/2010/main" w="9525">
                   <a:solidFill>
                     <a:srgbClr val="000000"/>
                   </a:solidFill>
@@ -43505,7 +43505,7 @@
             <p:cNvPr id="142" name="Freeform 49">
               <a:extLst>
                 <a:ext uri="{FF2B5EF4-FFF2-40B4-BE49-F238E27FC236}">
-                  <a16:creationId xmlns:a16="http://schemas.microsoft.com/office/drawing/2014/main" xmlns="" id="{648BBC84-1B40-4D3A-84BD-5D35EB665A44}"/>
+                  <a16:creationId xmlns="" xmlns:a16="http://schemas.microsoft.com/office/drawing/2014/main" id="{648BBC84-1B40-4D3A-84BD-5D35EB665A44}"/>
                 </a:ext>
               </a:extLst>
             </p:cNvPr>
@@ -43645,7 +43645,7 @@
             </a:ln>
             <a:extLst>
               <a:ext uri="{91240B29-F687-4f45-9708-019B960494DF}">
-                <a14:hiddenLine xmlns:a14="http://schemas.microsoft.com/office/drawing/2010/main" xmlns="" w="9525">
+                <a14:hiddenLine xmlns="" xmlns:a14="http://schemas.microsoft.com/office/drawing/2010/main" w="9525">
                   <a:solidFill>
                     <a:srgbClr val="000000"/>
                   </a:solidFill>
@@ -43673,7 +43673,7 @@
             <p:cNvPr id="143" name="Freeform 50">
               <a:extLst>
                 <a:ext uri="{FF2B5EF4-FFF2-40B4-BE49-F238E27FC236}">
-                  <a16:creationId xmlns:a16="http://schemas.microsoft.com/office/drawing/2014/main" xmlns="" id="{AF386A8A-8D40-4BD6-AEBB-D0F41FD2AF10}"/>
+                  <a16:creationId xmlns="" xmlns:a16="http://schemas.microsoft.com/office/drawing/2014/main" id="{AF386A8A-8D40-4BD6-AEBB-D0F41FD2AF10}"/>
                 </a:ext>
               </a:extLst>
             </p:cNvPr>
@@ -43741,7 +43741,7 @@
             </a:ln>
             <a:extLst>
               <a:ext uri="{91240B29-F687-4f45-9708-019B960494DF}">
-                <a14:hiddenLine xmlns:a14="http://schemas.microsoft.com/office/drawing/2010/main" xmlns="" w="9525">
+                <a14:hiddenLine xmlns="" xmlns:a14="http://schemas.microsoft.com/office/drawing/2010/main" w="9525">
                   <a:solidFill>
                     <a:srgbClr val="000000"/>
                   </a:solidFill>
@@ -43769,7 +43769,7 @@
             <p:cNvPr id="144" name="Freeform 51">
               <a:extLst>
                 <a:ext uri="{FF2B5EF4-FFF2-40B4-BE49-F238E27FC236}">
-                  <a16:creationId xmlns:a16="http://schemas.microsoft.com/office/drawing/2014/main" xmlns="" id="{151A85D9-6B3C-4388-97A7-64E59D9122C6}"/>
+                  <a16:creationId xmlns="" xmlns:a16="http://schemas.microsoft.com/office/drawing/2014/main" id="{151A85D9-6B3C-4388-97A7-64E59D9122C6}"/>
                 </a:ext>
               </a:extLst>
             </p:cNvPr>
@@ -43902,7 +43902,7 @@
             </a:ln>
             <a:extLst>
               <a:ext uri="{91240B29-F687-4f45-9708-019B960494DF}">
-                <a14:hiddenLine xmlns:a14="http://schemas.microsoft.com/office/drawing/2010/main" xmlns="" w="9525">
+                <a14:hiddenLine xmlns="" xmlns:a14="http://schemas.microsoft.com/office/drawing/2010/main" w="9525">
                   <a:solidFill>
                     <a:srgbClr val="000000"/>
                   </a:solidFill>
@@ -43930,7 +43930,7 @@
             <p:cNvPr id="145" name="Freeform 52">
               <a:extLst>
                 <a:ext uri="{FF2B5EF4-FFF2-40B4-BE49-F238E27FC236}">
-                  <a16:creationId xmlns:a16="http://schemas.microsoft.com/office/drawing/2014/main" xmlns="" id="{49BC3C17-7710-494D-B5DA-75BF6C35338B}"/>
+                  <a16:creationId xmlns="" xmlns:a16="http://schemas.microsoft.com/office/drawing/2014/main" id="{49BC3C17-7710-494D-B5DA-75BF6C35338B}"/>
                 </a:ext>
               </a:extLst>
             </p:cNvPr>
@@ -44063,7 +44063,7 @@
             </a:ln>
             <a:extLst>
               <a:ext uri="{91240B29-F687-4f45-9708-019B960494DF}">
-                <a14:hiddenLine xmlns:a14="http://schemas.microsoft.com/office/drawing/2010/main" xmlns="" w="9525">
+                <a14:hiddenLine xmlns="" xmlns:a14="http://schemas.microsoft.com/office/drawing/2010/main" w="9525">
                   <a:solidFill>
                     <a:srgbClr val="000000"/>
                   </a:solidFill>
@@ -44091,7 +44091,7 @@
             <p:cNvPr id="146" name="Oval 53">
               <a:extLst>
                 <a:ext uri="{FF2B5EF4-FFF2-40B4-BE49-F238E27FC236}">
-                  <a16:creationId xmlns:a16="http://schemas.microsoft.com/office/drawing/2014/main" xmlns="" id="{305EEBA0-EE42-4424-B2C1-E94C09090EB0}"/>
+                  <a16:creationId xmlns="" xmlns:a16="http://schemas.microsoft.com/office/drawing/2014/main" id="{305EEBA0-EE42-4424-B2C1-E94C09090EB0}"/>
                 </a:ext>
               </a:extLst>
             </p:cNvPr>
@@ -44116,7 +44116,7 @@
             </a:ln>
             <a:extLst>
               <a:ext uri="{91240B29-F687-4f45-9708-019B960494DF}">
-                <a14:hiddenLine xmlns:a14="http://schemas.microsoft.com/office/drawing/2010/main" xmlns="" w="9525">
+                <a14:hiddenLine xmlns="" xmlns:a14="http://schemas.microsoft.com/office/drawing/2010/main" w="9525">
                   <a:solidFill>
                     <a:srgbClr val="000000"/>
                   </a:solidFill>
@@ -44144,7 +44144,7 @@
             <p:cNvPr id="147" name="Freeform 59">
               <a:extLst>
                 <a:ext uri="{FF2B5EF4-FFF2-40B4-BE49-F238E27FC236}">
-                  <a16:creationId xmlns:a16="http://schemas.microsoft.com/office/drawing/2014/main" xmlns="" id="{F26E6CEF-CF20-42C4-B085-CFEF1B0AC830}"/>
+                  <a16:creationId xmlns="" xmlns:a16="http://schemas.microsoft.com/office/drawing/2014/main" id="{F26E6CEF-CF20-42C4-B085-CFEF1B0AC830}"/>
                 </a:ext>
               </a:extLst>
             </p:cNvPr>
@@ -44212,7 +44212,7 @@
             </a:ln>
             <a:extLst>
               <a:ext uri="{91240B29-F687-4f45-9708-019B960494DF}">
-                <a14:hiddenLine xmlns:a14="http://schemas.microsoft.com/office/drawing/2010/main" xmlns="" w="9525">
+                <a14:hiddenLine xmlns="" xmlns:a14="http://schemas.microsoft.com/office/drawing/2010/main" w="9525">
                   <a:solidFill>
                     <a:srgbClr val="000000"/>
                   </a:solidFill>
@@ -44240,7 +44240,7 @@
             <p:cNvPr id="151" name="Oval 36">
               <a:extLst>
                 <a:ext uri="{FF2B5EF4-FFF2-40B4-BE49-F238E27FC236}">
-                  <a16:creationId xmlns:a16="http://schemas.microsoft.com/office/drawing/2014/main" xmlns="" id="{5F5C8A6E-BB1E-4D37-A533-3EFC7B3C6A70}"/>
+                  <a16:creationId xmlns="" xmlns:a16="http://schemas.microsoft.com/office/drawing/2014/main" id="{5F5C8A6E-BB1E-4D37-A533-3EFC7B3C6A70}"/>
                 </a:ext>
               </a:extLst>
             </p:cNvPr>
@@ -44265,7 +44265,7 @@
             </a:ln>
             <a:extLst>
               <a:ext uri="{91240B29-F687-4f45-9708-019B960494DF}">
-                <a14:hiddenLine xmlns:a14="http://schemas.microsoft.com/office/drawing/2010/main" xmlns="" w="9525">
+                <a14:hiddenLine xmlns="" xmlns:a14="http://schemas.microsoft.com/office/drawing/2010/main" w="9525">
                   <a:solidFill>
                     <a:srgbClr val="000000"/>
                   </a:solidFill>
@@ -44293,7 +44293,7 @@
             <p:cNvPr id="152" name="Oval 37">
               <a:extLst>
                 <a:ext uri="{FF2B5EF4-FFF2-40B4-BE49-F238E27FC236}">
-                  <a16:creationId xmlns:a16="http://schemas.microsoft.com/office/drawing/2014/main" xmlns="" id="{88E90A9F-6F4D-462D-86BC-8382A4DA0378}"/>
+                  <a16:creationId xmlns="" xmlns:a16="http://schemas.microsoft.com/office/drawing/2014/main" id="{88E90A9F-6F4D-462D-86BC-8382A4DA0378}"/>
                 </a:ext>
               </a:extLst>
             </p:cNvPr>
@@ -44318,7 +44318,7 @@
             </a:ln>
             <a:extLst>
               <a:ext uri="{91240B29-F687-4f45-9708-019B960494DF}">
-                <a14:hiddenLine xmlns:a14="http://schemas.microsoft.com/office/drawing/2010/main" xmlns="" w="9525">
+                <a14:hiddenLine xmlns="" xmlns:a14="http://schemas.microsoft.com/office/drawing/2010/main" w="9525">
                   <a:solidFill>
                     <a:srgbClr val="000000"/>
                   </a:solidFill>
@@ -44346,7 +44346,7 @@
             <p:cNvPr id="153" name="Freeform 38">
               <a:extLst>
                 <a:ext uri="{FF2B5EF4-FFF2-40B4-BE49-F238E27FC236}">
-                  <a16:creationId xmlns:a16="http://schemas.microsoft.com/office/drawing/2014/main" xmlns="" id="{5D59DD40-AFFE-482A-BB61-5EF2CC9AD35E}"/>
+                  <a16:creationId xmlns="" xmlns:a16="http://schemas.microsoft.com/office/drawing/2014/main" id="{5D59DD40-AFFE-482A-BB61-5EF2CC9AD35E}"/>
                 </a:ext>
               </a:extLst>
             </p:cNvPr>
@@ -44479,7 +44479,7 @@
             </a:ln>
             <a:extLst>
               <a:ext uri="{91240B29-F687-4f45-9708-019B960494DF}">
-                <a14:hiddenLine xmlns:a14="http://schemas.microsoft.com/office/drawing/2010/main" xmlns="" w="9525">
+                <a14:hiddenLine xmlns="" xmlns:a14="http://schemas.microsoft.com/office/drawing/2010/main" w="9525">
                   <a:solidFill>
                     <a:srgbClr val="000000"/>
                   </a:solidFill>
@@ -44507,7 +44507,7 @@
             <p:cNvPr id="154" name="Freeform 39">
               <a:extLst>
                 <a:ext uri="{FF2B5EF4-FFF2-40B4-BE49-F238E27FC236}">
-                  <a16:creationId xmlns:a16="http://schemas.microsoft.com/office/drawing/2014/main" xmlns="" id="{B34B8ECB-D2E3-4F50-926C-48DEF2A5E5CE}"/>
+                  <a16:creationId xmlns="" xmlns:a16="http://schemas.microsoft.com/office/drawing/2014/main" id="{B34B8ECB-D2E3-4F50-926C-48DEF2A5E5CE}"/>
                 </a:ext>
               </a:extLst>
             </p:cNvPr>
@@ -44607,7 +44607,7 @@
             </a:ln>
             <a:extLst>
               <a:ext uri="{91240B29-F687-4f45-9708-019B960494DF}">
-                <a14:hiddenLine xmlns:a14="http://schemas.microsoft.com/office/drawing/2010/main" xmlns="" w="9525">
+                <a14:hiddenLine xmlns="" xmlns:a14="http://schemas.microsoft.com/office/drawing/2010/main" w="9525">
                   <a:solidFill>
                     <a:srgbClr val="000000"/>
                   </a:solidFill>
@@ -44635,7 +44635,7 @@
             <p:cNvPr id="163" name="Freeform 40">
               <a:extLst>
                 <a:ext uri="{FF2B5EF4-FFF2-40B4-BE49-F238E27FC236}">
-                  <a16:creationId xmlns:a16="http://schemas.microsoft.com/office/drawing/2014/main" xmlns="" id="{58B03A25-B491-42E6-BA1D-40A05E30F36F}"/>
+                  <a16:creationId xmlns="" xmlns:a16="http://schemas.microsoft.com/office/drawing/2014/main" id="{58B03A25-B491-42E6-BA1D-40A05E30F36F}"/>
                 </a:ext>
               </a:extLst>
             </p:cNvPr>
@@ -44775,7 +44775,7 @@
             </a:ln>
             <a:extLst>
               <a:ext uri="{91240B29-F687-4f45-9708-019B960494DF}">
-                <a14:hiddenLine xmlns:a14="http://schemas.microsoft.com/office/drawing/2010/main" xmlns="" w="9525">
+                <a14:hiddenLine xmlns="" xmlns:a14="http://schemas.microsoft.com/office/drawing/2010/main" w="9525">
                   <a:solidFill>
                     <a:srgbClr val="000000"/>
                   </a:solidFill>
@@ -44803,7 +44803,7 @@
             <p:cNvPr id="200" name="Freeform 42">
               <a:extLst>
                 <a:ext uri="{FF2B5EF4-FFF2-40B4-BE49-F238E27FC236}">
-                  <a16:creationId xmlns:a16="http://schemas.microsoft.com/office/drawing/2014/main" xmlns="" id="{432C876C-BC69-4E3D-BAC1-40EA2B4F933F}"/>
+                  <a16:creationId xmlns="" xmlns:a16="http://schemas.microsoft.com/office/drawing/2014/main" id="{432C876C-BC69-4E3D-BAC1-40EA2B4F933F}"/>
                 </a:ext>
               </a:extLst>
             </p:cNvPr>
@@ -44936,7 +44936,7 @@
             </a:ln>
             <a:extLst>
               <a:ext uri="{91240B29-F687-4f45-9708-019B960494DF}">
-                <a14:hiddenLine xmlns:a14="http://schemas.microsoft.com/office/drawing/2010/main" xmlns="" w="9525">
+                <a14:hiddenLine xmlns="" xmlns:a14="http://schemas.microsoft.com/office/drawing/2010/main" w="9525">
                   <a:solidFill>
                     <a:srgbClr val="000000"/>
                   </a:solidFill>
@@ -44964,7 +44964,7 @@
             <p:cNvPr id="201" name="Freeform 43">
               <a:extLst>
                 <a:ext uri="{FF2B5EF4-FFF2-40B4-BE49-F238E27FC236}">
-                  <a16:creationId xmlns:a16="http://schemas.microsoft.com/office/drawing/2014/main" xmlns="" id="{C60AFD9A-26CA-4278-ADFF-2BB88316C8A5}"/>
+                  <a16:creationId xmlns="" xmlns:a16="http://schemas.microsoft.com/office/drawing/2014/main" id="{C60AFD9A-26CA-4278-ADFF-2BB88316C8A5}"/>
                 </a:ext>
               </a:extLst>
             </p:cNvPr>
@@ -45097,7 +45097,7 @@
             </a:ln>
             <a:extLst>
               <a:ext uri="{91240B29-F687-4f45-9708-019B960494DF}">
-                <a14:hiddenLine xmlns:a14="http://schemas.microsoft.com/office/drawing/2010/main" xmlns="" w="9525">
+                <a14:hiddenLine xmlns="" xmlns:a14="http://schemas.microsoft.com/office/drawing/2010/main" w="9525">
                   <a:solidFill>
                     <a:srgbClr val="000000"/>
                   </a:solidFill>
@@ -45125,7 +45125,7 @@
             <p:cNvPr id="202" name="Oval 44">
               <a:extLst>
                 <a:ext uri="{FF2B5EF4-FFF2-40B4-BE49-F238E27FC236}">
-                  <a16:creationId xmlns:a16="http://schemas.microsoft.com/office/drawing/2014/main" xmlns="" id="{854F8A9A-64C9-4263-B57E-6B445EF5EFB0}"/>
+                  <a16:creationId xmlns="" xmlns:a16="http://schemas.microsoft.com/office/drawing/2014/main" id="{854F8A9A-64C9-4263-B57E-6B445EF5EFB0}"/>
                 </a:ext>
               </a:extLst>
             </p:cNvPr>
@@ -45150,7 +45150,7 @@
             </a:ln>
             <a:extLst>
               <a:ext uri="{91240B29-F687-4f45-9708-019B960494DF}">
-                <a14:hiddenLine xmlns:a14="http://schemas.microsoft.com/office/drawing/2010/main" xmlns="" w="9525">
+                <a14:hiddenLine xmlns="" xmlns:a14="http://schemas.microsoft.com/office/drawing/2010/main" w="9525">
                   <a:solidFill>
                     <a:srgbClr val="000000"/>
                   </a:solidFill>
@@ -45178,7 +45178,7 @@
             <p:cNvPr id="203" name="Oval 45">
               <a:extLst>
                 <a:ext uri="{FF2B5EF4-FFF2-40B4-BE49-F238E27FC236}">
-                  <a16:creationId xmlns:a16="http://schemas.microsoft.com/office/drawing/2014/main" xmlns="" id="{58BF5344-E839-4CDD-9300-F50CF8399315}"/>
+                  <a16:creationId xmlns="" xmlns:a16="http://schemas.microsoft.com/office/drawing/2014/main" id="{58BF5344-E839-4CDD-9300-F50CF8399315}"/>
                 </a:ext>
               </a:extLst>
             </p:cNvPr>
@@ -45203,7 +45203,7 @@
             </a:ln>
             <a:extLst>
               <a:ext uri="{91240B29-F687-4f45-9708-019B960494DF}">
-                <a14:hiddenLine xmlns:a14="http://schemas.microsoft.com/office/drawing/2010/main" xmlns="" w="9525">
+                <a14:hiddenLine xmlns="" xmlns:a14="http://schemas.microsoft.com/office/drawing/2010/main" w="9525">
                   <a:solidFill>
                     <a:srgbClr val="000000"/>
                   </a:solidFill>
@@ -45231,7 +45231,7 @@
             <p:cNvPr id="204" name="Oval 46">
               <a:extLst>
                 <a:ext uri="{FF2B5EF4-FFF2-40B4-BE49-F238E27FC236}">
-                  <a16:creationId xmlns:a16="http://schemas.microsoft.com/office/drawing/2014/main" xmlns="" id="{B7646D9D-5883-4DD4-940C-FDFB7FD76A22}"/>
+                  <a16:creationId xmlns="" xmlns:a16="http://schemas.microsoft.com/office/drawing/2014/main" id="{B7646D9D-5883-4DD4-940C-FDFB7FD76A22}"/>
                 </a:ext>
               </a:extLst>
             </p:cNvPr>
@@ -45256,7 +45256,7 @@
             </a:ln>
             <a:extLst>
               <a:ext uri="{91240B29-F687-4f45-9708-019B960494DF}">
-                <a14:hiddenLine xmlns:a14="http://schemas.microsoft.com/office/drawing/2010/main" xmlns="" w="9525">
+                <a14:hiddenLine xmlns="" xmlns:a14="http://schemas.microsoft.com/office/drawing/2010/main" w="9525">
                   <a:solidFill>
                     <a:srgbClr val="000000"/>
                   </a:solidFill>
@@ -45284,7 +45284,7 @@
             <p:cNvPr id="205" name="Freeform 47">
               <a:extLst>
                 <a:ext uri="{FF2B5EF4-FFF2-40B4-BE49-F238E27FC236}">
-                  <a16:creationId xmlns:a16="http://schemas.microsoft.com/office/drawing/2014/main" xmlns="" id="{23EE4C98-DFEF-4C53-9CFF-46883C6B206E}"/>
+                  <a16:creationId xmlns="" xmlns:a16="http://schemas.microsoft.com/office/drawing/2014/main" id="{23EE4C98-DFEF-4C53-9CFF-46883C6B206E}"/>
                 </a:ext>
               </a:extLst>
             </p:cNvPr>
@@ -45417,7 +45417,7 @@
             </a:ln>
             <a:extLst>
               <a:ext uri="{91240B29-F687-4f45-9708-019B960494DF}">
-                <a14:hiddenLine xmlns:a14="http://schemas.microsoft.com/office/drawing/2010/main" xmlns="" w="9525">
+                <a14:hiddenLine xmlns="" xmlns:a14="http://schemas.microsoft.com/office/drawing/2010/main" w="9525">
                   <a:solidFill>
                     <a:srgbClr val="000000"/>
                   </a:solidFill>
@@ -45445,7 +45445,7 @@
             <p:cNvPr id="206" name="Freeform 48">
               <a:extLst>
                 <a:ext uri="{FF2B5EF4-FFF2-40B4-BE49-F238E27FC236}">
-                  <a16:creationId xmlns:a16="http://schemas.microsoft.com/office/drawing/2014/main" xmlns="" id="{1204AA86-19F5-4886-BF17-0B1A8A721E93}"/>
+                  <a16:creationId xmlns="" xmlns:a16="http://schemas.microsoft.com/office/drawing/2014/main" id="{1204AA86-19F5-4886-BF17-0B1A8A721E93}"/>
                 </a:ext>
               </a:extLst>
             </p:cNvPr>
@@ -45545,7 +45545,7 @@
             </a:ln>
             <a:extLst>
               <a:ext uri="{91240B29-F687-4f45-9708-019B960494DF}">
-                <a14:hiddenLine xmlns:a14="http://schemas.microsoft.com/office/drawing/2010/main" xmlns="" w="9525">
+                <a14:hiddenLine xmlns="" xmlns:a14="http://schemas.microsoft.com/office/drawing/2010/main" w="9525">
                   <a:solidFill>
                     <a:srgbClr val="000000"/>
                   </a:solidFill>
@@ -45573,7 +45573,7 @@
             <p:cNvPr id="207" name="Freeform 49">
               <a:extLst>
                 <a:ext uri="{FF2B5EF4-FFF2-40B4-BE49-F238E27FC236}">
-                  <a16:creationId xmlns:a16="http://schemas.microsoft.com/office/drawing/2014/main" xmlns="" id="{655CE9BE-8BB0-4E12-B609-DF1A8A20B5BE}"/>
+                  <a16:creationId xmlns="" xmlns:a16="http://schemas.microsoft.com/office/drawing/2014/main" id="{655CE9BE-8BB0-4E12-B609-DF1A8A20B5BE}"/>
                 </a:ext>
               </a:extLst>
             </p:cNvPr>
@@ -45713,7 +45713,7 @@
             </a:ln>
             <a:extLst>
               <a:ext uri="{91240B29-F687-4f45-9708-019B960494DF}">
-                <a14:hiddenLine xmlns:a14="http://schemas.microsoft.com/office/drawing/2010/main" xmlns="" w="9525">
+                <a14:hiddenLine xmlns="" xmlns:a14="http://schemas.microsoft.com/office/drawing/2010/main" w="9525">
                   <a:solidFill>
                     <a:srgbClr val="000000"/>
                   </a:solidFill>
@@ -45741,7 +45741,7 @@
             <p:cNvPr id="208" name="Freeform 50">
               <a:extLst>
                 <a:ext uri="{FF2B5EF4-FFF2-40B4-BE49-F238E27FC236}">
-                  <a16:creationId xmlns:a16="http://schemas.microsoft.com/office/drawing/2014/main" xmlns="" id="{52517300-6F8F-4339-8001-DC9D09300C8D}"/>
+                  <a16:creationId xmlns="" xmlns:a16="http://schemas.microsoft.com/office/drawing/2014/main" id="{52517300-6F8F-4339-8001-DC9D09300C8D}"/>
                 </a:ext>
               </a:extLst>
             </p:cNvPr>
@@ -45809,7 +45809,7 @@
             </a:ln>
             <a:extLst>
               <a:ext uri="{91240B29-F687-4f45-9708-019B960494DF}">
-                <a14:hiddenLine xmlns:a14="http://schemas.microsoft.com/office/drawing/2010/main" xmlns="" w="9525">
+                <a14:hiddenLine xmlns="" xmlns:a14="http://schemas.microsoft.com/office/drawing/2010/main" w="9525">
                   <a:solidFill>
                     <a:srgbClr val="000000"/>
                   </a:solidFill>
@@ -45837,7 +45837,7 @@
             <p:cNvPr id="209" name="Freeform 51">
               <a:extLst>
                 <a:ext uri="{FF2B5EF4-FFF2-40B4-BE49-F238E27FC236}">
-                  <a16:creationId xmlns:a16="http://schemas.microsoft.com/office/drawing/2014/main" xmlns="" id="{7E43666B-9E77-441C-88F1-0108E6961BD2}"/>
+                  <a16:creationId xmlns="" xmlns:a16="http://schemas.microsoft.com/office/drawing/2014/main" id="{7E43666B-9E77-441C-88F1-0108E6961BD2}"/>
                 </a:ext>
               </a:extLst>
             </p:cNvPr>
@@ -45970,7 +45970,7 @@
             </a:ln>
             <a:extLst>
               <a:ext uri="{91240B29-F687-4f45-9708-019B960494DF}">
-                <a14:hiddenLine xmlns:a14="http://schemas.microsoft.com/office/drawing/2010/main" xmlns="" w="9525">
+                <a14:hiddenLine xmlns="" xmlns:a14="http://schemas.microsoft.com/office/drawing/2010/main" w="9525">
                   <a:solidFill>
                     <a:srgbClr val="000000"/>
                   </a:solidFill>
@@ -45998,7 +45998,7 @@
             <p:cNvPr id="210" name="Freeform 52">
               <a:extLst>
                 <a:ext uri="{FF2B5EF4-FFF2-40B4-BE49-F238E27FC236}">
-                  <a16:creationId xmlns:a16="http://schemas.microsoft.com/office/drawing/2014/main" xmlns="" id="{6444DD0B-E967-4684-8570-05D8ECAC79F2}"/>
+                  <a16:creationId xmlns="" xmlns:a16="http://schemas.microsoft.com/office/drawing/2014/main" id="{6444DD0B-E967-4684-8570-05D8ECAC79F2}"/>
                 </a:ext>
               </a:extLst>
             </p:cNvPr>
@@ -46131,7 +46131,7 @@
             </a:ln>
             <a:extLst>
               <a:ext uri="{91240B29-F687-4f45-9708-019B960494DF}">
-                <a14:hiddenLine xmlns:a14="http://schemas.microsoft.com/office/drawing/2010/main" xmlns="" w="9525">
+                <a14:hiddenLine xmlns="" xmlns:a14="http://schemas.microsoft.com/office/drawing/2010/main" w="9525">
                   <a:solidFill>
                     <a:srgbClr val="000000"/>
                   </a:solidFill>
@@ -46159,7 +46159,7 @@
             <p:cNvPr id="211" name="Oval 53">
               <a:extLst>
                 <a:ext uri="{FF2B5EF4-FFF2-40B4-BE49-F238E27FC236}">
-                  <a16:creationId xmlns:a16="http://schemas.microsoft.com/office/drawing/2014/main" xmlns="" id="{D0EB3B55-09A3-4688-9326-08AEA429B449}"/>
+                  <a16:creationId xmlns="" xmlns:a16="http://schemas.microsoft.com/office/drawing/2014/main" id="{D0EB3B55-09A3-4688-9326-08AEA429B449}"/>
                 </a:ext>
               </a:extLst>
             </p:cNvPr>
@@ -46184,7 +46184,7 @@
             </a:ln>
             <a:extLst>
               <a:ext uri="{91240B29-F687-4f45-9708-019B960494DF}">
-                <a14:hiddenLine xmlns:a14="http://schemas.microsoft.com/office/drawing/2010/main" xmlns="" w="9525">
+                <a14:hiddenLine xmlns="" xmlns:a14="http://schemas.microsoft.com/office/drawing/2010/main" w="9525">
                   <a:solidFill>
                     <a:srgbClr val="000000"/>
                   </a:solidFill>
@@ -46212,7 +46212,7 @@
             <p:cNvPr id="212" name="Freeform 59">
               <a:extLst>
                 <a:ext uri="{FF2B5EF4-FFF2-40B4-BE49-F238E27FC236}">
-                  <a16:creationId xmlns:a16="http://schemas.microsoft.com/office/drawing/2014/main" xmlns="" id="{C96616CA-FA16-49F1-80AD-C58550B9D388}"/>
+                  <a16:creationId xmlns="" xmlns:a16="http://schemas.microsoft.com/office/drawing/2014/main" id="{C96616CA-FA16-49F1-80AD-C58550B9D388}"/>
                 </a:ext>
               </a:extLst>
             </p:cNvPr>
@@ -46280,7 +46280,7 @@
             </a:ln>
             <a:extLst>
               <a:ext uri="{91240B29-F687-4f45-9708-019B960494DF}">
-                <a14:hiddenLine xmlns:a14="http://schemas.microsoft.com/office/drawing/2010/main" xmlns="" w="9525">
+                <a14:hiddenLine xmlns="" xmlns:a14="http://schemas.microsoft.com/office/drawing/2010/main" w="9525">
                   <a:solidFill>
                     <a:srgbClr val="000000"/>
                   </a:solidFill>
@@ -46309,7 +46309,7 @@
           <p:cNvPr id="213" name="Rectangle 212">
             <a:extLst>
               <a:ext uri="{FF2B5EF4-FFF2-40B4-BE49-F238E27FC236}">
-                <a16:creationId xmlns:a16="http://schemas.microsoft.com/office/drawing/2014/main" xmlns="" id="{3E05711C-D4A0-4913-B2C0-FABBB242F521}"/>
+                <a16:creationId xmlns="" xmlns:a16="http://schemas.microsoft.com/office/drawing/2014/main" id="{3E05711C-D4A0-4913-B2C0-FABBB242F521}"/>
               </a:ext>
             </a:extLst>
           </p:cNvPr>
@@ -47015,12 +47015,6 @@
               </a:rPr>
               <a:t>qui fuit</a:t>
             </a:r>
-            <a:endParaRPr lang="fr-FR" sz="1600" kern="0" dirty="0" smtClean="0">
-              <a:solidFill>
-                <a:srgbClr val="549797"/>
-              </a:solidFill>
-              <a:latin typeface="+mj-lt"/>
-            </a:endParaRPr>
           </a:p>
         </p:txBody>
       </p:sp>
@@ -47187,9 +47181,6 @@
                 </a:rPr>
                 <a:t>API</a:t>
               </a:r>
-              <a:endParaRPr lang="fr-FR" sz="2000" kern="0" dirty="0" smtClean="0">
-                <a:latin typeface="+mj-lt"/>
-              </a:endParaRPr>
             </a:p>
           </p:txBody>
         </p:sp>
@@ -47292,9 +47283,6 @@
               </a:rPr>
               <a:t>Documentation</a:t>
             </a:r>
-            <a:endParaRPr lang="fr-FR" sz="2000" kern="0" dirty="0" smtClean="0">
-              <a:latin typeface="+mj-lt"/>
-            </a:endParaRPr>
           </a:p>
         </p:txBody>
       </p:sp>
@@ -47306,8 +47294,8 @@
         </p:nvSpPr>
         <p:spPr>
           <a:xfrm>
-            <a:off x="3031068" y="5434538"/>
-            <a:ext cx="1456265" cy="410743"/>
+            <a:off x="3586487" y="5434538"/>
+            <a:ext cx="4793015" cy="410743"/>
           </a:xfrm>
           <a:prstGeom prst="rect">
             <a:avLst/>
@@ -47347,7 +47335,7 @@
                 </a:solidFill>
                 <a:latin typeface="+mj-lt"/>
               </a:rPr>
-              <a:t>Frontière</a:t>
+              <a:t>Frontières correspondant à mon besoin</a:t>
             </a:r>
             <a:endParaRPr lang="fr-FR" sz="2000" kern="0" dirty="0" smtClean="0">
               <a:solidFill>
@@ -47456,9 +47444,6 @@
               </a:rPr>
               <a:t>Configuration</a:t>
             </a:r>
-            <a:endParaRPr lang="fr-FR" sz="2000" kern="0" dirty="0" smtClean="0">
-              <a:latin typeface="+mj-lt"/>
-            </a:endParaRPr>
           </a:p>
         </p:txBody>
       </p:sp>
